--- a/docs/requirements/Preliminary User Interface.pptx
+++ b/docs/requirements/Preliminary User Interface.pptx
@@ -8,6 +8,10 @@
     <p:sldId id="256" r:id="rId2"/>
     <p:sldId id="257" r:id="rId3"/>
     <p:sldId id="258" r:id="rId4"/>
+    <p:sldId id="260" r:id="rId5"/>
+    <p:sldId id="262" r:id="rId6"/>
+    <p:sldId id="261" r:id="rId7"/>
+    <p:sldId id="263" r:id="rId8"/>
   </p:sldIdLst>
   <p:sldSz cx="9144000" cy="6858000" type="screen4x3"/>
   <p:notesSz cx="6858000" cy="9144000"/>
@@ -290,6 +294,7 @@
           <a:p>
             <a:fld id="{5B0A42CF-7EE3-43BF-BF4A-7F5DC7F1BA0F}" type="datetimeFigureOut">
               <a:rPr lang="en-US" smtClean="0"/>
+              <a:pPr/>
               <a:t>10/17/2010</a:t>
             </a:fld>
             <a:endParaRPr lang="en-US"/>
@@ -332,6 +337,7 @@
           <a:p>
             <a:fld id="{A2B626B5-2600-4672-AE93-6087731FCD06}" type="slidenum">
               <a:rPr lang="en-US" smtClean="0"/>
+              <a:pPr/>
               <a:t>‹#›</a:t>
             </a:fld>
             <a:endParaRPr lang="en-US"/>
@@ -455,6 +461,7 @@
           <a:p>
             <a:fld id="{5B0A42CF-7EE3-43BF-BF4A-7F5DC7F1BA0F}" type="datetimeFigureOut">
               <a:rPr lang="en-US" smtClean="0"/>
+              <a:pPr/>
               <a:t>10/17/2010</a:t>
             </a:fld>
             <a:endParaRPr lang="en-US"/>
@@ -497,6 +504,7 @@
           <a:p>
             <a:fld id="{A2B626B5-2600-4672-AE93-6087731FCD06}" type="slidenum">
               <a:rPr lang="en-US" smtClean="0"/>
+              <a:pPr/>
               <a:t>‹#›</a:t>
             </a:fld>
             <a:endParaRPr lang="en-US"/>
@@ -630,6 +638,7 @@
           <a:p>
             <a:fld id="{5B0A42CF-7EE3-43BF-BF4A-7F5DC7F1BA0F}" type="datetimeFigureOut">
               <a:rPr lang="en-US" smtClean="0"/>
+              <a:pPr/>
               <a:t>10/17/2010</a:t>
             </a:fld>
             <a:endParaRPr lang="en-US"/>
@@ -672,6 +681,7 @@
           <a:p>
             <a:fld id="{A2B626B5-2600-4672-AE93-6087731FCD06}" type="slidenum">
               <a:rPr lang="en-US" smtClean="0"/>
+              <a:pPr/>
               <a:t>‹#›</a:t>
             </a:fld>
             <a:endParaRPr lang="en-US"/>
@@ -795,6 +805,7 @@
           <a:p>
             <a:fld id="{5B0A42CF-7EE3-43BF-BF4A-7F5DC7F1BA0F}" type="datetimeFigureOut">
               <a:rPr lang="en-US" smtClean="0"/>
+              <a:pPr/>
               <a:t>10/17/2010</a:t>
             </a:fld>
             <a:endParaRPr lang="en-US"/>
@@ -837,6 +848,7 @@
           <a:p>
             <a:fld id="{A2B626B5-2600-4672-AE93-6087731FCD06}" type="slidenum">
               <a:rPr lang="en-US" smtClean="0"/>
+              <a:pPr/>
               <a:t>‹#›</a:t>
             </a:fld>
             <a:endParaRPr lang="en-US"/>
@@ -1036,6 +1048,7 @@
           <a:p>
             <a:fld id="{5B0A42CF-7EE3-43BF-BF4A-7F5DC7F1BA0F}" type="datetimeFigureOut">
               <a:rPr lang="en-US" smtClean="0"/>
+              <a:pPr/>
               <a:t>10/17/2010</a:t>
             </a:fld>
             <a:endParaRPr lang="en-US"/>
@@ -1078,6 +1091,7 @@
           <a:p>
             <a:fld id="{A2B626B5-2600-4672-AE93-6087731FCD06}" type="slidenum">
               <a:rPr lang="en-US" smtClean="0"/>
+              <a:pPr/>
               <a:t>‹#›</a:t>
             </a:fld>
             <a:endParaRPr lang="en-US"/>
@@ -1319,6 +1333,7 @@
           <a:p>
             <a:fld id="{5B0A42CF-7EE3-43BF-BF4A-7F5DC7F1BA0F}" type="datetimeFigureOut">
               <a:rPr lang="en-US" smtClean="0"/>
+              <a:pPr/>
               <a:t>10/17/2010</a:t>
             </a:fld>
             <a:endParaRPr lang="en-US"/>
@@ -1361,6 +1376,7 @@
           <a:p>
             <a:fld id="{A2B626B5-2600-4672-AE93-6087731FCD06}" type="slidenum">
               <a:rPr lang="en-US" smtClean="0"/>
+              <a:pPr/>
               <a:t>‹#›</a:t>
             </a:fld>
             <a:endParaRPr lang="en-US"/>
@@ -1736,6 +1752,7 @@
           <a:p>
             <a:fld id="{5B0A42CF-7EE3-43BF-BF4A-7F5DC7F1BA0F}" type="datetimeFigureOut">
               <a:rPr lang="en-US" smtClean="0"/>
+              <a:pPr/>
               <a:t>10/17/2010</a:t>
             </a:fld>
             <a:endParaRPr lang="en-US"/>
@@ -1778,6 +1795,7 @@
           <a:p>
             <a:fld id="{A2B626B5-2600-4672-AE93-6087731FCD06}" type="slidenum">
               <a:rPr lang="en-US" smtClean="0"/>
+              <a:pPr/>
               <a:t>‹#›</a:t>
             </a:fld>
             <a:endParaRPr lang="en-US"/>
@@ -1849,6 +1867,7 @@
           <a:p>
             <a:fld id="{5B0A42CF-7EE3-43BF-BF4A-7F5DC7F1BA0F}" type="datetimeFigureOut">
               <a:rPr lang="en-US" smtClean="0"/>
+              <a:pPr/>
               <a:t>10/17/2010</a:t>
             </a:fld>
             <a:endParaRPr lang="en-US"/>
@@ -1891,6 +1910,7 @@
           <a:p>
             <a:fld id="{A2B626B5-2600-4672-AE93-6087731FCD06}" type="slidenum">
               <a:rPr lang="en-US" smtClean="0"/>
+              <a:pPr/>
               <a:t>‹#›</a:t>
             </a:fld>
             <a:endParaRPr lang="en-US"/>
@@ -1939,6 +1959,7 @@
           <a:p>
             <a:fld id="{5B0A42CF-7EE3-43BF-BF4A-7F5DC7F1BA0F}" type="datetimeFigureOut">
               <a:rPr lang="en-US" smtClean="0"/>
+              <a:pPr/>
               <a:t>10/17/2010</a:t>
             </a:fld>
             <a:endParaRPr lang="en-US"/>
@@ -1981,6 +2002,7 @@
           <a:p>
             <a:fld id="{A2B626B5-2600-4672-AE93-6087731FCD06}" type="slidenum">
               <a:rPr lang="en-US" smtClean="0"/>
+              <a:pPr/>
               <a:t>‹#›</a:t>
             </a:fld>
             <a:endParaRPr lang="en-US"/>
@@ -2211,6 +2233,7 @@
           <a:p>
             <a:fld id="{5B0A42CF-7EE3-43BF-BF4A-7F5DC7F1BA0F}" type="datetimeFigureOut">
               <a:rPr lang="en-US" smtClean="0"/>
+              <a:pPr/>
               <a:t>10/17/2010</a:t>
             </a:fld>
             <a:endParaRPr lang="en-US"/>
@@ -2253,6 +2276,7 @@
           <a:p>
             <a:fld id="{A2B626B5-2600-4672-AE93-6087731FCD06}" type="slidenum">
               <a:rPr lang="en-US" smtClean="0"/>
+              <a:pPr/>
               <a:t>‹#›</a:t>
             </a:fld>
             <a:endParaRPr lang="en-US"/>
@@ -2459,6 +2483,7 @@
           <a:p>
             <a:fld id="{5B0A42CF-7EE3-43BF-BF4A-7F5DC7F1BA0F}" type="datetimeFigureOut">
               <a:rPr lang="en-US" smtClean="0"/>
+              <a:pPr/>
               <a:t>10/17/2010</a:t>
             </a:fld>
             <a:endParaRPr lang="en-US"/>
@@ -2501,6 +2526,7 @@
           <a:p>
             <a:fld id="{A2B626B5-2600-4672-AE93-6087731FCD06}" type="slidenum">
               <a:rPr lang="en-US" smtClean="0"/>
+              <a:pPr/>
               <a:t>‹#›</a:t>
             </a:fld>
             <a:endParaRPr lang="en-US"/>
@@ -2667,6 +2693,7 @@
           <a:p>
             <a:fld id="{5B0A42CF-7EE3-43BF-BF4A-7F5DC7F1BA0F}" type="datetimeFigureOut">
               <a:rPr lang="en-US" smtClean="0"/>
+              <a:pPr/>
               <a:t>10/17/2010</a:t>
             </a:fld>
             <a:endParaRPr lang="en-US"/>
@@ -2745,6 +2772,7 @@
           <a:p>
             <a:fld id="{A2B626B5-2600-4672-AE93-6087731FCD06}" type="slidenum">
               <a:rPr lang="en-US" smtClean="0"/>
+              <a:pPr/>
               <a:t>‹#›</a:t>
             </a:fld>
             <a:endParaRPr lang="en-US"/>
@@ -3859,6 +3887,487 @@
           <a:noFill/>
         </p:spPr>
       </p:pic>
+      <p:sp>
+        <p:nvSpPr>
+          <p:cNvPr id="14" name="Rounded Rectangle 13"/>
+          <p:cNvSpPr/>
+          <p:nvPr/>
+        </p:nvSpPr>
+        <p:spPr>
+          <a:xfrm>
+            <a:off x="1905000" y="3581400"/>
+            <a:ext cx="2057400" cy="533400"/>
+          </a:xfrm>
+          <a:prstGeom prst="roundRect">
+            <a:avLst/>
+          </a:prstGeom>
+          <a:noFill/>
+          <a:ln>
+            <a:solidFill>
+              <a:schemeClr val="tx1"/>
+            </a:solidFill>
+          </a:ln>
+        </p:spPr>
+        <p:style>
+          <a:lnRef idx="2">
+            <a:schemeClr val="accent1">
+              <a:shade val="50000"/>
+            </a:schemeClr>
+          </a:lnRef>
+          <a:fillRef idx="1">
+            <a:schemeClr val="accent1"/>
+          </a:fillRef>
+          <a:effectRef idx="0">
+            <a:schemeClr val="accent1"/>
+          </a:effectRef>
+          <a:fontRef idx="minor">
+            <a:schemeClr val="lt1"/>
+          </a:fontRef>
+        </p:style>
+        <p:txBody>
+          <a:bodyPr rtlCol="0" anchor="ctr"/>
+          <a:lstStyle/>
+          <a:p>
+            <a:pPr algn="ctr"/>
+            <a:endParaRPr lang="en-US"/>
+          </a:p>
+        </p:txBody>
+      </p:sp>
+      <p:sp>
+        <p:nvSpPr>
+          <p:cNvPr id="15" name="TextBox 14"/>
+          <p:cNvSpPr txBox="1"/>
+          <p:nvPr/>
+        </p:nvSpPr>
+        <p:spPr>
+          <a:xfrm>
+            <a:off x="2057399" y="3669268"/>
+            <a:ext cx="1828801" cy="369332"/>
+          </a:xfrm>
+          <a:prstGeom prst="rect">
+            <a:avLst/>
+          </a:prstGeom>
+          <a:noFill/>
+        </p:spPr>
+        <p:txBody>
+          <a:bodyPr wrap="square" rtlCol="0">
+            <a:spAutoFit/>
+          </a:bodyPr>
+          <a:lstStyle/>
+          <a:p>
+            <a:pPr algn="ctr"/>
+            <a:r>
+              <a:rPr lang="en-US" dirty="0" smtClean="0"/>
+              <a:t>Manage PM</a:t>
+            </a:r>
+            <a:endParaRPr lang="en-US" dirty="0"/>
+          </a:p>
+        </p:txBody>
+      </p:sp>
+      <p:sp>
+        <p:nvSpPr>
+          <p:cNvPr id="16" name="TextBox 15"/>
+          <p:cNvSpPr txBox="1"/>
+          <p:nvPr/>
+        </p:nvSpPr>
+        <p:spPr>
+          <a:xfrm>
+            <a:off x="228600" y="3124200"/>
+            <a:ext cx="1447800" cy="646331"/>
+          </a:xfrm>
+          <a:prstGeom prst="rect">
+            <a:avLst/>
+          </a:prstGeom>
+          <a:solidFill>
+            <a:srgbClr val="FF0000"/>
+          </a:solidFill>
+          <a:ln>
+            <a:solidFill>
+              <a:schemeClr val="tx1"/>
+            </a:solidFill>
+          </a:ln>
+        </p:spPr>
+        <p:txBody>
+          <a:bodyPr wrap="square" rtlCol="0">
+            <a:spAutoFit/>
+          </a:bodyPr>
+          <a:lstStyle/>
+          <a:p>
+            <a:r>
+              <a:rPr lang="en-US" sz="1200" b="1" dirty="0" smtClean="0"/>
+              <a:t>Course Database </a:t>
+            </a:r>
+            <a:r>
+              <a:rPr lang="en-US" sz="1200" dirty="0" smtClean="0"/>
+              <a:t>- will be accessible to the PAs and PMs </a:t>
+            </a:r>
+          </a:p>
+        </p:txBody>
+      </p:sp>
+      <p:sp>
+        <p:nvSpPr>
+          <p:cNvPr id="17" name="TextBox 16"/>
+          <p:cNvSpPr txBox="1"/>
+          <p:nvPr/>
+        </p:nvSpPr>
+        <p:spPr>
+          <a:xfrm>
+            <a:off x="228600" y="3962400"/>
+            <a:ext cx="1524000" cy="830997"/>
+          </a:xfrm>
+          <a:prstGeom prst="rect">
+            <a:avLst/>
+          </a:prstGeom>
+          <a:solidFill>
+            <a:srgbClr val="FF0000"/>
+          </a:solidFill>
+          <a:ln>
+            <a:solidFill>
+              <a:schemeClr val="tx1"/>
+            </a:solidFill>
+          </a:ln>
+        </p:spPr>
+        <p:txBody>
+          <a:bodyPr wrap="square" rtlCol="0">
+            <a:spAutoFit/>
+          </a:bodyPr>
+          <a:lstStyle/>
+          <a:p>
+            <a:r>
+              <a:rPr lang="en-US" sz="1200" b="1" dirty="0" smtClean="0"/>
+              <a:t>Manage PMs </a:t>
+            </a:r>
+            <a:r>
+              <a:rPr lang="en-US" sz="1200" dirty="0" smtClean="0"/>
+              <a:t>-</a:t>
+            </a:r>
+            <a:r>
+              <a:rPr lang="en-US" sz="1200" b="1" dirty="0" smtClean="0"/>
+              <a:t> </a:t>
+            </a:r>
+            <a:r>
+              <a:rPr lang="en-US" sz="1200" dirty="0" smtClean="0"/>
+              <a:t>will allow the PA and PM to view the progress and </a:t>
+            </a:r>
+          </a:p>
+        </p:txBody>
+      </p:sp>
+      <p:sp>
+        <p:nvSpPr>
+          <p:cNvPr id="18" name="TextBox 17"/>
+          <p:cNvSpPr txBox="1"/>
+          <p:nvPr/>
+        </p:nvSpPr>
+        <p:spPr>
+          <a:xfrm>
+            <a:off x="228600" y="1371600"/>
+            <a:ext cx="1457076" cy="646331"/>
+          </a:xfrm>
+          <a:prstGeom prst="rect">
+            <a:avLst/>
+          </a:prstGeom>
+          <a:solidFill>
+            <a:srgbClr val="FF0000"/>
+          </a:solidFill>
+          <a:ln>
+            <a:solidFill>
+              <a:schemeClr val="tx1"/>
+            </a:solidFill>
+          </a:ln>
+        </p:spPr>
+        <p:txBody>
+          <a:bodyPr wrap="square" rtlCol="0">
+            <a:spAutoFit/>
+          </a:bodyPr>
+          <a:lstStyle/>
+          <a:p>
+            <a:r>
+              <a:rPr lang="en-US" sz="1200" b="1" dirty="0" smtClean="0"/>
+              <a:t>Home </a:t>
+            </a:r>
+            <a:r>
+              <a:rPr lang="en-US" sz="1200" dirty="0" smtClean="0"/>
+              <a:t>– This will redirect to the home page</a:t>
+            </a:r>
+            <a:endParaRPr lang="en-US" sz="1200" b="1" dirty="0" smtClean="0"/>
+          </a:p>
+        </p:txBody>
+      </p:sp>
+      <p:sp>
+        <p:nvSpPr>
+          <p:cNvPr id="19" name="TextBox 18"/>
+          <p:cNvSpPr txBox="1"/>
+          <p:nvPr/>
+        </p:nvSpPr>
+        <p:spPr>
+          <a:xfrm>
+            <a:off x="228600" y="2286000"/>
+            <a:ext cx="1457076" cy="646331"/>
+          </a:xfrm>
+          <a:prstGeom prst="rect">
+            <a:avLst/>
+          </a:prstGeom>
+          <a:solidFill>
+            <a:srgbClr val="FF0000"/>
+          </a:solidFill>
+          <a:ln>
+            <a:solidFill>
+              <a:schemeClr val="tx1"/>
+            </a:solidFill>
+          </a:ln>
+        </p:spPr>
+        <p:txBody>
+          <a:bodyPr wrap="square" rtlCol="0">
+            <a:spAutoFit/>
+          </a:bodyPr>
+          <a:lstStyle/>
+          <a:p>
+            <a:r>
+              <a:rPr lang="en-US" sz="1200" b="1" dirty="0" smtClean="0"/>
+              <a:t>Messages </a:t>
+            </a:r>
+            <a:r>
+              <a:rPr lang="en-US" sz="1200" dirty="0" smtClean="0"/>
+              <a:t> - This will show any messages required by the user</a:t>
+            </a:r>
+            <a:endParaRPr lang="en-US" sz="1200" b="1" dirty="0" smtClean="0"/>
+          </a:p>
+        </p:txBody>
+      </p:sp>
+      <p:sp>
+        <p:nvSpPr>
+          <p:cNvPr id="20" name="Rounded Rectangle 19"/>
+          <p:cNvSpPr/>
+          <p:nvPr/>
+        </p:nvSpPr>
+        <p:spPr>
+          <a:xfrm>
+            <a:off x="1905000" y="4114800"/>
+            <a:ext cx="2057400" cy="533400"/>
+          </a:xfrm>
+          <a:prstGeom prst="roundRect">
+            <a:avLst/>
+          </a:prstGeom>
+          <a:noFill/>
+          <a:ln>
+            <a:solidFill>
+              <a:schemeClr val="tx1"/>
+            </a:solidFill>
+          </a:ln>
+        </p:spPr>
+        <p:style>
+          <a:lnRef idx="2">
+            <a:schemeClr val="accent1">
+              <a:shade val="50000"/>
+            </a:schemeClr>
+          </a:lnRef>
+          <a:fillRef idx="1">
+            <a:schemeClr val="accent1"/>
+          </a:fillRef>
+          <a:effectRef idx="0">
+            <a:schemeClr val="accent1"/>
+          </a:effectRef>
+          <a:fontRef idx="minor">
+            <a:schemeClr val="lt1"/>
+          </a:fontRef>
+        </p:style>
+        <p:txBody>
+          <a:bodyPr rtlCol="0" anchor="ctr"/>
+          <a:lstStyle/>
+          <a:p>
+            <a:pPr algn="ctr"/>
+            <a:endParaRPr lang="en-US"/>
+          </a:p>
+        </p:txBody>
+      </p:sp>
+      <p:sp>
+        <p:nvSpPr>
+          <p:cNvPr id="21" name="TextBox 20"/>
+          <p:cNvSpPr txBox="1"/>
+          <p:nvPr/>
+        </p:nvSpPr>
+        <p:spPr>
+          <a:xfrm>
+            <a:off x="2057399" y="4202668"/>
+            <a:ext cx="1828801" cy="369332"/>
+          </a:xfrm>
+          <a:prstGeom prst="rect">
+            <a:avLst/>
+          </a:prstGeom>
+          <a:noFill/>
+        </p:spPr>
+        <p:txBody>
+          <a:bodyPr wrap="square" rtlCol="0">
+            <a:spAutoFit/>
+          </a:bodyPr>
+          <a:lstStyle/>
+          <a:p>
+            <a:pPr algn="ctr"/>
+            <a:r>
+              <a:rPr lang="en-US" dirty="0" smtClean="0"/>
+              <a:t>Review</a:t>
+            </a:r>
+            <a:endParaRPr lang="en-US" dirty="0"/>
+          </a:p>
+        </p:txBody>
+      </p:sp>
+      <p:sp>
+        <p:nvSpPr>
+          <p:cNvPr id="22" name="Rounded Rectangle 21"/>
+          <p:cNvSpPr/>
+          <p:nvPr/>
+        </p:nvSpPr>
+        <p:spPr>
+          <a:xfrm>
+            <a:off x="1905000" y="4648200"/>
+            <a:ext cx="2057400" cy="533400"/>
+          </a:xfrm>
+          <a:prstGeom prst="roundRect">
+            <a:avLst/>
+          </a:prstGeom>
+          <a:noFill/>
+          <a:ln>
+            <a:solidFill>
+              <a:schemeClr val="tx1"/>
+            </a:solidFill>
+          </a:ln>
+        </p:spPr>
+        <p:style>
+          <a:lnRef idx="2">
+            <a:schemeClr val="accent1">
+              <a:shade val="50000"/>
+            </a:schemeClr>
+          </a:lnRef>
+          <a:fillRef idx="1">
+            <a:schemeClr val="accent1"/>
+          </a:fillRef>
+          <a:effectRef idx="0">
+            <a:schemeClr val="accent1"/>
+          </a:effectRef>
+          <a:fontRef idx="minor">
+            <a:schemeClr val="lt1"/>
+          </a:fontRef>
+        </p:style>
+        <p:txBody>
+          <a:bodyPr rtlCol="0" anchor="ctr"/>
+          <a:lstStyle/>
+          <a:p>
+            <a:pPr algn="ctr"/>
+            <a:endParaRPr lang="en-US"/>
+          </a:p>
+        </p:txBody>
+      </p:sp>
+      <p:sp>
+        <p:nvSpPr>
+          <p:cNvPr id="23" name="TextBox 22"/>
+          <p:cNvSpPr txBox="1"/>
+          <p:nvPr/>
+        </p:nvSpPr>
+        <p:spPr>
+          <a:xfrm>
+            <a:off x="2057399" y="4736068"/>
+            <a:ext cx="1828801" cy="369332"/>
+          </a:xfrm>
+          <a:prstGeom prst="rect">
+            <a:avLst/>
+          </a:prstGeom>
+          <a:noFill/>
+        </p:spPr>
+        <p:txBody>
+          <a:bodyPr wrap="square" rtlCol="0">
+            <a:spAutoFit/>
+          </a:bodyPr>
+          <a:lstStyle/>
+          <a:p>
+            <a:pPr algn="ctr"/>
+            <a:r>
+              <a:rPr lang="en-US" dirty="0" smtClean="0"/>
+              <a:t>Settings</a:t>
+            </a:r>
+            <a:endParaRPr lang="en-US" dirty="0"/>
+          </a:p>
+        </p:txBody>
+      </p:sp>
+      <p:sp>
+        <p:nvSpPr>
+          <p:cNvPr id="24" name="TextBox 23"/>
+          <p:cNvSpPr txBox="1"/>
+          <p:nvPr/>
+        </p:nvSpPr>
+        <p:spPr>
+          <a:xfrm>
+            <a:off x="4343400" y="4267200"/>
+            <a:ext cx="2514600" cy="830997"/>
+          </a:xfrm>
+          <a:prstGeom prst="rect">
+            <a:avLst/>
+          </a:prstGeom>
+          <a:solidFill>
+            <a:srgbClr val="FF0000"/>
+          </a:solidFill>
+          <a:ln>
+            <a:solidFill>
+              <a:schemeClr val="tx1"/>
+            </a:solidFill>
+          </a:ln>
+        </p:spPr>
+        <p:txBody>
+          <a:bodyPr wrap="square" rtlCol="0">
+            <a:spAutoFit/>
+          </a:bodyPr>
+          <a:lstStyle/>
+          <a:p>
+            <a:r>
+              <a:rPr lang="en-US" sz="1200" b="1" dirty="0" smtClean="0"/>
+              <a:t>Review </a:t>
+            </a:r>
+            <a:r>
+              <a:rPr lang="en-US" sz="1200" dirty="0" smtClean="0"/>
+              <a:t>– Review any items that require review; the PM has finished their task of organizing and managing the course pages</a:t>
+            </a:r>
+          </a:p>
+        </p:txBody>
+      </p:sp>
+      <p:sp>
+        <p:nvSpPr>
+          <p:cNvPr id="25" name="TextBox 24"/>
+          <p:cNvSpPr txBox="1"/>
+          <p:nvPr/>
+        </p:nvSpPr>
+        <p:spPr>
+          <a:xfrm>
+            <a:off x="1676400" y="5334000"/>
+            <a:ext cx="2514600" cy="830997"/>
+          </a:xfrm>
+          <a:prstGeom prst="rect">
+            <a:avLst/>
+          </a:prstGeom>
+          <a:solidFill>
+            <a:srgbClr val="FF0000"/>
+          </a:solidFill>
+          <a:ln>
+            <a:solidFill>
+              <a:schemeClr val="tx1"/>
+            </a:solidFill>
+          </a:ln>
+        </p:spPr>
+        <p:txBody>
+          <a:bodyPr wrap="square" rtlCol="0">
+            <a:spAutoFit/>
+          </a:bodyPr>
+          <a:lstStyle/>
+          <a:p>
+            <a:r>
+              <a:rPr lang="en-US" sz="1200" b="1" dirty="0" smtClean="0"/>
+              <a:t>Settings </a:t>
+            </a:r>
+            <a:r>
+              <a:rPr lang="en-US" sz="1200" dirty="0" smtClean="0"/>
+              <a:t>– Can manage account settings such as passwords, connection authentication, email forwarding, etc</a:t>
+            </a:r>
+          </a:p>
+        </p:txBody>
+      </p:sp>
     </p:spTree>
   </p:cSld>
   <p:clrMapOvr>
@@ -4171,8 +4680,8 @@
         </p:nvSpPr>
         <p:spPr>
           <a:xfrm>
-            <a:off x="76200" y="1600200"/>
-            <a:ext cx="1143000" cy="1077218"/>
+            <a:off x="76200" y="914400"/>
+            <a:ext cx="1143000" cy="646331"/>
           </a:xfrm>
           <a:prstGeom prst="rect">
             <a:avLst/>
@@ -4193,18 +4702,18 @@
           <a:lstStyle/>
           <a:p>
             <a:r>
-              <a:rPr lang="en-US" sz="1600" dirty="0" smtClean="0"/>
+              <a:rPr lang="en-US" sz="1200" dirty="0" smtClean="0"/>
               <a:t>Highlighted cells indicates </a:t>
             </a:r>
             <a:r>
-              <a:rPr lang="en-US" sz="1600" dirty="0"/>
+              <a:rPr lang="en-US" sz="1200" dirty="0"/>
               <a:t>s</a:t>
             </a:r>
             <a:r>
-              <a:rPr lang="en-US" sz="1600" dirty="0" smtClean="0"/>
+              <a:rPr lang="en-US" sz="1200" dirty="0" smtClean="0"/>
               <a:t>election</a:t>
             </a:r>
-            <a:endParaRPr lang="en-US" sz="1600" dirty="0"/>
+            <a:endParaRPr lang="en-US" sz="1200" dirty="0"/>
           </a:p>
         </p:txBody>
       </p:sp>
@@ -6579,8 +7088,8 @@
         </p:nvSpPr>
         <p:spPr>
           <a:xfrm>
-            <a:off x="2514600" y="5562600"/>
-            <a:ext cx="3743076" cy="1200329"/>
+            <a:off x="5181600" y="152400"/>
+            <a:ext cx="2548968" cy="830997"/>
           </a:xfrm>
           <a:prstGeom prst="rect">
             <a:avLst/>
@@ -6605,7 +7114,7 @@
               <a:buChar char="•"/>
             </a:pPr>
             <a:r>
-              <a:rPr lang="en-US" dirty="0" smtClean="0"/>
+              <a:rPr lang="en-US" sz="1200" dirty="0" smtClean="0"/>
               <a:t>Building will be selected first</a:t>
             </a:r>
           </a:p>
@@ -6615,7 +7124,7 @@
               <a:buChar char="•"/>
             </a:pPr>
             <a:r>
-              <a:rPr lang="en-US" dirty="0" smtClean="0"/>
+              <a:rPr lang="en-US" sz="1200" dirty="0" smtClean="0"/>
               <a:t>Then room numbers for that building</a:t>
             </a:r>
           </a:p>
@@ -6625,7 +7134,7 @@
               <a:buChar char="•"/>
             </a:pPr>
             <a:r>
-              <a:rPr lang="en-US" dirty="0" smtClean="0"/>
+              <a:rPr lang="en-US" sz="1200" dirty="0" smtClean="0"/>
               <a:t>Class size for that room </a:t>
             </a:r>
           </a:p>
@@ -6635,7 +7144,7 @@
               <a:buChar char="•"/>
             </a:pPr>
             <a:r>
-              <a:rPr lang="en-US" dirty="0" smtClean="0"/>
+              <a:rPr lang="en-US" sz="1200" dirty="0" smtClean="0"/>
               <a:t>Department priority for that room</a:t>
             </a:r>
           </a:p>
@@ -6803,7 +7312,7 @@
         </p:nvSpPr>
         <p:spPr>
           <a:xfrm>
-            <a:off x="2743200" y="304800"/>
+            <a:off x="685800" y="304800"/>
             <a:ext cx="3826945" cy="369332"/>
           </a:xfrm>
           <a:prstGeom prst="rect">
@@ -6833,8 +7342,8 @@
         </p:nvSpPr>
         <p:spPr>
           <a:xfrm>
-            <a:off x="5400924" y="3810000"/>
-            <a:ext cx="3309624" cy="369332"/>
+            <a:off x="5105400" y="3733800"/>
+            <a:ext cx="3743076" cy="461665"/>
           </a:xfrm>
           <a:prstGeom prst="rect">
             <a:avLst/>
@@ -6849,6 +7358,574 @@
           </a:ln>
         </p:spPr>
         <p:txBody>
+          <a:bodyPr wrap="square" rtlCol="0">
+            <a:spAutoFit/>
+          </a:bodyPr>
+          <a:lstStyle/>
+          <a:p>
+            <a:r>
+              <a:rPr lang="en-US" sz="1200" dirty="0" smtClean="0"/>
+              <a:t>When the </a:t>
+            </a:r>
+            <a:r>
+              <a:rPr lang="en-US" sz="1200" dirty="0" smtClean="0"/>
+              <a:t>PA logs in, they will be required to populate this table, before </a:t>
+            </a:r>
+          </a:p>
+        </p:txBody>
+      </p:sp>
+      <p:sp>
+        <p:nvSpPr>
+          <p:cNvPr id="37" name="Rounded Rectangle 36"/>
+          <p:cNvSpPr/>
+          <p:nvPr/>
+        </p:nvSpPr>
+        <p:spPr>
+          <a:xfrm>
+            <a:off x="1524001" y="3124200"/>
+            <a:ext cx="1447799" cy="533400"/>
+          </a:xfrm>
+          <a:prstGeom prst="roundRect">
+            <a:avLst/>
+          </a:prstGeom>
+          <a:noFill/>
+          <a:ln>
+            <a:solidFill>
+              <a:schemeClr val="tx1"/>
+            </a:solidFill>
+          </a:ln>
+        </p:spPr>
+        <p:style>
+          <a:lnRef idx="2">
+            <a:schemeClr val="accent1">
+              <a:shade val="50000"/>
+            </a:schemeClr>
+          </a:lnRef>
+          <a:fillRef idx="1">
+            <a:schemeClr val="accent1"/>
+          </a:fillRef>
+          <a:effectRef idx="0">
+            <a:schemeClr val="accent1"/>
+          </a:effectRef>
+          <a:fontRef idx="minor">
+            <a:schemeClr val="lt1"/>
+          </a:fontRef>
+        </p:style>
+        <p:txBody>
+          <a:bodyPr rtlCol="0" anchor="ctr"/>
+          <a:lstStyle/>
+          <a:p>
+            <a:pPr algn="ctr"/>
+            <a:endParaRPr lang="en-US"/>
+          </a:p>
+        </p:txBody>
+      </p:sp>
+      <p:sp>
+        <p:nvSpPr>
+          <p:cNvPr id="38" name="TextBox 37"/>
+          <p:cNvSpPr txBox="1"/>
+          <p:nvPr/>
+        </p:nvSpPr>
+        <p:spPr>
+          <a:xfrm>
+            <a:off x="1524000" y="3124200"/>
+            <a:ext cx="1439335" cy="307777"/>
+          </a:xfrm>
+          <a:prstGeom prst="rect">
+            <a:avLst/>
+          </a:prstGeom>
+          <a:noFill/>
+        </p:spPr>
+        <p:txBody>
+          <a:bodyPr wrap="square" rtlCol="0">
+            <a:spAutoFit/>
+          </a:bodyPr>
+          <a:lstStyle/>
+          <a:p>
+            <a:pPr algn="ctr"/>
+            <a:r>
+              <a:rPr lang="en-US" sz="1400" dirty="0" smtClean="0"/>
+              <a:t>Manage PMs</a:t>
+            </a:r>
+            <a:endParaRPr lang="en-US" sz="1400" dirty="0"/>
+          </a:p>
+        </p:txBody>
+      </p:sp>
+      <p:sp>
+        <p:nvSpPr>
+          <p:cNvPr id="41" name="Rounded Rectangle 40"/>
+          <p:cNvSpPr/>
+          <p:nvPr/>
+        </p:nvSpPr>
+        <p:spPr>
+          <a:xfrm>
+            <a:off x="1524001" y="3657600"/>
+            <a:ext cx="1447799" cy="533400"/>
+          </a:xfrm>
+          <a:prstGeom prst="roundRect">
+            <a:avLst/>
+          </a:prstGeom>
+          <a:noFill/>
+          <a:ln>
+            <a:solidFill>
+              <a:schemeClr val="tx1"/>
+            </a:solidFill>
+          </a:ln>
+        </p:spPr>
+        <p:style>
+          <a:lnRef idx="2">
+            <a:schemeClr val="accent1">
+              <a:shade val="50000"/>
+            </a:schemeClr>
+          </a:lnRef>
+          <a:fillRef idx="1">
+            <a:schemeClr val="accent1"/>
+          </a:fillRef>
+          <a:effectRef idx="0">
+            <a:schemeClr val="accent1"/>
+          </a:effectRef>
+          <a:fontRef idx="minor">
+            <a:schemeClr val="lt1"/>
+          </a:fontRef>
+        </p:style>
+        <p:txBody>
+          <a:bodyPr rtlCol="0" anchor="ctr"/>
+          <a:lstStyle/>
+          <a:p>
+            <a:pPr algn="ctr"/>
+            <a:endParaRPr lang="en-US"/>
+          </a:p>
+        </p:txBody>
+      </p:sp>
+      <p:sp>
+        <p:nvSpPr>
+          <p:cNvPr id="42" name="TextBox 41"/>
+          <p:cNvSpPr txBox="1"/>
+          <p:nvPr/>
+        </p:nvSpPr>
+        <p:spPr>
+          <a:xfrm>
+            <a:off x="1524000" y="3657600"/>
+            <a:ext cx="1439335" cy="307777"/>
+          </a:xfrm>
+          <a:prstGeom prst="rect">
+            <a:avLst/>
+          </a:prstGeom>
+          <a:noFill/>
+        </p:spPr>
+        <p:txBody>
+          <a:bodyPr wrap="square" rtlCol="0">
+            <a:spAutoFit/>
+          </a:bodyPr>
+          <a:lstStyle/>
+          <a:p>
+            <a:pPr algn="ctr"/>
+            <a:r>
+              <a:rPr lang="en-US" sz="1400" dirty="0" smtClean="0"/>
+              <a:t>Review</a:t>
+            </a:r>
+            <a:endParaRPr lang="en-US" sz="1400" dirty="0"/>
+          </a:p>
+        </p:txBody>
+      </p:sp>
+      <p:sp>
+        <p:nvSpPr>
+          <p:cNvPr id="43" name="Rounded Rectangle 42"/>
+          <p:cNvSpPr/>
+          <p:nvPr/>
+        </p:nvSpPr>
+        <p:spPr>
+          <a:xfrm>
+            <a:off x="1524001" y="4191000"/>
+            <a:ext cx="1447799" cy="533400"/>
+          </a:xfrm>
+          <a:prstGeom prst="roundRect">
+            <a:avLst/>
+          </a:prstGeom>
+          <a:noFill/>
+          <a:ln>
+            <a:solidFill>
+              <a:schemeClr val="tx1"/>
+            </a:solidFill>
+          </a:ln>
+        </p:spPr>
+        <p:style>
+          <a:lnRef idx="2">
+            <a:schemeClr val="accent1">
+              <a:shade val="50000"/>
+            </a:schemeClr>
+          </a:lnRef>
+          <a:fillRef idx="1">
+            <a:schemeClr val="accent1"/>
+          </a:fillRef>
+          <a:effectRef idx="0">
+            <a:schemeClr val="accent1"/>
+          </a:effectRef>
+          <a:fontRef idx="minor">
+            <a:schemeClr val="lt1"/>
+          </a:fontRef>
+        </p:style>
+        <p:txBody>
+          <a:bodyPr rtlCol="0" anchor="ctr"/>
+          <a:lstStyle/>
+          <a:p>
+            <a:pPr algn="ctr"/>
+            <a:endParaRPr lang="en-US"/>
+          </a:p>
+        </p:txBody>
+      </p:sp>
+      <p:sp>
+        <p:nvSpPr>
+          <p:cNvPr id="44" name="TextBox 43"/>
+          <p:cNvSpPr txBox="1"/>
+          <p:nvPr/>
+        </p:nvSpPr>
+        <p:spPr>
+          <a:xfrm>
+            <a:off x="1524000" y="4191000"/>
+            <a:ext cx="1439335" cy="307777"/>
+          </a:xfrm>
+          <a:prstGeom prst="rect">
+            <a:avLst/>
+          </a:prstGeom>
+          <a:noFill/>
+        </p:spPr>
+        <p:txBody>
+          <a:bodyPr wrap="square" rtlCol="0">
+            <a:spAutoFit/>
+          </a:bodyPr>
+          <a:lstStyle/>
+          <a:p>
+            <a:pPr algn="ctr"/>
+            <a:r>
+              <a:rPr lang="en-US" sz="1400" dirty="0" smtClean="0"/>
+              <a:t>Setting</a:t>
+            </a:r>
+            <a:endParaRPr lang="en-US" sz="1400" dirty="0"/>
+          </a:p>
+        </p:txBody>
+      </p:sp>
+    </p:spTree>
+  </p:cSld>
+  <p:clrMapOvr>
+    <a:masterClrMapping/>
+  </p:clrMapOvr>
+</p:sld>
+</file>
+
+<file path=ppt/slides/slide4.xml><?xml version="1.0" encoding="utf-8"?>
+<p:sld xmlns:a="http://schemas.openxmlformats.org/drawingml/2006/main" xmlns:r="http://schemas.openxmlformats.org/officeDocument/2006/relationships" xmlns:p="http://schemas.openxmlformats.org/presentationml/2006/main">
+  <p:cSld>
+    <p:spTree>
+      <p:nvGrpSpPr>
+        <p:cNvPr id="1" name=""/>
+        <p:cNvGrpSpPr/>
+        <p:nvPr/>
+      </p:nvGrpSpPr>
+      <p:grpSpPr>
+        <a:xfrm>
+          <a:off x="0" y="0"/>
+          <a:ext cx="0" cy="0"/>
+          <a:chOff x="0" y="0"/>
+          <a:chExt cx="0" cy="0"/>
+        </a:xfrm>
+      </p:grpSpPr>
+      <p:sp>
+        <p:nvSpPr>
+          <p:cNvPr id="4" name="Rectangle 3"/>
+          <p:cNvSpPr/>
+          <p:nvPr/>
+        </p:nvSpPr>
+        <p:spPr>
+          <a:xfrm>
+            <a:off x="1295400" y="1676400"/>
+            <a:ext cx="6858000" cy="4419600"/>
+          </a:xfrm>
+          <a:prstGeom prst="rect">
+            <a:avLst/>
+          </a:prstGeom>
+          <a:noFill/>
+          <a:ln>
+            <a:solidFill>
+              <a:schemeClr val="tx1"/>
+            </a:solidFill>
+          </a:ln>
+        </p:spPr>
+        <p:style>
+          <a:lnRef idx="2">
+            <a:schemeClr val="accent1">
+              <a:shade val="50000"/>
+            </a:schemeClr>
+          </a:lnRef>
+          <a:fillRef idx="1">
+            <a:schemeClr val="accent1"/>
+          </a:fillRef>
+          <a:effectRef idx="0">
+            <a:schemeClr val="accent1"/>
+          </a:effectRef>
+          <a:fontRef idx="minor">
+            <a:schemeClr val="lt1"/>
+          </a:fontRef>
+        </p:style>
+        <p:txBody>
+          <a:bodyPr rtlCol="0" anchor="ctr"/>
+          <a:lstStyle/>
+          <a:p>
+            <a:pPr algn="ctr"/>
+            <a:endParaRPr lang="en-US"/>
+          </a:p>
+        </p:txBody>
+      </p:sp>
+      <p:sp>
+        <p:nvSpPr>
+          <p:cNvPr id="5" name="Rounded Rectangle 4"/>
+          <p:cNvSpPr/>
+          <p:nvPr/>
+        </p:nvSpPr>
+        <p:spPr>
+          <a:xfrm>
+            <a:off x="1905000" y="1981200"/>
+            <a:ext cx="2057400" cy="533400"/>
+          </a:xfrm>
+          <a:prstGeom prst="roundRect">
+            <a:avLst/>
+          </a:prstGeom>
+          <a:solidFill>
+            <a:srgbClr val="FFFF00"/>
+          </a:solidFill>
+          <a:ln>
+            <a:solidFill>
+              <a:schemeClr val="tx1"/>
+            </a:solidFill>
+          </a:ln>
+        </p:spPr>
+        <p:style>
+          <a:lnRef idx="2">
+            <a:schemeClr val="accent1">
+              <a:shade val="50000"/>
+            </a:schemeClr>
+          </a:lnRef>
+          <a:fillRef idx="1">
+            <a:schemeClr val="accent1"/>
+          </a:fillRef>
+          <a:effectRef idx="0">
+            <a:schemeClr val="accent1"/>
+          </a:effectRef>
+          <a:fontRef idx="minor">
+            <a:schemeClr val="lt1"/>
+          </a:fontRef>
+        </p:style>
+        <p:txBody>
+          <a:bodyPr rtlCol="0" anchor="ctr"/>
+          <a:lstStyle/>
+          <a:p>
+            <a:pPr algn="ctr"/>
+            <a:endParaRPr lang="en-US"/>
+          </a:p>
+        </p:txBody>
+      </p:sp>
+      <p:sp>
+        <p:nvSpPr>
+          <p:cNvPr id="6" name="TextBox 5"/>
+          <p:cNvSpPr txBox="1"/>
+          <p:nvPr/>
+        </p:nvSpPr>
+        <p:spPr>
+          <a:xfrm>
+            <a:off x="2057399" y="2069068"/>
+            <a:ext cx="1828801" cy="369332"/>
+          </a:xfrm>
+          <a:prstGeom prst="rect">
+            <a:avLst/>
+          </a:prstGeom>
+          <a:noFill/>
+        </p:spPr>
+        <p:txBody>
+          <a:bodyPr wrap="square" rtlCol="0">
+            <a:spAutoFit/>
+          </a:bodyPr>
+          <a:lstStyle/>
+          <a:p>
+            <a:pPr algn="ctr"/>
+            <a:r>
+              <a:rPr lang="en-US" dirty="0" smtClean="0"/>
+              <a:t>Home</a:t>
+            </a:r>
+            <a:endParaRPr lang="en-US" dirty="0"/>
+          </a:p>
+        </p:txBody>
+      </p:sp>
+      <p:sp>
+        <p:nvSpPr>
+          <p:cNvPr id="7" name="Rounded Rectangle 6"/>
+          <p:cNvSpPr/>
+          <p:nvPr/>
+        </p:nvSpPr>
+        <p:spPr>
+          <a:xfrm>
+            <a:off x="1905000" y="2514600"/>
+            <a:ext cx="2057400" cy="533400"/>
+          </a:xfrm>
+          <a:prstGeom prst="roundRect">
+            <a:avLst/>
+          </a:prstGeom>
+          <a:noFill/>
+          <a:ln>
+            <a:solidFill>
+              <a:schemeClr val="tx1"/>
+            </a:solidFill>
+          </a:ln>
+        </p:spPr>
+        <p:style>
+          <a:lnRef idx="2">
+            <a:schemeClr val="accent1">
+              <a:shade val="50000"/>
+            </a:schemeClr>
+          </a:lnRef>
+          <a:fillRef idx="1">
+            <a:schemeClr val="accent1"/>
+          </a:fillRef>
+          <a:effectRef idx="0">
+            <a:schemeClr val="accent1"/>
+          </a:effectRef>
+          <a:fontRef idx="minor">
+            <a:schemeClr val="lt1"/>
+          </a:fontRef>
+        </p:style>
+        <p:txBody>
+          <a:bodyPr rtlCol="0" anchor="ctr"/>
+          <a:lstStyle/>
+          <a:p>
+            <a:pPr algn="ctr"/>
+            <a:endParaRPr lang="en-US"/>
+          </a:p>
+        </p:txBody>
+      </p:sp>
+      <p:sp>
+        <p:nvSpPr>
+          <p:cNvPr id="8" name="TextBox 7"/>
+          <p:cNvSpPr txBox="1"/>
+          <p:nvPr/>
+        </p:nvSpPr>
+        <p:spPr>
+          <a:xfrm>
+            <a:off x="1904999" y="2602468"/>
+            <a:ext cx="2120773" cy="369332"/>
+          </a:xfrm>
+          <a:prstGeom prst="rect">
+            <a:avLst/>
+          </a:prstGeom>
+          <a:noFill/>
+        </p:spPr>
+        <p:txBody>
+          <a:bodyPr wrap="square" rtlCol="0">
+            <a:spAutoFit/>
+          </a:bodyPr>
+          <a:lstStyle/>
+          <a:p>
+            <a:pPr algn="ctr"/>
+            <a:r>
+              <a:rPr lang="en-US" dirty="0" smtClean="0"/>
+              <a:t>Messages</a:t>
+            </a:r>
+            <a:endParaRPr lang="en-US" dirty="0"/>
+          </a:p>
+        </p:txBody>
+      </p:sp>
+      <p:sp>
+        <p:nvSpPr>
+          <p:cNvPr id="9" name="Rounded Rectangle 8"/>
+          <p:cNvSpPr/>
+          <p:nvPr/>
+        </p:nvSpPr>
+        <p:spPr>
+          <a:xfrm>
+            <a:off x="1905000" y="3048000"/>
+            <a:ext cx="2057400" cy="533400"/>
+          </a:xfrm>
+          <a:prstGeom prst="roundRect">
+            <a:avLst/>
+          </a:prstGeom>
+          <a:noFill/>
+          <a:ln>
+            <a:solidFill>
+              <a:schemeClr val="tx1"/>
+            </a:solidFill>
+          </a:ln>
+        </p:spPr>
+        <p:style>
+          <a:lnRef idx="2">
+            <a:schemeClr val="accent1">
+              <a:shade val="50000"/>
+            </a:schemeClr>
+          </a:lnRef>
+          <a:fillRef idx="1">
+            <a:schemeClr val="accent1"/>
+          </a:fillRef>
+          <a:effectRef idx="0">
+            <a:schemeClr val="accent1"/>
+          </a:effectRef>
+          <a:fontRef idx="minor">
+            <a:schemeClr val="lt1"/>
+          </a:fontRef>
+        </p:style>
+        <p:txBody>
+          <a:bodyPr rtlCol="0" anchor="ctr"/>
+          <a:lstStyle/>
+          <a:p>
+            <a:pPr algn="ctr"/>
+            <a:endParaRPr lang="en-US"/>
+          </a:p>
+        </p:txBody>
+      </p:sp>
+      <p:sp>
+        <p:nvSpPr>
+          <p:cNvPr id="10" name="TextBox 9"/>
+          <p:cNvSpPr txBox="1"/>
+          <p:nvPr/>
+        </p:nvSpPr>
+        <p:spPr>
+          <a:xfrm>
+            <a:off x="2057399" y="3135868"/>
+            <a:ext cx="1828801" cy="369332"/>
+          </a:xfrm>
+          <a:prstGeom prst="rect">
+            <a:avLst/>
+          </a:prstGeom>
+          <a:noFill/>
+        </p:spPr>
+        <p:txBody>
+          <a:bodyPr wrap="square" rtlCol="0">
+            <a:spAutoFit/>
+          </a:bodyPr>
+          <a:lstStyle/>
+          <a:p>
+            <a:pPr algn="ctr"/>
+            <a:r>
+              <a:rPr lang="en-US" dirty="0" smtClean="0"/>
+              <a:t>Constraint Form</a:t>
+            </a:r>
+            <a:endParaRPr lang="en-US" dirty="0"/>
+          </a:p>
+        </p:txBody>
+      </p:sp>
+      <p:sp>
+        <p:nvSpPr>
+          <p:cNvPr id="11" name="TextBox 10"/>
+          <p:cNvSpPr txBox="1"/>
+          <p:nvPr/>
+        </p:nvSpPr>
+        <p:spPr>
+          <a:xfrm>
+            <a:off x="4191000" y="2914471"/>
+            <a:ext cx="3850670" cy="1200329"/>
+          </a:xfrm>
+          <a:prstGeom prst="rect">
+            <a:avLst/>
+          </a:prstGeom>
+          <a:noFill/>
+        </p:spPr>
+        <p:txBody>
           <a:bodyPr wrap="none" rtlCol="0">
             <a:spAutoFit/>
           </a:bodyPr>
@@ -6856,8 +7933,7174 @@
           <a:p>
             <a:r>
               <a:rPr lang="en-US" dirty="0" smtClean="0"/>
-              <a:t>When the Program Administrator</a:t>
-            </a:r>
+              <a:t>Welcome to the UCSC Portal website!</a:t>
+            </a:r>
+          </a:p>
+          <a:p>
+            <a:endParaRPr lang="en-US" dirty="0"/>
+          </a:p>
+          <a:p>
+            <a:r>
+              <a:rPr lang="en-US" dirty="0" smtClean="0"/>
+              <a:t>Please see the tabs on the left to direct</a:t>
+            </a:r>
+          </a:p>
+          <a:p>
+            <a:r>
+              <a:rPr lang="en-US" dirty="0" smtClean="0"/>
+              <a:t>To a site</a:t>
+            </a:r>
+            <a:endParaRPr lang="en-US" dirty="0"/>
+          </a:p>
+        </p:txBody>
+      </p:sp>
+      <p:pic>
+        <p:nvPicPr>
+          <p:cNvPr id="12" name="Picture 2" descr="UC Santa Cruz logo"/>
+          <p:cNvPicPr>
+            <a:picLocks noChangeAspect="1" noChangeArrowheads="1"/>
+          </p:cNvPicPr>
+          <p:nvPr/>
+        </p:nvPicPr>
+        <p:blipFill>
+          <a:blip r:embed="rId2" cstate="print"/>
+          <a:srcRect/>
+          <a:stretch>
+            <a:fillRect/>
+          </a:stretch>
+        </p:blipFill>
+        <p:spPr bwMode="auto">
+          <a:xfrm>
+            <a:off x="4191000" y="1828800"/>
+            <a:ext cx="3771900" cy="857251"/>
+          </a:xfrm>
+          <a:prstGeom prst="rect">
+            <a:avLst/>
+          </a:prstGeom>
+          <a:noFill/>
+        </p:spPr>
+      </p:pic>
+      <p:sp>
+        <p:nvSpPr>
+          <p:cNvPr id="13" name="Rounded Rectangle 12"/>
+          <p:cNvSpPr/>
+          <p:nvPr/>
+        </p:nvSpPr>
+        <p:spPr>
+          <a:xfrm>
+            <a:off x="1905000" y="3581400"/>
+            <a:ext cx="2057400" cy="533400"/>
+          </a:xfrm>
+          <a:prstGeom prst="roundRect">
+            <a:avLst/>
+          </a:prstGeom>
+          <a:noFill/>
+          <a:ln>
+            <a:solidFill>
+              <a:schemeClr val="tx1"/>
+            </a:solidFill>
+          </a:ln>
+        </p:spPr>
+        <p:style>
+          <a:lnRef idx="2">
+            <a:schemeClr val="accent1">
+              <a:shade val="50000"/>
+            </a:schemeClr>
+          </a:lnRef>
+          <a:fillRef idx="1">
+            <a:schemeClr val="accent1"/>
+          </a:fillRef>
+          <a:effectRef idx="0">
+            <a:schemeClr val="accent1"/>
+          </a:effectRef>
+          <a:fontRef idx="minor">
+            <a:schemeClr val="lt1"/>
+          </a:fontRef>
+        </p:style>
+        <p:txBody>
+          <a:bodyPr rtlCol="0" anchor="ctr"/>
+          <a:lstStyle/>
+          <a:p>
+            <a:pPr algn="ctr"/>
+            <a:endParaRPr lang="en-US"/>
+          </a:p>
+        </p:txBody>
+      </p:sp>
+      <p:sp>
+        <p:nvSpPr>
+          <p:cNvPr id="14" name="TextBox 13"/>
+          <p:cNvSpPr txBox="1"/>
+          <p:nvPr/>
+        </p:nvSpPr>
+        <p:spPr>
+          <a:xfrm>
+            <a:off x="2057399" y="3669268"/>
+            <a:ext cx="1828801" cy="369332"/>
+          </a:xfrm>
+          <a:prstGeom prst="rect">
+            <a:avLst/>
+          </a:prstGeom>
+          <a:noFill/>
+        </p:spPr>
+        <p:txBody>
+          <a:bodyPr wrap="square" rtlCol="0">
+            <a:spAutoFit/>
+          </a:bodyPr>
+          <a:lstStyle/>
+          <a:p>
+            <a:pPr algn="ctr"/>
+            <a:r>
+              <a:rPr lang="en-US" dirty="0" smtClean="0"/>
+              <a:t>History</a:t>
+            </a:r>
+            <a:endParaRPr lang="en-US" dirty="0"/>
+          </a:p>
+        </p:txBody>
+      </p:sp>
+      <p:sp>
+        <p:nvSpPr>
+          <p:cNvPr id="15" name="Rounded Rectangle 14"/>
+          <p:cNvSpPr/>
+          <p:nvPr/>
+        </p:nvSpPr>
+        <p:spPr>
+          <a:xfrm>
+            <a:off x="1905000" y="4114800"/>
+            <a:ext cx="2057400" cy="533400"/>
+          </a:xfrm>
+          <a:prstGeom prst="roundRect">
+            <a:avLst/>
+          </a:prstGeom>
+          <a:noFill/>
+          <a:ln>
+            <a:solidFill>
+              <a:schemeClr val="tx1"/>
+            </a:solidFill>
+          </a:ln>
+        </p:spPr>
+        <p:style>
+          <a:lnRef idx="2">
+            <a:schemeClr val="accent1">
+              <a:shade val="50000"/>
+            </a:schemeClr>
+          </a:lnRef>
+          <a:fillRef idx="1">
+            <a:schemeClr val="accent1"/>
+          </a:fillRef>
+          <a:effectRef idx="0">
+            <a:schemeClr val="accent1"/>
+          </a:effectRef>
+          <a:fontRef idx="minor">
+            <a:schemeClr val="lt1"/>
+          </a:fontRef>
+        </p:style>
+        <p:txBody>
+          <a:bodyPr rtlCol="0" anchor="ctr"/>
+          <a:lstStyle/>
+          <a:p>
+            <a:pPr algn="ctr"/>
+            <a:endParaRPr lang="en-US"/>
+          </a:p>
+        </p:txBody>
+      </p:sp>
+      <p:sp>
+        <p:nvSpPr>
+          <p:cNvPr id="16" name="TextBox 15"/>
+          <p:cNvSpPr txBox="1"/>
+          <p:nvPr/>
+        </p:nvSpPr>
+        <p:spPr>
+          <a:xfrm>
+            <a:off x="2057399" y="4202668"/>
+            <a:ext cx="1828801" cy="369332"/>
+          </a:xfrm>
+          <a:prstGeom prst="rect">
+            <a:avLst/>
+          </a:prstGeom>
+          <a:noFill/>
+        </p:spPr>
+        <p:txBody>
+          <a:bodyPr wrap="square" rtlCol="0">
+            <a:spAutoFit/>
+          </a:bodyPr>
+          <a:lstStyle/>
+          <a:p>
+            <a:pPr algn="ctr"/>
+            <a:r>
+              <a:rPr lang="en-US" dirty="0" smtClean="0"/>
+              <a:t>Review</a:t>
+            </a:r>
+            <a:endParaRPr lang="en-US" dirty="0"/>
+          </a:p>
+        </p:txBody>
+      </p:sp>
+      <p:sp>
+        <p:nvSpPr>
+          <p:cNvPr id="17" name="Rounded Rectangle 16"/>
+          <p:cNvSpPr/>
+          <p:nvPr/>
+        </p:nvSpPr>
+        <p:spPr>
+          <a:xfrm>
+            <a:off x="1905000" y="4648200"/>
+            <a:ext cx="2057400" cy="533400"/>
+          </a:xfrm>
+          <a:prstGeom prst="roundRect">
+            <a:avLst/>
+          </a:prstGeom>
+          <a:noFill/>
+          <a:ln>
+            <a:solidFill>
+              <a:schemeClr val="tx1"/>
+            </a:solidFill>
+          </a:ln>
+        </p:spPr>
+        <p:style>
+          <a:lnRef idx="2">
+            <a:schemeClr val="accent1">
+              <a:shade val="50000"/>
+            </a:schemeClr>
+          </a:lnRef>
+          <a:fillRef idx="1">
+            <a:schemeClr val="accent1"/>
+          </a:fillRef>
+          <a:effectRef idx="0">
+            <a:schemeClr val="accent1"/>
+          </a:effectRef>
+          <a:fontRef idx="minor">
+            <a:schemeClr val="lt1"/>
+          </a:fontRef>
+        </p:style>
+        <p:txBody>
+          <a:bodyPr rtlCol="0" anchor="ctr"/>
+          <a:lstStyle/>
+          <a:p>
+            <a:pPr algn="ctr"/>
+            <a:endParaRPr lang="en-US"/>
+          </a:p>
+        </p:txBody>
+      </p:sp>
+      <p:sp>
+        <p:nvSpPr>
+          <p:cNvPr id="18" name="TextBox 17"/>
+          <p:cNvSpPr txBox="1"/>
+          <p:nvPr/>
+        </p:nvSpPr>
+        <p:spPr>
+          <a:xfrm>
+            <a:off x="2057399" y="4736068"/>
+            <a:ext cx="1828801" cy="369332"/>
+          </a:xfrm>
+          <a:prstGeom prst="rect">
+            <a:avLst/>
+          </a:prstGeom>
+          <a:noFill/>
+        </p:spPr>
+        <p:txBody>
+          <a:bodyPr wrap="square" rtlCol="0">
+            <a:spAutoFit/>
+          </a:bodyPr>
+          <a:lstStyle/>
+          <a:p>
+            <a:pPr algn="ctr"/>
+            <a:r>
+              <a:rPr lang="en-US" dirty="0" smtClean="0"/>
+              <a:t>Settings</a:t>
+            </a:r>
+            <a:endParaRPr lang="en-US" dirty="0"/>
+          </a:p>
+        </p:txBody>
+      </p:sp>
+      <p:sp>
+        <p:nvSpPr>
+          <p:cNvPr id="19" name="TextBox 18"/>
+          <p:cNvSpPr txBox="1"/>
+          <p:nvPr/>
+        </p:nvSpPr>
+        <p:spPr>
+          <a:xfrm>
+            <a:off x="4343400" y="4267200"/>
+            <a:ext cx="2514600" cy="461665"/>
+          </a:xfrm>
+          <a:prstGeom prst="rect">
+            <a:avLst/>
+          </a:prstGeom>
+          <a:solidFill>
+            <a:srgbClr val="FF0000"/>
+          </a:solidFill>
+          <a:ln>
+            <a:solidFill>
+              <a:schemeClr val="tx1"/>
+            </a:solidFill>
+          </a:ln>
+        </p:spPr>
+        <p:txBody>
+          <a:bodyPr wrap="square" rtlCol="0">
+            <a:spAutoFit/>
+          </a:bodyPr>
+          <a:lstStyle/>
+          <a:p>
+            <a:r>
+              <a:rPr lang="en-US" sz="1200" b="1" dirty="0" smtClean="0"/>
+              <a:t>Review </a:t>
+            </a:r>
+            <a:r>
+              <a:rPr lang="en-US" sz="1200" dirty="0" smtClean="0"/>
+              <a:t>– Review and modify forms previously submitted </a:t>
+            </a:r>
+          </a:p>
+        </p:txBody>
+      </p:sp>
+      <p:sp>
+        <p:nvSpPr>
+          <p:cNvPr id="21" name="TextBox 20"/>
+          <p:cNvSpPr txBox="1"/>
+          <p:nvPr/>
+        </p:nvSpPr>
+        <p:spPr>
+          <a:xfrm>
+            <a:off x="152400" y="3962400"/>
+            <a:ext cx="1676400" cy="646331"/>
+          </a:xfrm>
+          <a:prstGeom prst="rect">
+            <a:avLst/>
+          </a:prstGeom>
+          <a:solidFill>
+            <a:srgbClr val="FF0000"/>
+          </a:solidFill>
+          <a:ln>
+            <a:solidFill>
+              <a:schemeClr val="tx1"/>
+            </a:solidFill>
+          </a:ln>
+        </p:spPr>
+        <p:txBody>
+          <a:bodyPr wrap="square" rtlCol="0">
+            <a:spAutoFit/>
+          </a:bodyPr>
+          <a:lstStyle/>
+          <a:p>
+            <a:r>
+              <a:rPr lang="en-US" sz="1200" b="1" dirty="0" smtClean="0"/>
+              <a:t>History </a:t>
+            </a:r>
+            <a:r>
+              <a:rPr lang="en-US" sz="1200" dirty="0" smtClean="0"/>
+              <a:t>– Displays history of courses taught</a:t>
+            </a:r>
+          </a:p>
+        </p:txBody>
+      </p:sp>
+      <p:sp>
+        <p:nvSpPr>
+          <p:cNvPr id="22" name="TextBox 21"/>
+          <p:cNvSpPr txBox="1"/>
+          <p:nvPr/>
+        </p:nvSpPr>
+        <p:spPr>
+          <a:xfrm>
+            <a:off x="152400" y="2743200"/>
+            <a:ext cx="1676400" cy="1015663"/>
+          </a:xfrm>
+          <a:prstGeom prst="rect">
+            <a:avLst/>
+          </a:prstGeom>
+          <a:solidFill>
+            <a:srgbClr val="FF0000"/>
+          </a:solidFill>
+          <a:ln>
+            <a:solidFill>
+              <a:schemeClr val="tx1"/>
+            </a:solidFill>
+          </a:ln>
+        </p:spPr>
+        <p:txBody>
+          <a:bodyPr wrap="square" rtlCol="0">
+            <a:spAutoFit/>
+          </a:bodyPr>
+          <a:lstStyle/>
+          <a:p>
+            <a:r>
+              <a:rPr lang="en-US" sz="1200" b="1" dirty="0" smtClean="0"/>
+              <a:t>Course Forms </a:t>
+            </a:r>
+            <a:r>
+              <a:rPr lang="en-US" sz="1200" dirty="0" smtClean="0"/>
+              <a:t>– This will be the constraint form where lecturers will fill out  their constraints</a:t>
+            </a:r>
+          </a:p>
+        </p:txBody>
+      </p:sp>
+      <p:sp>
+        <p:nvSpPr>
+          <p:cNvPr id="23" name="TextBox 22"/>
+          <p:cNvSpPr txBox="1"/>
+          <p:nvPr/>
+        </p:nvSpPr>
+        <p:spPr>
+          <a:xfrm>
+            <a:off x="3429000" y="609600"/>
+            <a:ext cx="1863652" cy="369332"/>
+          </a:xfrm>
+          <a:prstGeom prst="rect">
+            <a:avLst/>
+          </a:prstGeom>
+          <a:noFill/>
+        </p:spPr>
+        <p:txBody>
+          <a:bodyPr wrap="none" rtlCol="0">
+            <a:spAutoFit/>
+          </a:bodyPr>
+          <a:lstStyle/>
+          <a:p>
+            <a:r>
+              <a:rPr lang="en-US" b="1" dirty="0" smtClean="0"/>
+              <a:t>Lecturer Home UI</a:t>
+            </a:r>
+            <a:endParaRPr lang="en-US" b="1" dirty="0"/>
+          </a:p>
+        </p:txBody>
+      </p:sp>
+    </p:spTree>
+  </p:cSld>
+  <p:clrMapOvr>
+    <a:masterClrMapping/>
+  </p:clrMapOvr>
+</p:sld>
+</file>
+
+<file path=ppt/slides/slide5.xml><?xml version="1.0" encoding="utf-8"?>
+<p:sld xmlns:a="http://schemas.openxmlformats.org/drawingml/2006/main" xmlns:r="http://schemas.openxmlformats.org/officeDocument/2006/relationships" xmlns:p="http://schemas.openxmlformats.org/presentationml/2006/main">
+  <p:cSld>
+    <p:spTree>
+      <p:nvGrpSpPr>
+        <p:cNvPr id="1" name=""/>
+        <p:cNvGrpSpPr/>
+        <p:nvPr/>
+      </p:nvGrpSpPr>
+      <p:grpSpPr>
+        <a:xfrm>
+          <a:off x="0" y="0"/>
+          <a:ext cx="0" cy="0"/>
+          <a:chOff x="0" y="0"/>
+          <a:chExt cx="0" cy="0"/>
+        </a:xfrm>
+      </p:grpSpPr>
+      <p:sp>
+        <p:nvSpPr>
+          <p:cNvPr id="4" name="Rectangle 3"/>
+          <p:cNvSpPr/>
+          <p:nvPr/>
+        </p:nvSpPr>
+        <p:spPr>
+          <a:xfrm>
+            <a:off x="1295400" y="990600"/>
+            <a:ext cx="6858000" cy="4419600"/>
+          </a:xfrm>
+          <a:prstGeom prst="rect">
+            <a:avLst/>
+          </a:prstGeom>
+          <a:noFill/>
+          <a:ln>
+            <a:solidFill>
+              <a:schemeClr val="tx1"/>
+            </a:solidFill>
+          </a:ln>
+        </p:spPr>
+        <p:style>
+          <a:lnRef idx="2">
+            <a:schemeClr val="accent1">
+              <a:shade val="50000"/>
+            </a:schemeClr>
+          </a:lnRef>
+          <a:fillRef idx="1">
+            <a:schemeClr val="accent1"/>
+          </a:fillRef>
+          <a:effectRef idx="0">
+            <a:schemeClr val="accent1"/>
+          </a:effectRef>
+          <a:fontRef idx="minor">
+            <a:schemeClr val="lt1"/>
+          </a:fontRef>
+        </p:style>
+        <p:txBody>
+          <a:bodyPr rtlCol="0" anchor="ctr"/>
+          <a:lstStyle/>
+          <a:p>
+            <a:pPr algn="ctr"/>
+            <a:endParaRPr lang="en-US"/>
+          </a:p>
+        </p:txBody>
+      </p:sp>
+      <p:sp>
+        <p:nvSpPr>
+          <p:cNvPr id="5" name="Rounded Rectangle 4"/>
+          <p:cNvSpPr/>
+          <p:nvPr/>
+        </p:nvSpPr>
+        <p:spPr>
+          <a:xfrm>
+            <a:off x="1524001" y="1524000"/>
+            <a:ext cx="1447799" cy="533400"/>
+          </a:xfrm>
+          <a:prstGeom prst="roundRect">
+            <a:avLst/>
+          </a:prstGeom>
+          <a:noFill/>
+          <a:ln>
+            <a:solidFill>
+              <a:schemeClr val="tx1"/>
+            </a:solidFill>
+          </a:ln>
+        </p:spPr>
+        <p:style>
+          <a:lnRef idx="2">
+            <a:schemeClr val="accent1">
+              <a:shade val="50000"/>
+            </a:schemeClr>
+          </a:lnRef>
+          <a:fillRef idx="1">
+            <a:schemeClr val="accent1"/>
+          </a:fillRef>
+          <a:effectRef idx="0">
+            <a:schemeClr val="accent1"/>
+          </a:effectRef>
+          <a:fontRef idx="minor">
+            <a:schemeClr val="lt1"/>
+          </a:fontRef>
+        </p:style>
+        <p:txBody>
+          <a:bodyPr rtlCol="0" anchor="ctr"/>
+          <a:lstStyle/>
+          <a:p>
+            <a:pPr algn="ctr"/>
+            <a:endParaRPr lang="en-US"/>
+          </a:p>
+        </p:txBody>
+      </p:sp>
+      <p:sp>
+        <p:nvSpPr>
+          <p:cNvPr id="6" name="TextBox 5"/>
+          <p:cNvSpPr txBox="1"/>
+          <p:nvPr/>
+        </p:nvSpPr>
+        <p:spPr>
+          <a:xfrm>
+            <a:off x="1524000" y="1524000"/>
+            <a:ext cx="1439335" cy="307777"/>
+          </a:xfrm>
+          <a:prstGeom prst="rect">
+            <a:avLst/>
+          </a:prstGeom>
+          <a:noFill/>
+        </p:spPr>
+        <p:txBody>
+          <a:bodyPr wrap="square" rtlCol="0">
+            <a:spAutoFit/>
+          </a:bodyPr>
+          <a:lstStyle/>
+          <a:p>
+            <a:pPr algn="ctr"/>
+            <a:r>
+              <a:rPr lang="en-US" sz="1400" dirty="0" smtClean="0"/>
+              <a:t>Home</a:t>
+            </a:r>
+            <a:endParaRPr lang="en-US" sz="1400" dirty="0"/>
+          </a:p>
+        </p:txBody>
+      </p:sp>
+      <p:sp>
+        <p:nvSpPr>
+          <p:cNvPr id="7" name="Rounded Rectangle 6"/>
+          <p:cNvSpPr/>
+          <p:nvPr/>
+        </p:nvSpPr>
+        <p:spPr>
+          <a:xfrm>
+            <a:off x="1524001" y="2057400"/>
+            <a:ext cx="1447799" cy="533400"/>
+          </a:xfrm>
+          <a:prstGeom prst="roundRect">
+            <a:avLst/>
+          </a:prstGeom>
+          <a:noFill/>
+          <a:ln>
+            <a:solidFill>
+              <a:schemeClr val="tx1"/>
+            </a:solidFill>
+          </a:ln>
+        </p:spPr>
+        <p:style>
+          <a:lnRef idx="2">
+            <a:schemeClr val="accent1">
+              <a:shade val="50000"/>
+            </a:schemeClr>
+          </a:lnRef>
+          <a:fillRef idx="1">
+            <a:schemeClr val="accent1"/>
+          </a:fillRef>
+          <a:effectRef idx="0">
+            <a:schemeClr val="accent1"/>
+          </a:effectRef>
+          <a:fontRef idx="minor">
+            <a:schemeClr val="lt1"/>
+          </a:fontRef>
+        </p:style>
+        <p:txBody>
+          <a:bodyPr rtlCol="0" anchor="ctr"/>
+          <a:lstStyle/>
+          <a:p>
+            <a:pPr algn="ctr"/>
+            <a:endParaRPr lang="en-US"/>
+          </a:p>
+        </p:txBody>
+      </p:sp>
+      <p:sp>
+        <p:nvSpPr>
+          <p:cNvPr id="8" name="TextBox 7"/>
+          <p:cNvSpPr txBox="1"/>
+          <p:nvPr/>
+        </p:nvSpPr>
+        <p:spPr>
+          <a:xfrm>
+            <a:off x="1524001" y="2057400"/>
+            <a:ext cx="1447799" cy="307777"/>
+          </a:xfrm>
+          <a:prstGeom prst="rect">
+            <a:avLst/>
+          </a:prstGeom>
+          <a:noFill/>
+        </p:spPr>
+        <p:txBody>
+          <a:bodyPr wrap="square" rtlCol="0">
+            <a:spAutoFit/>
+          </a:bodyPr>
+          <a:lstStyle/>
+          <a:p>
+            <a:pPr algn="ctr"/>
+            <a:r>
+              <a:rPr lang="en-US" sz="1400" dirty="0" smtClean="0"/>
+              <a:t>Messages</a:t>
+            </a:r>
+            <a:endParaRPr lang="en-US" sz="1400" dirty="0"/>
+          </a:p>
+        </p:txBody>
+      </p:sp>
+      <p:sp>
+        <p:nvSpPr>
+          <p:cNvPr id="9" name="Rounded Rectangle 8"/>
+          <p:cNvSpPr/>
+          <p:nvPr/>
+        </p:nvSpPr>
+        <p:spPr>
+          <a:xfrm>
+            <a:off x="1524001" y="2590800"/>
+            <a:ext cx="1447799" cy="533400"/>
+          </a:xfrm>
+          <a:prstGeom prst="roundRect">
+            <a:avLst/>
+          </a:prstGeom>
+          <a:solidFill>
+            <a:srgbClr val="FFFF00"/>
+          </a:solidFill>
+          <a:ln>
+            <a:solidFill>
+              <a:schemeClr val="tx1"/>
+            </a:solidFill>
+          </a:ln>
+        </p:spPr>
+        <p:style>
+          <a:lnRef idx="2">
+            <a:schemeClr val="accent1">
+              <a:shade val="50000"/>
+            </a:schemeClr>
+          </a:lnRef>
+          <a:fillRef idx="1">
+            <a:schemeClr val="accent1"/>
+          </a:fillRef>
+          <a:effectRef idx="0">
+            <a:schemeClr val="accent1"/>
+          </a:effectRef>
+          <a:fontRef idx="minor">
+            <a:schemeClr val="lt1"/>
+          </a:fontRef>
+        </p:style>
+        <p:txBody>
+          <a:bodyPr rtlCol="0" anchor="ctr"/>
+          <a:lstStyle/>
+          <a:p>
+            <a:pPr algn="ctr"/>
+            <a:endParaRPr lang="en-US"/>
+          </a:p>
+        </p:txBody>
+      </p:sp>
+      <p:sp>
+        <p:nvSpPr>
+          <p:cNvPr id="10" name="TextBox 9"/>
+          <p:cNvSpPr txBox="1"/>
+          <p:nvPr/>
+        </p:nvSpPr>
+        <p:spPr>
+          <a:xfrm>
+            <a:off x="1600200" y="2590800"/>
+            <a:ext cx="1286934" cy="523220"/>
+          </a:xfrm>
+          <a:prstGeom prst="rect">
+            <a:avLst/>
+          </a:prstGeom>
+          <a:noFill/>
+        </p:spPr>
+        <p:txBody>
+          <a:bodyPr wrap="square" rtlCol="0">
+            <a:spAutoFit/>
+          </a:bodyPr>
+          <a:lstStyle/>
+          <a:p>
+            <a:pPr algn="ctr"/>
+            <a:r>
+              <a:rPr lang="en-US" sz="1400" dirty="0" smtClean="0"/>
+              <a:t>Constraint Form</a:t>
+            </a:r>
+            <a:endParaRPr lang="en-US" sz="1400" dirty="0"/>
+          </a:p>
+        </p:txBody>
+      </p:sp>
+      <p:sp>
+        <p:nvSpPr>
+          <p:cNvPr id="23" name="Rounded Rectangle 22"/>
+          <p:cNvSpPr/>
+          <p:nvPr/>
+        </p:nvSpPr>
+        <p:spPr>
+          <a:xfrm>
+            <a:off x="1524001" y="3124200"/>
+            <a:ext cx="1447799" cy="533400"/>
+          </a:xfrm>
+          <a:prstGeom prst="roundRect">
+            <a:avLst/>
+          </a:prstGeom>
+          <a:noFill/>
+          <a:ln>
+            <a:solidFill>
+              <a:schemeClr val="tx1"/>
+            </a:solidFill>
+          </a:ln>
+        </p:spPr>
+        <p:style>
+          <a:lnRef idx="2">
+            <a:schemeClr val="accent1">
+              <a:shade val="50000"/>
+            </a:schemeClr>
+          </a:lnRef>
+          <a:fillRef idx="1">
+            <a:schemeClr val="accent1"/>
+          </a:fillRef>
+          <a:effectRef idx="0">
+            <a:schemeClr val="accent1"/>
+          </a:effectRef>
+          <a:fontRef idx="minor">
+            <a:schemeClr val="lt1"/>
+          </a:fontRef>
+        </p:style>
+        <p:txBody>
+          <a:bodyPr rtlCol="0" anchor="ctr"/>
+          <a:lstStyle/>
+          <a:p>
+            <a:pPr algn="ctr"/>
+            <a:endParaRPr lang="en-US"/>
+          </a:p>
+        </p:txBody>
+      </p:sp>
+      <p:sp>
+        <p:nvSpPr>
+          <p:cNvPr id="24" name="TextBox 23"/>
+          <p:cNvSpPr txBox="1"/>
+          <p:nvPr/>
+        </p:nvSpPr>
+        <p:spPr>
+          <a:xfrm>
+            <a:off x="1524000" y="3124200"/>
+            <a:ext cx="1439335" cy="307777"/>
+          </a:xfrm>
+          <a:prstGeom prst="rect">
+            <a:avLst/>
+          </a:prstGeom>
+          <a:noFill/>
+        </p:spPr>
+        <p:txBody>
+          <a:bodyPr wrap="square" rtlCol="0">
+            <a:spAutoFit/>
+          </a:bodyPr>
+          <a:lstStyle/>
+          <a:p>
+            <a:pPr algn="ctr"/>
+            <a:r>
+              <a:rPr lang="en-US" sz="1400" dirty="0" smtClean="0"/>
+              <a:t>Manage PMs</a:t>
+            </a:r>
+            <a:endParaRPr lang="en-US" sz="1400" dirty="0"/>
+          </a:p>
+        </p:txBody>
+      </p:sp>
+      <p:sp>
+        <p:nvSpPr>
+          <p:cNvPr id="25" name="Rounded Rectangle 24"/>
+          <p:cNvSpPr/>
+          <p:nvPr/>
+        </p:nvSpPr>
+        <p:spPr>
+          <a:xfrm>
+            <a:off x="1524001" y="3657600"/>
+            <a:ext cx="1447799" cy="533400"/>
+          </a:xfrm>
+          <a:prstGeom prst="roundRect">
+            <a:avLst/>
+          </a:prstGeom>
+          <a:noFill/>
+          <a:ln>
+            <a:solidFill>
+              <a:schemeClr val="tx1"/>
+            </a:solidFill>
+          </a:ln>
+        </p:spPr>
+        <p:style>
+          <a:lnRef idx="2">
+            <a:schemeClr val="accent1">
+              <a:shade val="50000"/>
+            </a:schemeClr>
+          </a:lnRef>
+          <a:fillRef idx="1">
+            <a:schemeClr val="accent1"/>
+          </a:fillRef>
+          <a:effectRef idx="0">
+            <a:schemeClr val="accent1"/>
+          </a:effectRef>
+          <a:fontRef idx="minor">
+            <a:schemeClr val="lt1"/>
+          </a:fontRef>
+        </p:style>
+        <p:txBody>
+          <a:bodyPr rtlCol="0" anchor="ctr"/>
+          <a:lstStyle/>
+          <a:p>
+            <a:pPr algn="ctr"/>
+            <a:endParaRPr lang="en-US"/>
+          </a:p>
+        </p:txBody>
+      </p:sp>
+      <p:sp>
+        <p:nvSpPr>
+          <p:cNvPr id="26" name="TextBox 25"/>
+          <p:cNvSpPr txBox="1"/>
+          <p:nvPr/>
+        </p:nvSpPr>
+        <p:spPr>
+          <a:xfrm>
+            <a:off x="1524000" y="3657600"/>
+            <a:ext cx="1439335" cy="307777"/>
+          </a:xfrm>
+          <a:prstGeom prst="rect">
+            <a:avLst/>
+          </a:prstGeom>
+          <a:noFill/>
+        </p:spPr>
+        <p:txBody>
+          <a:bodyPr wrap="square" rtlCol="0">
+            <a:spAutoFit/>
+          </a:bodyPr>
+          <a:lstStyle/>
+          <a:p>
+            <a:pPr algn="ctr"/>
+            <a:r>
+              <a:rPr lang="en-US" sz="1400" dirty="0" smtClean="0"/>
+              <a:t>Review</a:t>
+            </a:r>
+            <a:endParaRPr lang="en-US" sz="1400" dirty="0"/>
+          </a:p>
+        </p:txBody>
+      </p:sp>
+      <p:sp>
+        <p:nvSpPr>
+          <p:cNvPr id="27" name="Rounded Rectangle 26"/>
+          <p:cNvSpPr/>
+          <p:nvPr/>
+        </p:nvSpPr>
+        <p:spPr>
+          <a:xfrm>
+            <a:off x="1524001" y="4191000"/>
+            <a:ext cx="1447799" cy="533400"/>
+          </a:xfrm>
+          <a:prstGeom prst="roundRect">
+            <a:avLst/>
+          </a:prstGeom>
+          <a:noFill/>
+          <a:ln>
+            <a:solidFill>
+              <a:schemeClr val="tx1"/>
+            </a:solidFill>
+          </a:ln>
+        </p:spPr>
+        <p:style>
+          <a:lnRef idx="2">
+            <a:schemeClr val="accent1">
+              <a:shade val="50000"/>
+            </a:schemeClr>
+          </a:lnRef>
+          <a:fillRef idx="1">
+            <a:schemeClr val="accent1"/>
+          </a:fillRef>
+          <a:effectRef idx="0">
+            <a:schemeClr val="accent1"/>
+          </a:effectRef>
+          <a:fontRef idx="minor">
+            <a:schemeClr val="lt1"/>
+          </a:fontRef>
+        </p:style>
+        <p:txBody>
+          <a:bodyPr rtlCol="0" anchor="ctr"/>
+          <a:lstStyle/>
+          <a:p>
+            <a:pPr algn="ctr"/>
+            <a:endParaRPr lang="en-US"/>
+          </a:p>
+        </p:txBody>
+      </p:sp>
+      <p:sp>
+        <p:nvSpPr>
+          <p:cNvPr id="28" name="TextBox 27"/>
+          <p:cNvSpPr txBox="1"/>
+          <p:nvPr/>
+        </p:nvSpPr>
+        <p:spPr>
+          <a:xfrm>
+            <a:off x="1524000" y="4191000"/>
+            <a:ext cx="1439335" cy="307777"/>
+          </a:xfrm>
+          <a:prstGeom prst="rect">
+            <a:avLst/>
+          </a:prstGeom>
+          <a:noFill/>
+        </p:spPr>
+        <p:txBody>
+          <a:bodyPr wrap="square" rtlCol="0">
+            <a:spAutoFit/>
+          </a:bodyPr>
+          <a:lstStyle/>
+          <a:p>
+            <a:pPr algn="ctr"/>
+            <a:r>
+              <a:rPr lang="en-US" sz="1400" dirty="0" smtClean="0"/>
+              <a:t>Setting</a:t>
+            </a:r>
+            <a:endParaRPr lang="en-US" sz="1400" dirty="0"/>
+          </a:p>
+        </p:txBody>
+      </p:sp>
+      <p:sp>
+        <p:nvSpPr>
+          <p:cNvPr id="29" name="TextBox 28"/>
+          <p:cNvSpPr txBox="1"/>
+          <p:nvPr/>
+        </p:nvSpPr>
+        <p:spPr>
+          <a:xfrm>
+            <a:off x="3276600" y="228600"/>
+            <a:ext cx="2825710" cy="369332"/>
+          </a:xfrm>
+          <a:prstGeom prst="rect">
+            <a:avLst/>
+          </a:prstGeom>
+          <a:noFill/>
+        </p:spPr>
+        <p:txBody>
+          <a:bodyPr wrap="none" rtlCol="0">
+            <a:spAutoFit/>
+          </a:bodyPr>
+          <a:lstStyle/>
+          <a:p>
+            <a:r>
+              <a:rPr lang="en-US" b="1" dirty="0" smtClean="0"/>
+              <a:t>Lecturer Constraint Form UI</a:t>
+            </a:r>
+            <a:endParaRPr lang="en-US" b="1" dirty="0"/>
+          </a:p>
+        </p:txBody>
+      </p:sp>
+      <p:graphicFrame>
+        <p:nvGraphicFramePr>
+          <p:cNvPr id="30" name="Table 29"/>
+          <p:cNvGraphicFramePr>
+            <a:graphicFrameLocks noGrp="1"/>
+          </p:cNvGraphicFramePr>
+          <p:nvPr/>
+        </p:nvGraphicFramePr>
+        <p:xfrm>
+          <a:off x="3149600" y="1600200"/>
+          <a:ext cx="4318000" cy="1062990"/>
+        </p:xfrm>
+        <a:graphic>
+          <a:graphicData uri="http://schemas.openxmlformats.org/drawingml/2006/table">
+            <a:tbl>
+              <a:tblPr/>
+              <a:tblGrid>
+                <a:gridCol w="863600"/>
+                <a:gridCol w="863600"/>
+                <a:gridCol w="863600"/>
+                <a:gridCol w="863600"/>
+                <a:gridCol w="863600"/>
+              </a:tblGrid>
+              <a:tr h="165100">
+                <a:tc>
+                  <a:txBody>
+                    <a:bodyPr/>
+                    <a:lstStyle/>
+                    <a:p>
+                      <a:pPr algn="l" fontAlgn="b"/>
+                      <a:r>
+                        <a:rPr lang="en-US" sz="1100" b="0" i="0" u="none" strike="noStrike" dirty="0">
+                          <a:solidFill>
+                            <a:srgbClr val="000000"/>
+                          </a:solidFill>
+                          <a:latin typeface="Calibri"/>
+                        </a:rPr>
+                        <a:t>Monday</a:t>
+                      </a:r>
+                    </a:p>
+                  </a:txBody>
+                  <a:tcPr marL="9525" marR="9525" marT="9525" marB="0" anchor="b">
+                    <a:lnL w="6350" cap="flat" cmpd="sng" algn="ctr">
+                      <a:solidFill>
+                        <a:srgbClr val="000000"/>
+                      </a:solidFill>
+                      <a:prstDash val="solid"/>
+                      <a:round/>
+                      <a:headEnd type="none" w="med" len="med"/>
+                      <a:tailEnd type="none" w="med" len="med"/>
+                    </a:lnL>
+                    <a:lnR w="6350" cap="flat" cmpd="sng" algn="ctr">
+                      <a:solidFill>
+                        <a:srgbClr val="000000"/>
+                      </a:solidFill>
+                      <a:prstDash val="solid"/>
+                      <a:round/>
+                      <a:headEnd type="none" w="med" len="med"/>
+                      <a:tailEnd type="none" w="med" len="med"/>
+                    </a:lnR>
+                    <a:lnT w="6350" cap="flat" cmpd="sng" algn="ctr">
+                      <a:solidFill>
+                        <a:srgbClr val="000000"/>
+                      </a:solidFill>
+                      <a:prstDash val="solid"/>
+                      <a:round/>
+                      <a:headEnd type="none" w="med" len="med"/>
+                      <a:tailEnd type="none" w="med" len="med"/>
+                    </a:lnT>
+                    <a:lnB w="6350" cap="flat" cmpd="sng" algn="ctr">
+                      <a:solidFill>
+                        <a:srgbClr val="000000"/>
+                      </a:solidFill>
+                      <a:prstDash val="solid"/>
+                      <a:round/>
+                      <a:headEnd type="none" w="med" len="med"/>
+                      <a:tailEnd type="none" w="med" len="med"/>
+                    </a:lnB>
+                  </a:tcPr>
+                </a:tc>
+                <a:tc>
+                  <a:txBody>
+                    <a:bodyPr/>
+                    <a:lstStyle/>
+                    <a:p>
+                      <a:pPr algn="l" fontAlgn="b"/>
+                      <a:r>
+                        <a:rPr lang="en-US" sz="1100" b="0" i="0" u="none" strike="noStrike">
+                          <a:solidFill>
+                            <a:srgbClr val="000000"/>
+                          </a:solidFill>
+                          <a:latin typeface="Calibri"/>
+                        </a:rPr>
+                        <a:t>Tuesday</a:t>
+                      </a:r>
+                    </a:p>
+                  </a:txBody>
+                  <a:tcPr marL="9525" marR="9525" marT="9525" marB="0" anchor="b">
+                    <a:lnL w="6350" cap="flat" cmpd="sng" algn="ctr">
+                      <a:solidFill>
+                        <a:srgbClr val="000000"/>
+                      </a:solidFill>
+                      <a:prstDash val="solid"/>
+                      <a:round/>
+                      <a:headEnd type="none" w="med" len="med"/>
+                      <a:tailEnd type="none" w="med" len="med"/>
+                    </a:lnL>
+                    <a:lnR w="6350" cap="flat" cmpd="sng" algn="ctr">
+                      <a:solidFill>
+                        <a:srgbClr val="000000"/>
+                      </a:solidFill>
+                      <a:prstDash val="solid"/>
+                      <a:round/>
+                      <a:headEnd type="none" w="med" len="med"/>
+                      <a:tailEnd type="none" w="med" len="med"/>
+                    </a:lnR>
+                    <a:lnT w="6350" cap="flat" cmpd="sng" algn="ctr">
+                      <a:solidFill>
+                        <a:srgbClr val="000000"/>
+                      </a:solidFill>
+                      <a:prstDash val="solid"/>
+                      <a:round/>
+                      <a:headEnd type="none" w="med" len="med"/>
+                      <a:tailEnd type="none" w="med" len="med"/>
+                    </a:lnT>
+                    <a:lnB w="6350" cap="flat" cmpd="sng" algn="ctr">
+                      <a:solidFill>
+                        <a:srgbClr val="000000"/>
+                      </a:solidFill>
+                      <a:prstDash val="solid"/>
+                      <a:round/>
+                      <a:headEnd type="none" w="med" len="med"/>
+                      <a:tailEnd type="none" w="med" len="med"/>
+                    </a:lnB>
+                  </a:tcPr>
+                </a:tc>
+                <a:tc>
+                  <a:txBody>
+                    <a:bodyPr/>
+                    <a:lstStyle/>
+                    <a:p>
+                      <a:pPr algn="l" fontAlgn="b"/>
+                      <a:r>
+                        <a:rPr lang="en-US" sz="1100" b="0" i="0" u="none" strike="noStrike">
+                          <a:solidFill>
+                            <a:srgbClr val="000000"/>
+                          </a:solidFill>
+                          <a:latin typeface="Calibri"/>
+                        </a:rPr>
+                        <a:t>Wednesday</a:t>
+                      </a:r>
+                    </a:p>
+                  </a:txBody>
+                  <a:tcPr marL="9525" marR="9525" marT="9525" marB="0" anchor="b">
+                    <a:lnL w="6350" cap="flat" cmpd="sng" algn="ctr">
+                      <a:solidFill>
+                        <a:srgbClr val="000000"/>
+                      </a:solidFill>
+                      <a:prstDash val="solid"/>
+                      <a:round/>
+                      <a:headEnd type="none" w="med" len="med"/>
+                      <a:tailEnd type="none" w="med" len="med"/>
+                    </a:lnL>
+                    <a:lnR w="6350" cap="flat" cmpd="sng" algn="ctr">
+                      <a:solidFill>
+                        <a:srgbClr val="000000"/>
+                      </a:solidFill>
+                      <a:prstDash val="solid"/>
+                      <a:round/>
+                      <a:headEnd type="none" w="med" len="med"/>
+                      <a:tailEnd type="none" w="med" len="med"/>
+                    </a:lnR>
+                    <a:lnT w="6350" cap="flat" cmpd="sng" algn="ctr">
+                      <a:solidFill>
+                        <a:srgbClr val="000000"/>
+                      </a:solidFill>
+                      <a:prstDash val="solid"/>
+                      <a:round/>
+                      <a:headEnd type="none" w="med" len="med"/>
+                      <a:tailEnd type="none" w="med" len="med"/>
+                    </a:lnT>
+                    <a:lnB w="6350" cap="flat" cmpd="sng" algn="ctr">
+                      <a:solidFill>
+                        <a:srgbClr val="000000"/>
+                      </a:solidFill>
+                      <a:prstDash val="solid"/>
+                      <a:round/>
+                      <a:headEnd type="none" w="med" len="med"/>
+                      <a:tailEnd type="none" w="med" len="med"/>
+                    </a:lnB>
+                  </a:tcPr>
+                </a:tc>
+                <a:tc>
+                  <a:txBody>
+                    <a:bodyPr/>
+                    <a:lstStyle/>
+                    <a:p>
+                      <a:pPr algn="l" fontAlgn="b"/>
+                      <a:r>
+                        <a:rPr lang="en-US" sz="1100" b="0" i="0" u="none" strike="noStrike">
+                          <a:solidFill>
+                            <a:srgbClr val="000000"/>
+                          </a:solidFill>
+                          <a:latin typeface="Calibri"/>
+                        </a:rPr>
+                        <a:t>Thursday</a:t>
+                      </a:r>
+                    </a:p>
+                  </a:txBody>
+                  <a:tcPr marL="9525" marR="9525" marT="9525" marB="0" anchor="b">
+                    <a:lnL w="6350" cap="flat" cmpd="sng" algn="ctr">
+                      <a:solidFill>
+                        <a:srgbClr val="000000"/>
+                      </a:solidFill>
+                      <a:prstDash val="solid"/>
+                      <a:round/>
+                      <a:headEnd type="none" w="med" len="med"/>
+                      <a:tailEnd type="none" w="med" len="med"/>
+                    </a:lnL>
+                    <a:lnR w="6350" cap="flat" cmpd="sng" algn="ctr">
+                      <a:solidFill>
+                        <a:srgbClr val="000000"/>
+                      </a:solidFill>
+                      <a:prstDash val="solid"/>
+                      <a:round/>
+                      <a:headEnd type="none" w="med" len="med"/>
+                      <a:tailEnd type="none" w="med" len="med"/>
+                    </a:lnR>
+                    <a:lnT w="6350" cap="flat" cmpd="sng" algn="ctr">
+                      <a:solidFill>
+                        <a:srgbClr val="000000"/>
+                      </a:solidFill>
+                      <a:prstDash val="solid"/>
+                      <a:round/>
+                      <a:headEnd type="none" w="med" len="med"/>
+                      <a:tailEnd type="none" w="med" len="med"/>
+                    </a:lnT>
+                    <a:lnB w="6350" cap="flat" cmpd="sng" algn="ctr">
+                      <a:solidFill>
+                        <a:srgbClr val="000000"/>
+                      </a:solidFill>
+                      <a:prstDash val="solid"/>
+                      <a:round/>
+                      <a:headEnd type="none" w="med" len="med"/>
+                      <a:tailEnd type="none" w="med" len="med"/>
+                    </a:lnB>
+                  </a:tcPr>
+                </a:tc>
+                <a:tc>
+                  <a:txBody>
+                    <a:bodyPr/>
+                    <a:lstStyle/>
+                    <a:p>
+                      <a:pPr algn="l" fontAlgn="b"/>
+                      <a:r>
+                        <a:rPr lang="en-US" sz="1100" b="0" i="0" u="none" strike="noStrike">
+                          <a:solidFill>
+                            <a:srgbClr val="000000"/>
+                          </a:solidFill>
+                          <a:latin typeface="Calibri"/>
+                        </a:rPr>
+                        <a:t>Friday</a:t>
+                      </a:r>
+                    </a:p>
+                  </a:txBody>
+                  <a:tcPr marL="9525" marR="9525" marT="9525" marB="0" anchor="b">
+                    <a:lnL w="6350" cap="flat" cmpd="sng" algn="ctr">
+                      <a:solidFill>
+                        <a:srgbClr val="000000"/>
+                      </a:solidFill>
+                      <a:prstDash val="solid"/>
+                      <a:round/>
+                      <a:headEnd type="none" w="med" len="med"/>
+                      <a:tailEnd type="none" w="med" len="med"/>
+                    </a:lnL>
+                    <a:lnR w="6350" cap="flat" cmpd="sng" algn="ctr">
+                      <a:solidFill>
+                        <a:srgbClr val="000000"/>
+                      </a:solidFill>
+                      <a:prstDash val="solid"/>
+                      <a:round/>
+                      <a:headEnd type="none" w="med" len="med"/>
+                      <a:tailEnd type="none" w="med" len="med"/>
+                    </a:lnR>
+                    <a:lnT w="6350" cap="flat" cmpd="sng" algn="ctr">
+                      <a:solidFill>
+                        <a:srgbClr val="000000"/>
+                      </a:solidFill>
+                      <a:prstDash val="solid"/>
+                      <a:round/>
+                      <a:headEnd type="none" w="med" len="med"/>
+                      <a:tailEnd type="none" w="med" len="med"/>
+                    </a:lnT>
+                    <a:lnB w="6350" cap="flat" cmpd="sng" algn="ctr">
+                      <a:solidFill>
+                        <a:srgbClr val="000000"/>
+                      </a:solidFill>
+                      <a:prstDash val="solid"/>
+                      <a:round/>
+                      <a:headEnd type="none" w="med" len="med"/>
+                      <a:tailEnd type="none" w="med" len="med"/>
+                    </a:lnB>
+                  </a:tcPr>
+                </a:tc>
+              </a:tr>
+              <a:tr h="165100">
+                <a:tc>
+                  <a:txBody>
+                    <a:bodyPr/>
+                    <a:lstStyle/>
+                    <a:p>
+                      <a:pPr algn="l" fontAlgn="b"/>
+                      <a:r>
+                        <a:rPr lang="en-US" sz="1100" b="0" i="0" u="none" strike="noStrike">
+                          <a:solidFill>
+                            <a:srgbClr val="000000"/>
+                          </a:solidFill>
+                          <a:latin typeface="Calibri"/>
+                        </a:rPr>
+                        <a:t>8:00-9:10</a:t>
+                      </a:r>
+                    </a:p>
+                  </a:txBody>
+                  <a:tcPr marL="9525" marR="9525" marT="9525" marB="0" anchor="b">
+                    <a:lnL w="6350" cap="flat" cmpd="sng" algn="ctr">
+                      <a:solidFill>
+                        <a:srgbClr val="000000"/>
+                      </a:solidFill>
+                      <a:prstDash val="solid"/>
+                      <a:round/>
+                      <a:headEnd type="none" w="med" len="med"/>
+                      <a:tailEnd type="none" w="med" len="med"/>
+                    </a:lnL>
+                    <a:lnR w="6350" cap="flat" cmpd="sng" algn="ctr">
+                      <a:solidFill>
+                        <a:srgbClr val="000000"/>
+                      </a:solidFill>
+                      <a:prstDash val="solid"/>
+                      <a:round/>
+                      <a:headEnd type="none" w="med" len="med"/>
+                      <a:tailEnd type="none" w="med" len="med"/>
+                    </a:lnR>
+                    <a:lnT w="6350" cap="flat" cmpd="sng" algn="ctr">
+                      <a:solidFill>
+                        <a:srgbClr val="000000"/>
+                      </a:solidFill>
+                      <a:prstDash val="solid"/>
+                      <a:round/>
+                      <a:headEnd type="none" w="med" len="med"/>
+                      <a:tailEnd type="none" w="med" len="med"/>
+                    </a:lnT>
+                    <a:lnB w="6350" cap="flat" cmpd="sng" algn="ctr">
+                      <a:solidFill>
+                        <a:srgbClr val="000000"/>
+                      </a:solidFill>
+                      <a:prstDash val="solid"/>
+                      <a:round/>
+                      <a:headEnd type="none" w="med" len="med"/>
+                      <a:tailEnd type="none" w="med" len="med"/>
+                    </a:lnB>
+                  </a:tcPr>
+                </a:tc>
+                <a:tc>
+                  <a:txBody>
+                    <a:bodyPr/>
+                    <a:lstStyle/>
+                    <a:p>
+                      <a:pPr algn="l" fontAlgn="b"/>
+                      <a:r>
+                        <a:rPr lang="en-US" sz="1100" b="0" i="0" u="none" strike="noStrike">
+                          <a:solidFill>
+                            <a:srgbClr val="000000"/>
+                          </a:solidFill>
+                          <a:latin typeface="Calibri"/>
+                        </a:rPr>
+                        <a:t>8:00-9:45</a:t>
+                      </a:r>
+                    </a:p>
+                  </a:txBody>
+                  <a:tcPr marL="9525" marR="9525" marT="9525" marB="0" anchor="b">
+                    <a:lnL w="6350" cap="flat" cmpd="sng" algn="ctr">
+                      <a:solidFill>
+                        <a:srgbClr val="000000"/>
+                      </a:solidFill>
+                      <a:prstDash val="solid"/>
+                      <a:round/>
+                      <a:headEnd type="none" w="med" len="med"/>
+                      <a:tailEnd type="none" w="med" len="med"/>
+                    </a:lnL>
+                    <a:lnR w="6350" cap="flat" cmpd="sng" algn="ctr">
+                      <a:solidFill>
+                        <a:srgbClr val="000000"/>
+                      </a:solidFill>
+                      <a:prstDash val="solid"/>
+                      <a:round/>
+                      <a:headEnd type="none" w="med" len="med"/>
+                      <a:tailEnd type="none" w="med" len="med"/>
+                    </a:lnR>
+                    <a:lnT w="6350" cap="flat" cmpd="sng" algn="ctr">
+                      <a:solidFill>
+                        <a:srgbClr val="000000"/>
+                      </a:solidFill>
+                      <a:prstDash val="solid"/>
+                      <a:round/>
+                      <a:headEnd type="none" w="med" len="med"/>
+                      <a:tailEnd type="none" w="med" len="med"/>
+                    </a:lnT>
+                    <a:lnB w="6350" cap="flat" cmpd="sng" algn="ctr">
+                      <a:solidFill>
+                        <a:srgbClr val="000000"/>
+                      </a:solidFill>
+                      <a:prstDash val="solid"/>
+                      <a:round/>
+                      <a:headEnd type="none" w="med" len="med"/>
+                      <a:tailEnd type="none" w="med" len="med"/>
+                    </a:lnB>
+                  </a:tcPr>
+                </a:tc>
+                <a:tc>
+                  <a:txBody>
+                    <a:bodyPr/>
+                    <a:lstStyle/>
+                    <a:p>
+                      <a:pPr algn="l" fontAlgn="b"/>
+                      <a:r>
+                        <a:rPr lang="en-US" sz="1100" b="0" i="0" u="none" strike="noStrike">
+                          <a:solidFill>
+                            <a:srgbClr val="000000"/>
+                          </a:solidFill>
+                          <a:latin typeface="Calibri"/>
+                        </a:rPr>
+                        <a:t>8:00-9:10</a:t>
+                      </a:r>
+                    </a:p>
+                  </a:txBody>
+                  <a:tcPr marL="9525" marR="9525" marT="9525" marB="0" anchor="b">
+                    <a:lnL w="6350" cap="flat" cmpd="sng" algn="ctr">
+                      <a:solidFill>
+                        <a:srgbClr val="000000"/>
+                      </a:solidFill>
+                      <a:prstDash val="solid"/>
+                      <a:round/>
+                      <a:headEnd type="none" w="med" len="med"/>
+                      <a:tailEnd type="none" w="med" len="med"/>
+                    </a:lnL>
+                    <a:lnR w="6350" cap="flat" cmpd="sng" algn="ctr">
+                      <a:solidFill>
+                        <a:srgbClr val="000000"/>
+                      </a:solidFill>
+                      <a:prstDash val="solid"/>
+                      <a:round/>
+                      <a:headEnd type="none" w="med" len="med"/>
+                      <a:tailEnd type="none" w="med" len="med"/>
+                    </a:lnR>
+                    <a:lnT w="6350" cap="flat" cmpd="sng" algn="ctr">
+                      <a:solidFill>
+                        <a:srgbClr val="000000"/>
+                      </a:solidFill>
+                      <a:prstDash val="solid"/>
+                      <a:round/>
+                      <a:headEnd type="none" w="med" len="med"/>
+                      <a:tailEnd type="none" w="med" len="med"/>
+                    </a:lnT>
+                    <a:lnB w="6350" cap="flat" cmpd="sng" algn="ctr">
+                      <a:solidFill>
+                        <a:srgbClr val="000000"/>
+                      </a:solidFill>
+                      <a:prstDash val="solid"/>
+                      <a:round/>
+                      <a:headEnd type="none" w="med" len="med"/>
+                      <a:tailEnd type="none" w="med" len="med"/>
+                    </a:lnB>
+                  </a:tcPr>
+                </a:tc>
+                <a:tc>
+                  <a:txBody>
+                    <a:bodyPr/>
+                    <a:lstStyle/>
+                    <a:p>
+                      <a:pPr algn="l" fontAlgn="b"/>
+                      <a:r>
+                        <a:rPr lang="en-US" sz="1100" b="0" i="0" u="none" strike="noStrike">
+                          <a:solidFill>
+                            <a:srgbClr val="000000"/>
+                          </a:solidFill>
+                          <a:latin typeface="Calibri"/>
+                        </a:rPr>
+                        <a:t>8:00-9:45</a:t>
+                      </a:r>
+                    </a:p>
+                  </a:txBody>
+                  <a:tcPr marL="9525" marR="9525" marT="9525" marB="0" anchor="b">
+                    <a:lnL w="6350" cap="flat" cmpd="sng" algn="ctr">
+                      <a:solidFill>
+                        <a:srgbClr val="000000"/>
+                      </a:solidFill>
+                      <a:prstDash val="solid"/>
+                      <a:round/>
+                      <a:headEnd type="none" w="med" len="med"/>
+                      <a:tailEnd type="none" w="med" len="med"/>
+                    </a:lnL>
+                    <a:lnR w="6350" cap="flat" cmpd="sng" algn="ctr">
+                      <a:solidFill>
+                        <a:srgbClr val="000000"/>
+                      </a:solidFill>
+                      <a:prstDash val="solid"/>
+                      <a:round/>
+                      <a:headEnd type="none" w="med" len="med"/>
+                      <a:tailEnd type="none" w="med" len="med"/>
+                    </a:lnR>
+                    <a:lnT w="6350" cap="flat" cmpd="sng" algn="ctr">
+                      <a:solidFill>
+                        <a:srgbClr val="000000"/>
+                      </a:solidFill>
+                      <a:prstDash val="solid"/>
+                      <a:round/>
+                      <a:headEnd type="none" w="med" len="med"/>
+                      <a:tailEnd type="none" w="med" len="med"/>
+                    </a:lnT>
+                    <a:lnB w="6350" cap="flat" cmpd="sng" algn="ctr">
+                      <a:solidFill>
+                        <a:srgbClr val="000000"/>
+                      </a:solidFill>
+                      <a:prstDash val="solid"/>
+                      <a:round/>
+                      <a:headEnd type="none" w="med" len="med"/>
+                      <a:tailEnd type="none" w="med" len="med"/>
+                    </a:lnB>
+                  </a:tcPr>
+                </a:tc>
+                <a:tc>
+                  <a:txBody>
+                    <a:bodyPr/>
+                    <a:lstStyle/>
+                    <a:p>
+                      <a:pPr algn="l" fontAlgn="b"/>
+                      <a:r>
+                        <a:rPr lang="en-US" sz="1100" b="0" i="0" u="none" strike="noStrike">
+                          <a:solidFill>
+                            <a:srgbClr val="000000"/>
+                          </a:solidFill>
+                          <a:latin typeface="Calibri"/>
+                        </a:rPr>
+                        <a:t>8:00-9:10</a:t>
+                      </a:r>
+                    </a:p>
+                  </a:txBody>
+                  <a:tcPr marL="9525" marR="9525" marT="9525" marB="0" anchor="b">
+                    <a:lnL w="6350" cap="flat" cmpd="sng" algn="ctr">
+                      <a:solidFill>
+                        <a:srgbClr val="000000"/>
+                      </a:solidFill>
+                      <a:prstDash val="solid"/>
+                      <a:round/>
+                      <a:headEnd type="none" w="med" len="med"/>
+                      <a:tailEnd type="none" w="med" len="med"/>
+                    </a:lnL>
+                    <a:lnR w="6350" cap="flat" cmpd="sng" algn="ctr">
+                      <a:solidFill>
+                        <a:srgbClr val="000000"/>
+                      </a:solidFill>
+                      <a:prstDash val="solid"/>
+                      <a:round/>
+                      <a:headEnd type="none" w="med" len="med"/>
+                      <a:tailEnd type="none" w="med" len="med"/>
+                    </a:lnR>
+                    <a:lnT w="6350" cap="flat" cmpd="sng" algn="ctr">
+                      <a:solidFill>
+                        <a:srgbClr val="000000"/>
+                      </a:solidFill>
+                      <a:prstDash val="solid"/>
+                      <a:round/>
+                      <a:headEnd type="none" w="med" len="med"/>
+                      <a:tailEnd type="none" w="med" len="med"/>
+                    </a:lnT>
+                    <a:lnB w="6350" cap="flat" cmpd="sng" algn="ctr">
+                      <a:solidFill>
+                        <a:srgbClr val="000000"/>
+                      </a:solidFill>
+                      <a:prstDash val="solid"/>
+                      <a:round/>
+                      <a:headEnd type="none" w="med" len="med"/>
+                      <a:tailEnd type="none" w="med" len="med"/>
+                    </a:lnB>
+                  </a:tcPr>
+                </a:tc>
+              </a:tr>
+              <a:tr h="165100">
+                <a:tc>
+                  <a:txBody>
+                    <a:bodyPr/>
+                    <a:lstStyle/>
+                    <a:p>
+                      <a:pPr algn="l" fontAlgn="b"/>
+                      <a:r>
+                        <a:rPr lang="en-US" sz="1100" b="0" i="0" u="none" strike="noStrike">
+                          <a:solidFill>
+                            <a:srgbClr val="000000"/>
+                          </a:solidFill>
+                          <a:latin typeface="Calibri"/>
+                        </a:rPr>
+                        <a:t>9:30-10:40</a:t>
+                      </a:r>
+                    </a:p>
+                  </a:txBody>
+                  <a:tcPr marL="9525" marR="9525" marT="9525" marB="0" anchor="b">
+                    <a:lnL w="6350" cap="flat" cmpd="sng" algn="ctr">
+                      <a:solidFill>
+                        <a:srgbClr val="000000"/>
+                      </a:solidFill>
+                      <a:prstDash val="solid"/>
+                      <a:round/>
+                      <a:headEnd type="none" w="med" len="med"/>
+                      <a:tailEnd type="none" w="med" len="med"/>
+                    </a:lnL>
+                    <a:lnR w="6350" cap="flat" cmpd="sng" algn="ctr">
+                      <a:solidFill>
+                        <a:srgbClr val="000000"/>
+                      </a:solidFill>
+                      <a:prstDash val="solid"/>
+                      <a:round/>
+                      <a:headEnd type="none" w="med" len="med"/>
+                      <a:tailEnd type="none" w="med" len="med"/>
+                    </a:lnR>
+                    <a:lnT w="6350" cap="flat" cmpd="sng" algn="ctr">
+                      <a:solidFill>
+                        <a:srgbClr val="000000"/>
+                      </a:solidFill>
+                      <a:prstDash val="solid"/>
+                      <a:round/>
+                      <a:headEnd type="none" w="med" len="med"/>
+                      <a:tailEnd type="none" w="med" len="med"/>
+                    </a:lnT>
+                    <a:lnB w="6350" cap="flat" cmpd="sng" algn="ctr">
+                      <a:solidFill>
+                        <a:srgbClr val="000000"/>
+                      </a:solidFill>
+                      <a:prstDash val="solid"/>
+                      <a:round/>
+                      <a:headEnd type="none" w="med" len="med"/>
+                      <a:tailEnd type="none" w="med" len="med"/>
+                    </a:lnB>
+                    <a:solidFill>
+                      <a:srgbClr val="FFFF00"/>
+                    </a:solidFill>
+                  </a:tcPr>
+                </a:tc>
+                <a:tc>
+                  <a:txBody>
+                    <a:bodyPr/>
+                    <a:lstStyle/>
+                    <a:p>
+                      <a:pPr algn="l" fontAlgn="b"/>
+                      <a:r>
+                        <a:rPr lang="en-US" sz="1100" b="0" i="0" u="none" strike="noStrike">
+                          <a:solidFill>
+                            <a:srgbClr val="000000"/>
+                          </a:solidFill>
+                          <a:latin typeface="Calibri"/>
+                        </a:rPr>
+                        <a:t>10:00-11:45</a:t>
+                      </a:r>
+                    </a:p>
+                  </a:txBody>
+                  <a:tcPr marL="9525" marR="9525" marT="9525" marB="0" anchor="b">
+                    <a:lnL w="6350" cap="flat" cmpd="sng" algn="ctr">
+                      <a:solidFill>
+                        <a:srgbClr val="000000"/>
+                      </a:solidFill>
+                      <a:prstDash val="solid"/>
+                      <a:round/>
+                      <a:headEnd type="none" w="med" len="med"/>
+                      <a:tailEnd type="none" w="med" len="med"/>
+                    </a:lnL>
+                    <a:lnR w="6350" cap="flat" cmpd="sng" algn="ctr">
+                      <a:solidFill>
+                        <a:srgbClr val="000000"/>
+                      </a:solidFill>
+                      <a:prstDash val="solid"/>
+                      <a:round/>
+                      <a:headEnd type="none" w="med" len="med"/>
+                      <a:tailEnd type="none" w="med" len="med"/>
+                    </a:lnR>
+                    <a:lnT w="6350" cap="flat" cmpd="sng" algn="ctr">
+                      <a:solidFill>
+                        <a:srgbClr val="000000"/>
+                      </a:solidFill>
+                      <a:prstDash val="solid"/>
+                      <a:round/>
+                      <a:headEnd type="none" w="med" len="med"/>
+                      <a:tailEnd type="none" w="med" len="med"/>
+                    </a:lnT>
+                    <a:lnB w="6350" cap="flat" cmpd="sng" algn="ctr">
+                      <a:solidFill>
+                        <a:srgbClr val="000000"/>
+                      </a:solidFill>
+                      <a:prstDash val="solid"/>
+                      <a:round/>
+                      <a:headEnd type="none" w="med" len="med"/>
+                      <a:tailEnd type="none" w="med" len="med"/>
+                    </a:lnB>
+                  </a:tcPr>
+                </a:tc>
+                <a:tc>
+                  <a:txBody>
+                    <a:bodyPr/>
+                    <a:lstStyle/>
+                    <a:p>
+                      <a:pPr algn="l" fontAlgn="b"/>
+                      <a:r>
+                        <a:rPr lang="en-US" sz="1100" b="0" i="0" u="none" strike="noStrike">
+                          <a:solidFill>
+                            <a:srgbClr val="000000"/>
+                          </a:solidFill>
+                          <a:latin typeface="Calibri"/>
+                        </a:rPr>
+                        <a:t>9:30-10:40</a:t>
+                      </a:r>
+                    </a:p>
+                  </a:txBody>
+                  <a:tcPr marL="9525" marR="9525" marT="9525" marB="0" anchor="b">
+                    <a:lnL w="6350" cap="flat" cmpd="sng" algn="ctr">
+                      <a:solidFill>
+                        <a:srgbClr val="000000"/>
+                      </a:solidFill>
+                      <a:prstDash val="solid"/>
+                      <a:round/>
+                      <a:headEnd type="none" w="med" len="med"/>
+                      <a:tailEnd type="none" w="med" len="med"/>
+                    </a:lnL>
+                    <a:lnR w="6350" cap="flat" cmpd="sng" algn="ctr">
+                      <a:solidFill>
+                        <a:srgbClr val="000000"/>
+                      </a:solidFill>
+                      <a:prstDash val="solid"/>
+                      <a:round/>
+                      <a:headEnd type="none" w="med" len="med"/>
+                      <a:tailEnd type="none" w="med" len="med"/>
+                    </a:lnR>
+                    <a:lnT w="6350" cap="flat" cmpd="sng" algn="ctr">
+                      <a:solidFill>
+                        <a:srgbClr val="000000"/>
+                      </a:solidFill>
+                      <a:prstDash val="solid"/>
+                      <a:round/>
+                      <a:headEnd type="none" w="med" len="med"/>
+                      <a:tailEnd type="none" w="med" len="med"/>
+                    </a:lnT>
+                    <a:lnB w="6350" cap="flat" cmpd="sng" algn="ctr">
+                      <a:solidFill>
+                        <a:srgbClr val="000000"/>
+                      </a:solidFill>
+                      <a:prstDash val="solid"/>
+                      <a:round/>
+                      <a:headEnd type="none" w="med" len="med"/>
+                      <a:tailEnd type="none" w="med" len="med"/>
+                    </a:lnB>
+                    <a:solidFill>
+                      <a:srgbClr val="FFFF00"/>
+                    </a:solidFill>
+                  </a:tcPr>
+                </a:tc>
+                <a:tc>
+                  <a:txBody>
+                    <a:bodyPr/>
+                    <a:lstStyle/>
+                    <a:p>
+                      <a:pPr algn="l" fontAlgn="b"/>
+                      <a:r>
+                        <a:rPr lang="en-US" sz="1100" b="0" i="0" u="none" strike="noStrike">
+                          <a:solidFill>
+                            <a:srgbClr val="000000"/>
+                          </a:solidFill>
+                          <a:latin typeface="Calibri"/>
+                        </a:rPr>
+                        <a:t>10:00-11:45</a:t>
+                      </a:r>
+                    </a:p>
+                  </a:txBody>
+                  <a:tcPr marL="9525" marR="9525" marT="9525" marB="0" anchor="b">
+                    <a:lnL w="6350" cap="flat" cmpd="sng" algn="ctr">
+                      <a:solidFill>
+                        <a:srgbClr val="000000"/>
+                      </a:solidFill>
+                      <a:prstDash val="solid"/>
+                      <a:round/>
+                      <a:headEnd type="none" w="med" len="med"/>
+                      <a:tailEnd type="none" w="med" len="med"/>
+                    </a:lnL>
+                    <a:lnR w="6350" cap="flat" cmpd="sng" algn="ctr">
+                      <a:solidFill>
+                        <a:srgbClr val="000000"/>
+                      </a:solidFill>
+                      <a:prstDash val="solid"/>
+                      <a:round/>
+                      <a:headEnd type="none" w="med" len="med"/>
+                      <a:tailEnd type="none" w="med" len="med"/>
+                    </a:lnR>
+                    <a:lnT w="6350" cap="flat" cmpd="sng" algn="ctr">
+                      <a:solidFill>
+                        <a:srgbClr val="000000"/>
+                      </a:solidFill>
+                      <a:prstDash val="solid"/>
+                      <a:round/>
+                      <a:headEnd type="none" w="med" len="med"/>
+                      <a:tailEnd type="none" w="med" len="med"/>
+                    </a:lnT>
+                    <a:lnB w="6350" cap="flat" cmpd="sng" algn="ctr">
+                      <a:solidFill>
+                        <a:srgbClr val="000000"/>
+                      </a:solidFill>
+                      <a:prstDash val="solid"/>
+                      <a:round/>
+                      <a:headEnd type="none" w="med" len="med"/>
+                      <a:tailEnd type="none" w="med" len="med"/>
+                    </a:lnB>
+                  </a:tcPr>
+                </a:tc>
+                <a:tc>
+                  <a:txBody>
+                    <a:bodyPr/>
+                    <a:lstStyle/>
+                    <a:p>
+                      <a:pPr algn="l" fontAlgn="b"/>
+                      <a:r>
+                        <a:rPr lang="en-US" sz="1100" b="0" i="0" u="none" strike="noStrike">
+                          <a:solidFill>
+                            <a:srgbClr val="000000"/>
+                          </a:solidFill>
+                          <a:latin typeface="Calibri"/>
+                        </a:rPr>
+                        <a:t>9:30-10:40</a:t>
+                      </a:r>
+                    </a:p>
+                  </a:txBody>
+                  <a:tcPr marL="9525" marR="9525" marT="9525" marB="0" anchor="b">
+                    <a:lnL w="6350" cap="flat" cmpd="sng" algn="ctr">
+                      <a:solidFill>
+                        <a:srgbClr val="000000"/>
+                      </a:solidFill>
+                      <a:prstDash val="solid"/>
+                      <a:round/>
+                      <a:headEnd type="none" w="med" len="med"/>
+                      <a:tailEnd type="none" w="med" len="med"/>
+                    </a:lnL>
+                    <a:lnR w="6350" cap="flat" cmpd="sng" algn="ctr">
+                      <a:solidFill>
+                        <a:srgbClr val="000000"/>
+                      </a:solidFill>
+                      <a:prstDash val="solid"/>
+                      <a:round/>
+                      <a:headEnd type="none" w="med" len="med"/>
+                      <a:tailEnd type="none" w="med" len="med"/>
+                    </a:lnR>
+                    <a:lnT w="6350" cap="flat" cmpd="sng" algn="ctr">
+                      <a:solidFill>
+                        <a:srgbClr val="000000"/>
+                      </a:solidFill>
+                      <a:prstDash val="solid"/>
+                      <a:round/>
+                      <a:headEnd type="none" w="med" len="med"/>
+                      <a:tailEnd type="none" w="med" len="med"/>
+                    </a:lnT>
+                    <a:lnB w="6350" cap="flat" cmpd="sng" algn="ctr">
+                      <a:solidFill>
+                        <a:srgbClr val="000000"/>
+                      </a:solidFill>
+                      <a:prstDash val="solid"/>
+                      <a:round/>
+                      <a:headEnd type="none" w="med" len="med"/>
+                      <a:tailEnd type="none" w="med" len="med"/>
+                    </a:lnB>
+                    <a:solidFill>
+                      <a:srgbClr val="FFFF00"/>
+                    </a:solidFill>
+                  </a:tcPr>
+                </a:tc>
+              </a:tr>
+              <a:tr h="165100">
+                <a:tc>
+                  <a:txBody>
+                    <a:bodyPr/>
+                    <a:lstStyle/>
+                    <a:p>
+                      <a:pPr algn="l" fontAlgn="b"/>
+                      <a:r>
+                        <a:rPr lang="en-US" sz="1100" b="0" i="0" u="none" strike="noStrike">
+                          <a:solidFill>
+                            <a:srgbClr val="000000"/>
+                          </a:solidFill>
+                          <a:latin typeface="Calibri"/>
+                        </a:rPr>
+                        <a:t>11:00-12:10</a:t>
+                      </a:r>
+                    </a:p>
+                  </a:txBody>
+                  <a:tcPr marL="9525" marR="9525" marT="9525" marB="0" anchor="b">
+                    <a:lnL w="6350" cap="flat" cmpd="sng" algn="ctr">
+                      <a:solidFill>
+                        <a:srgbClr val="000000"/>
+                      </a:solidFill>
+                      <a:prstDash val="solid"/>
+                      <a:round/>
+                      <a:headEnd type="none" w="med" len="med"/>
+                      <a:tailEnd type="none" w="med" len="med"/>
+                    </a:lnL>
+                    <a:lnR w="6350" cap="flat" cmpd="sng" algn="ctr">
+                      <a:solidFill>
+                        <a:srgbClr val="000000"/>
+                      </a:solidFill>
+                      <a:prstDash val="solid"/>
+                      <a:round/>
+                      <a:headEnd type="none" w="med" len="med"/>
+                      <a:tailEnd type="none" w="med" len="med"/>
+                    </a:lnR>
+                    <a:lnT w="6350" cap="flat" cmpd="sng" algn="ctr">
+                      <a:solidFill>
+                        <a:srgbClr val="000000"/>
+                      </a:solidFill>
+                      <a:prstDash val="solid"/>
+                      <a:round/>
+                      <a:headEnd type="none" w="med" len="med"/>
+                      <a:tailEnd type="none" w="med" len="med"/>
+                    </a:lnT>
+                    <a:lnB w="6350" cap="flat" cmpd="sng" algn="ctr">
+                      <a:solidFill>
+                        <a:srgbClr val="000000"/>
+                      </a:solidFill>
+                      <a:prstDash val="solid"/>
+                      <a:round/>
+                      <a:headEnd type="none" w="med" len="med"/>
+                      <a:tailEnd type="none" w="med" len="med"/>
+                    </a:lnB>
+                  </a:tcPr>
+                </a:tc>
+                <a:tc>
+                  <a:txBody>
+                    <a:bodyPr/>
+                    <a:lstStyle/>
+                    <a:p>
+                      <a:pPr algn="l" fontAlgn="b"/>
+                      <a:r>
+                        <a:rPr lang="en-US" sz="1100" b="0" i="0" u="none" strike="noStrike">
+                          <a:solidFill>
+                            <a:srgbClr val="000000"/>
+                          </a:solidFill>
+                          <a:latin typeface="Calibri"/>
+                        </a:rPr>
+                        <a:t>12:00-1:45</a:t>
+                      </a:r>
+                    </a:p>
+                  </a:txBody>
+                  <a:tcPr marL="9525" marR="9525" marT="9525" marB="0" anchor="b">
+                    <a:lnL w="6350" cap="flat" cmpd="sng" algn="ctr">
+                      <a:solidFill>
+                        <a:srgbClr val="000000"/>
+                      </a:solidFill>
+                      <a:prstDash val="solid"/>
+                      <a:round/>
+                      <a:headEnd type="none" w="med" len="med"/>
+                      <a:tailEnd type="none" w="med" len="med"/>
+                    </a:lnL>
+                    <a:lnR w="6350" cap="flat" cmpd="sng" algn="ctr">
+                      <a:solidFill>
+                        <a:srgbClr val="000000"/>
+                      </a:solidFill>
+                      <a:prstDash val="solid"/>
+                      <a:round/>
+                      <a:headEnd type="none" w="med" len="med"/>
+                      <a:tailEnd type="none" w="med" len="med"/>
+                    </a:lnR>
+                    <a:lnT w="6350" cap="flat" cmpd="sng" algn="ctr">
+                      <a:solidFill>
+                        <a:srgbClr val="000000"/>
+                      </a:solidFill>
+                      <a:prstDash val="solid"/>
+                      <a:round/>
+                      <a:headEnd type="none" w="med" len="med"/>
+                      <a:tailEnd type="none" w="med" len="med"/>
+                    </a:lnT>
+                    <a:lnB w="6350" cap="flat" cmpd="sng" algn="ctr">
+                      <a:solidFill>
+                        <a:srgbClr val="000000"/>
+                      </a:solidFill>
+                      <a:prstDash val="solid"/>
+                      <a:round/>
+                      <a:headEnd type="none" w="med" len="med"/>
+                      <a:tailEnd type="none" w="med" len="med"/>
+                    </a:lnB>
+                  </a:tcPr>
+                </a:tc>
+                <a:tc>
+                  <a:txBody>
+                    <a:bodyPr/>
+                    <a:lstStyle/>
+                    <a:p>
+                      <a:pPr algn="l" fontAlgn="b"/>
+                      <a:r>
+                        <a:rPr lang="en-US" sz="1100" b="0" i="0" u="none" strike="noStrike">
+                          <a:solidFill>
+                            <a:srgbClr val="000000"/>
+                          </a:solidFill>
+                          <a:latin typeface="Calibri"/>
+                        </a:rPr>
+                        <a:t>11:00-12:10</a:t>
+                      </a:r>
+                    </a:p>
+                  </a:txBody>
+                  <a:tcPr marL="9525" marR="9525" marT="9525" marB="0" anchor="b">
+                    <a:lnL w="6350" cap="flat" cmpd="sng" algn="ctr">
+                      <a:solidFill>
+                        <a:srgbClr val="000000"/>
+                      </a:solidFill>
+                      <a:prstDash val="solid"/>
+                      <a:round/>
+                      <a:headEnd type="none" w="med" len="med"/>
+                      <a:tailEnd type="none" w="med" len="med"/>
+                    </a:lnL>
+                    <a:lnR w="6350" cap="flat" cmpd="sng" algn="ctr">
+                      <a:solidFill>
+                        <a:srgbClr val="000000"/>
+                      </a:solidFill>
+                      <a:prstDash val="solid"/>
+                      <a:round/>
+                      <a:headEnd type="none" w="med" len="med"/>
+                      <a:tailEnd type="none" w="med" len="med"/>
+                    </a:lnR>
+                    <a:lnT w="6350" cap="flat" cmpd="sng" algn="ctr">
+                      <a:solidFill>
+                        <a:srgbClr val="000000"/>
+                      </a:solidFill>
+                      <a:prstDash val="solid"/>
+                      <a:round/>
+                      <a:headEnd type="none" w="med" len="med"/>
+                      <a:tailEnd type="none" w="med" len="med"/>
+                    </a:lnT>
+                    <a:lnB w="6350" cap="flat" cmpd="sng" algn="ctr">
+                      <a:solidFill>
+                        <a:srgbClr val="000000"/>
+                      </a:solidFill>
+                      <a:prstDash val="solid"/>
+                      <a:round/>
+                      <a:headEnd type="none" w="med" len="med"/>
+                      <a:tailEnd type="none" w="med" len="med"/>
+                    </a:lnB>
+                  </a:tcPr>
+                </a:tc>
+                <a:tc>
+                  <a:txBody>
+                    <a:bodyPr/>
+                    <a:lstStyle/>
+                    <a:p>
+                      <a:pPr algn="l" fontAlgn="b"/>
+                      <a:r>
+                        <a:rPr lang="en-US" sz="1100" b="0" i="0" u="none" strike="noStrike">
+                          <a:solidFill>
+                            <a:srgbClr val="000000"/>
+                          </a:solidFill>
+                          <a:latin typeface="Calibri"/>
+                        </a:rPr>
+                        <a:t>12:00-1:45</a:t>
+                      </a:r>
+                    </a:p>
+                  </a:txBody>
+                  <a:tcPr marL="9525" marR="9525" marT="9525" marB="0" anchor="b">
+                    <a:lnL w="6350" cap="flat" cmpd="sng" algn="ctr">
+                      <a:solidFill>
+                        <a:srgbClr val="000000"/>
+                      </a:solidFill>
+                      <a:prstDash val="solid"/>
+                      <a:round/>
+                      <a:headEnd type="none" w="med" len="med"/>
+                      <a:tailEnd type="none" w="med" len="med"/>
+                    </a:lnL>
+                    <a:lnR w="6350" cap="flat" cmpd="sng" algn="ctr">
+                      <a:solidFill>
+                        <a:srgbClr val="000000"/>
+                      </a:solidFill>
+                      <a:prstDash val="solid"/>
+                      <a:round/>
+                      <a:headEnd type="none" w="med" len="med"/>
+                      <a:tailEnd type="none" w="med" len="med"/>
+                    </a:lnR>
+                    <a:lnT w="6350" cap="flat" cmpd="sng" algn="ctr">
+                      <a:solidFill>
+                        <a:srgbClr val="000000"/>
+                      </a:solidFill>
+                      <a:prstDash val="solid"/>
+                      <a:round/>
+                      <a:headEnd type="none" w="med" len="med"/>
+                      <a:tailEnd type="none" w="med" len="med"/>
+                    </a:lnT>
+                    <a:lnB w="6350" cap="flat" cmpd="sng" algn="ctr">
+                      <a:solidFill>
+                        <a:srgbClr val="000000"/>
+                      </a:solidFill>
+                      <a:prstDash val="solid"/>
+                      <a:round/>
+                      <a:headEnd type="none" w="med" len="med"/>
+                      <a:tailEnd type="none" w="med" len="med"/>
+                    </a:lnB>
+                  </a:tcPr>
+                </a:tc>
+                <a:tc>
+                  <a:txBody>
+                    <a:bodyPr/>
+                    <a:lstStyle/>
+                    <a:p>
+                      <a:pPr algn="l" fontAlgn="b"/>
+                      <a:r>
+                        <a:rPr lang="en-US" sz="1100" b="0" i="0" u="none" strike="noStrike">
+                          <a:solidFill>
+                            <a:srgbClr val="000000"/>
+                          </a:solidFill>
+                          <a:latin typeface="Calibri"/>
+                        </a:rPr>
+                        <a:t>11:00-12:10</a:t>
+                      </a:r>
+                    </a:p>
+                  </a:txBody>
+                  <a:tcPr marL="9525" marR="9525" marT="9525" marB="0" anchor="b">
+                    <a:lnL w="6350" cap="flat" cmpd="sng" algn="ctr">
+                      <a:solidFill>
+                        <a:srgbClr val="000000"/>
+                      </a:solidFill>
+                      <a:prstDash val="solid"/>
+                      <a:round/>
+                      <a:headEnd type="none" w="med" len="med"/>
+                      <a:tailEnd type="none" w="med" len="med"/>
+                    </a:lnL>
+                    <a:lnR w="6350" cap="flat" cmpd="sng" algn="ctr">
+                      <a:solidFill>
+                        <a:srgbClr val="000000"/>
+                      </a:solidFill>
+                      <a:prstDash val="solid"/>
+                      <a:round/>
+                      <a:headEnd type="none" w="med" len="med"/>
+                      <a:tailEnd type="none" w="med" len="med"/>
+                    </a:lnR>
+                    <a:lnT w="6350" cap="flat" cmpd="sng" algn="ctr">
+                      <a:solidFill>
+                        <a:srgbClr val="000000"/>
+                      </a:solidFill>
+                      <a:prstDash val="solid"/>
+                      <a:round/>
+                      <a:headEnd type="none" w="med" len="med"/>
+                      <a:tailEnd type="none" w="med" len="med"/>
+                    </a:lnT>
+                    <a:lnB w="6350" cap="flat" cmpd="sng" algn="ctr">
+                      <a:solidFill>
+                        <a:srgbClr val="000000"/>
+                      </a:solidFill>
+                      <a:prstDash val="solid"/>
+                      <a:round/>
+                      <a:headEnd type="none" w="med" len="med"/>
+                      <a:tailEnd type="none" w="med" len="med"/>
+                    </a:lnB>
+                  </a:tcPr>
+                </a:tc>
+              </a:tr>
+              <a:tr h="165100">
+                <a:tc>
+                  <a:txBody>
+                    <a:bodyPr/>
+                    <a:lstStyle/>
+                    <a:p>
+                      <a:pPr algn="l" fontAlgn="b"/>
+                      <a:r>
+                        <a:rPr lang="en-US" sz="1100" b="0" i="0" u="none" strike="noStrike">
+                          <a:solidFill>
+                            <a:srgbClr val="000000"/>
+                          </a:solidFill>
+                          <a:latin typeface="Calibri"/>
+                        </a:rPr>
+                        <a:t>12:30-1:40</a:t>
+                      </a:r>
+                    </a:p>
+                  </a:txBody>
+                  <a:tcPr marL="9525" marR="9525" marT="9525" marB="0" anchor="b">
+                    <a:lnL w="6350" cap="flat" cmpd="sng" algn="ctr">
+                      <a:solidFill>
+                        <a:srgbClr val="000000"/>
+                      </a:solidFill>
+                      <a:prstDash val="solid"/>
+                      <a:round/>
+                      <a:headEnd type="none" w="med" len="med"/>
+                      <a:tailEnd type="none" w="med" len="med"/>
+                    </a:lnL>
+                    <a:lnR w="6350" cap="flat" cmpd="sng" algn="ctr">
+                      <a:solidFill>
+                        <a:srgbClr val="000000"/>
+                      </a:solidFill>
+                      <a:prstDash val="solid"/>
+                      <a:round/>
+                      <a:headEnd type="none" w="med" len="med"/>
+                      <a:tailEnd type="none" w="med" len="med"/>
+                    </a:lnR>
+                    <a:lnT w="6350" cap="flat" cmpd="sng" algn="ctr">
+                      <a:solidFill>
+                        <a:srgbClr val="000000"/>
+                      </a:solidFill>
+                      <a:prstDash val="solid"/>
+                      <a:round/>
+                      <a:headEnd type="none" w="med" len="med"/>
+                      <a:tailEnd type="none" w="med" len="med"/>
+                    </a:lnT>
+                    <a:lnB w="6350" cap="flat" cmpd="sng" algn="ctr">
+                      <a:solidFill>
+                        <a:srgbClr val="000000"/>
+                      </a:solidFill>
+                      <a:prstDash val="solid"/>
+                      <a:round/>
+                      <a:headEnd type="none" w="med" len="med"/>
+                      <a:tailEnd type="none" w="med" len="med"/>
+                    </a:lnB>
+                  </a:tcPr>
+                </a:tc>
+                <a:tc>
+                  <a:txBody>
+                    <a:bodyPr/>
+                    <a:lstStyle/>
+                    <a:p>
+                      <a:pPr algn="l" fontAlgn="b"/>
+                      <a:r>
+                        <a:rPr lang="en-US" sz="1100" b="0" i="0" u="none" strike="noStrike">
+                          <a:solidFill>
+                            <a:srgbClr val="000000"/>
+                          </a:solidFill>
+                          <a:latin typeface="Calibri"/>
+                        </a:rPr>
+                        <a:t>2:00-3:45</a:t>
+                      </a:r>
+                    </a:p>
+                  </a:txBody>
+                  <a:tcPr marL="9525" marR="9525" marT="9525" marB="0" anchor="b">
+                    <a:lnL w="6350" cap="flat" cmpd="sng" algn="ctr">
+                      <a:solidFill>
+                        <a:srgbClr val="000000"/>
+                      </a:solidFill>
+                      <a:prstDash val="solid"/>
+                      <a:round/>
+                      <a:headEnd type="none" w="med" len="med"/>
+                      <a:tailEnd type="none" w="med" len="med"/>
+                    </a:lnL>
+                    <a:lnR w="6350" cap="flat" cmpd="sng" algn="ctr">
+                      <a:solidFill>
+                        <a:srgbClr val="000000"/>
+                      </a:solidFill>
+                      <a:prstDash val="solid"/>
+                      <a:round/>
+                      <a:headEnd type="none" w="med" len="med"/>
+                      <a:tailEnd type="none" w="med" len="med"/>
+                    </a:lnR>
+                    <a:lnT w="6350" cap="flat" cmpd="sng" algn="ctr">
+                      <a:solidFill>
+                        <a:srgbClr val="000000"/>
+                      </a:solidFill>
+                      <a:prstDash val="solid"/>
+                      <a:round/>
+                      <a:headEnd type="none" w="med" len="med"/>
+                      <a:tailEnd type="none" w="med" len="med"/>
+                    </a:lnT>
+                    <a:lnB w="6350" cap="flat" cmpd="sng" algn="ctr">
+                      <a:solidFill>
+                        <a:srgbClr val="000000"/>
+                      </a:solidFill>
+                      <a:prstDash val="solid"/>
+                      <a:round/>
+                      <a:headEnd type="none" w="med" len="med"/>
+                      <a:tailEnd type="none" w="med" len="med"/>
+                    </a:lnB>
+                    <a:solidFill>
+                      <a:srgbClr val="FFFF00"/>
+                    </a:solidFill>
+                  </a:tcPr>
+                </a:tc>
+                <a:tc>
+                  <a:txBody>
+                    <a:bodyPr/>
+                    <a:lstStyle/>
+                    <a:p>
+                      <a:pPr algn="l" fontAlgn="b"/>
+                      <a:r>
+                        <a:rPr lang="en-US" sz="1100" b="0" i="0" u="none" strike="noStrike">
+                          <a:solidFill>
+                            <a:srgbClr val="000000"/>
+                          </a:solidFill>
+                          <a:latin typeface="Calibri"/>
+                        </a:rPr>
+                        <a:t>12:30-1:40</a:t>
+                      </a:r>
+                    </a:p>
+                  </a:txBody>
+                  <a:tcPr marL="9525" marR="9525" marT="9525" marB="0" anchor="b">
+                    <a:lnL w="6350" cap="flat" cmpd="sng" algn="ctr">
+                      <a:solidFill>
+                        <a:srgbClr val="000000"/>
+                      </a:solidFill>
+                      <a:prstDash val="solid"/>
+                      <a:round/>
+                      <a:headEnd type="none" w="med" len="med"/>
+                      <a:tailEnd type="none" w="med" len="med"/>
+                    </a:lnL>
+                    <a:lnR w="6350" cap="flat" cmpd="sng" algn="ctr">
+                      <a:solidFill>
+                        <a:srgbClr val="000000"/>
+                      </a:solidFill>
+                      <a:prstDash val="solid"/>
+                      <a:round/>
+                      <a:headEnd type="none" w="med" len="med"/>
+                      <a:tailEnd type="none" w="med" len="med"/>
+                    </a:lnR>
+                    <a:lnT w="6350" cap="flat" cmpd="sng" algn="ctr">
+                      <a:solidFill>
+                        <a:srgbClr val="000000"/>
+                      </a:solidFill>
+                      <a:prstDash val="solid"/>
+                      <a:round/>
+                      <a:headEnd type="none" w="med" len="med"/>
+                      <a:tailEnd type="none" w="med" len="med"/>
+                    </a:lnT>
+                    <a:lnB w="6350" cap="flat" cmpd="sng" algn="ctr">
+                      <a:solidFill>
+                        <a:srgbClr val="000000"/>
+                      </a:solidFill>
+                      <a:prstDash val="solid"/>
+                      <a:round/>
+                      <a:headEnd type="none" w="med" len="med"/>
+                      <a:tailEnd type="none" w="med" len="med"/>
+                    </a:lnB>
+                  </a:tcPr>
+                </a:tc>
+                <a:tc>
+                  <a:txBody>
+                    <a:bodyPr/>
+                    <a:lstStyle/>
+                    <a:p>
+                      <a:pPr algn="l" fontAlgn="b"/>
+                      <a:r>
+                        <a:rPr lang="en-US" sz="1100" b="0" i="0" u="none" strike="noStrike">
+                          <a:solidFill>
+                            <a:srgbClr val="000000"/>
+                          </a:solidFill>
+                          <a:latin typeface="Calibri"/>
+                        </a:rPr>
+                        <a:t>2:00-3:45</a:t>
+                      </a:r>
+                    </a:p>
+                  </a:txBody>
+                  <a:tcPr marL="9525" marR="9525" marT="9525" marB="0" anchor="b">
+                    <a:lnL w="6350" cap="flat" cmpd="sng" algn="ctr">
+                      <a:solidFill>
+                        <a:srgbClr val="000000"/>
+                      </a:solidFill>
+                      <a:prstDash val="solid"/>
+                      <a:round/>
+                      <a:headEnd type="none" w="med" len="med"/>
+                      <a:tailEnd type="none" w="med" len="med"/>
+                    </a:lnL>
+                    <a:lnR w="6350" cap="flat" cmpd="sng" algn="ctr">
+                      <a:solidFill>
+                        <a:srgbClr val="000000"/>
+                      </a:solidFill>
+                      <a:prstDash val="solid"/>
+                      <a:round/>
+                      <a:headEnd type="none" w="med" len="med"/>
+                      <a:tailEnd type="none" w="med" len="med"/>
+                    </a:lnR>
+                    <a:lnT w="6350" cap="flat" cmpd="sng" algn="ctr">
+                      <a:solidFill>
+                        <a:srgbClr val="000000"/>
+                      </a:solidFill>
+                      <a:prstDash val="solid"/>
+                      <a:round/>
+                      <a:headEnd type="none" w="med" len="med"/>
+                      <a:tailEnd type="none" w="med" len="med"/>
+                    </a:lnT>
+                    <a:lnB w="6350" cap="flat" cmpd="sng" algn="ctr">
+                      <a:solidFill>
+                        <a:srgbClr val="000000"/>
+                      </a:solidFill>
+                      <a:prstDash val="solid"/>
+                      <a:round/>
+                      <a:headEnd type="none" w="med" len="med"/>
+                      <a:tailEnd type="none" w="med" len="med"/>
+                    </a:lnB>
+                    <a:solidFill>
+                      <a:srgbClr val="FFFF00"/>
+                    </a:solidFill>
+                  </a:tcPr>
+                </a:tc>
+                <a:tc>
+                  <a:txBody>
+                    <a:bodyPr/>
+                    <a:lstStyle/>
+                    <a:p>
+                      <a:pPr algn="l" fontAlgn="b"/>
+                      <a:r>
+                        <a:rPr lang="en-US" sz="1100" b="0" i="0" u="none" strike="noStrike">
+                          <a:solidFill>
+                            <a:srgbClr val="000000"/>
+                          </a:solidFill>
+                          <a:latin typeface="Calibri"/>
+                        </a:rPr>
+                        <a:t>12:30-1:40</a:t>
+                      </a:r>
+                    </a:p>
+                  </a:txBody>
+                  <a:tcPr marL="9525" marR="9525" marT="9525" marB="0" anchor="b">
+                    <a:lnL w="6350" cap="flat" cmpd="sng" algn="ctr">
+                      <a:solidFill>
+                        <a:srgbClr val="000000"/>
+                      </a:solidFill>
+                      <a:prstDash val="solid"/>
+                      <a:round/>
+                      <a:headEnd type="none" w="med" len="med"/>
+                      <a:tailEnd type="none" w="med" len="med"/>
+                    </a:lnL>
+                    <a:lnR w="6350" cap="flat" cmpd="sng" algn="ctr">
+                      <a:solidFill>
+                        <a:srgbClr val="000000"/>
+                      </a:solidFill>
+                      <a:prstDash val="solid"/>
+                      <a:round/>
+                      <a:headEnd type="none" w="med" len="med"/>
+                      <a:tailEnd type="none" w="med" len="med"/>
+                    </a:lnR>
+                    <a:lnT w="6350" cap="flat" cmpd="sng" algn="ctr">
+                      <a:solidFill>
+                        <a:srgbClr val="000000"/>
+                      </a:solidFill>
+                      <a:prstDash val="solid"/>
+                      <a:round/>
+                      <a:headEnd type="none" w="med" len="med"/>
+                      <a:tailEnd type="none" w="med" len="med"/>
+                    </a:lnT>
+                    <a:lnB w="6350" cap="flat" cmpd="sng" algn="ctr">
+                      <a:solidFill>
+                        <a:srgbClr val="000000"/>
+                      </a:solidFill>
+                      <a:prstDash val="solid"/>
+                      <a:round/>
+                      <a:headEnd type="none" w="med" len="med"/>
+                      <a:tailEnd type="none" w="med" len="med"/>
+                    </a:lnB>
+                  </a:tcPr>
+                </a:tc>
+              </a:tr>
+              <a:tr h="165100">
+                <a:tc>
+                  <a:txBody>
+                    <a:bodyPr/>
+                    <a:lstStyle/>
+                    <a:p>
+                      <a:pPr algn="l" fontAlgn="b"/>
+                      <a:r>
+                        <a:rPr lang="en-US" sz="1100" b="0" i="0" u="none" strike="noStrike">
+                          <a:solidFill>
+                            <a:srgbClr val="000000"/>
+                          </a:solidFill>
+                          <a:latin typeface="Calibri"/>
+                        </a:rPr>
+                        <a:t>2:00-3:10</a:t>
+                      </a:r>
+                    </a:p>
+                  </a:txBody>
+                  <a:tcPr marL="9525" marR="9525" marT="9525" marB="0" anchor="b">
+                    <a:lnL w="6350" cap="flat" cmpd="sng" algn="ctr">
+                      <a:solidFill>
+                        <a:srgbClr val="000000"/>
+                      </a:solidFill>
+                      <a:prstDash val="solid"/>
+                      <a:round/>
+                      <a:headEnd type="none" w="med" len="med"/>
+                      <a:tailEnd type="none" w="med" len="med"/>
+                    </a:lnL>
+                    <a:lnR w="6350" cap="flat" cmpd="sng" algn="ctr">
+                      <a:solidFill>
+                        <a:srgbClr val="000000"/>
+                      </a:solidFill>
+                      <a:prstDash val="solid"/>
+                      <a:round/>
+                      <a:headEnd type="none" w="med" len="med"/>
+                      <a:tailEnd type="none" w="med" len="med"/>
+                    </a:lnR>
+                    <a:lnT w="6350" cap="flat" cmpd="sng" algn="ctr">
+                      <a:solidFill>
+                        <a:srgbClr val="000000"/>
+                      </a:solidFill>
+                      <a:prstDash val="solid"/>
+                      <a:round/>
+                      <a:headEnd type="none" w="med" len="med"/>
+                      <a:tailEnd type="none" w="med" len="med"/>
+                    </a:lnT>
+                    <a:lnB w="6350" cap="flat" cmpd="sng" algn="ctr">
+                      <a:solidFill>
+                        <a:srgbClr val="000000"/>
+                      </a:solidFill>
+                      <a:prstDash val="solid"/>
+                      <a:round/>
+                      <a:headEnd type="none" w="med" len="med"/>
+                      <a:tailEnd type="none" w="med" len="med"/>
+                    </a:lnB>
+                  </a:tcPr>
+                </a:tc>
+                <a:tc>
+                  <a:txBody>
+                    <a:bodyPr/>
+                    <a:lstStyle/>
+                    <a:p>
+                      <a:pPr algn="l" fontAlgn="b"/>
+                      <a:r>
+                        <a:rPr lang="en-US" sz="1100" b="0" i="0" u="none" strike="noStrike" dirty="0">
+                          <a:solidFill>
+                            <a:srgbClr val="000000"/>
+                          </a:solidFill>
+                          <a:latin typeface="Calibri"/>
+                        </a:rPr>
+                        <a:t>4:00-5:45</a:t>
+                      </a:r>
+                    </a:p>
+                  </a:txBody>
+                  <a:tcPr marL="9525" marR="9525" marT="9525" marB="0" anchor="b">
+                    <a:lnL w="6350" cap="flat" cmpd="sng" algn="ctr">
+                      <a:solidFill>
+                        <a:srgbClr val="000000"/>
+                      </a:solidFill>
+                      <a:prstDash val="solid"/>
+                      <a:round/>
+                      <a:headEnd type="none" w="med" len="med"/>
+                      <a:tailEnd type="none" w="med" len="med"/>
+                    </a:lnL>
+                    <a:lnR w="6350" cap="flat" cmpd="sng" algn="ctr">
+                      <a:solidFill>
+                        <a:srgbClr val="000000"/>
+                      </a:solidFill>
+                      <a:prstDash val="solid"/>
+                      <a:round/>
+                      <a:headEnd type="none" w="med" len="med"/>
+                      <a:tailEnd type="none" w="med" len="med"/>
+                    </a:lnR>
+                    <a:lnT w="6350" cap="flat" cmpd="sng" algn="ctr">
+                      <a:solidFill>
+                        <a:srgbClr val="000000"/>
+                      </a:solidFill>
+                      <a:prstDash val="solid"/>
+                      <a:round/>
+                      <a:headEnd type="none" w="med" len="med"/>
+                      <a:tailEnd type="none" w="med" len="med"/>
+                    </a:lnT>
+                    <a:lnB w="6350" cap="flat" cmpd="sng" algn="ctr">
+                      <a:solidFill>
+                        <a:srgbClr val="000000"/>
+                      </a:solidFill>
+                      <a:prstDash val="solid"/>
+                      <a:round/>
+                      <a:headEnd type="none" w="med" len="med"/>
+                      <a:tailEnd type="none" w="med" len="med"/>
+                    </a:lnB>
+                  </a:tcPr>
+                </a:tc>
+                <a:tc>
+                  <a:txBody>
+                    <a:bodyPr/>
+                    <a:lstStyle/>
+                    <a:p>
+                      <a:pPr algn="l" fontAlgn="b"/>
+                      <a:r>
+                        <a:rPr lang="en-US" sz="1100" b="0" i="0" u="none" strike="noStrike">
+                          <a:solidFill>
+                            <a:srgbClr val="000000"/>
+                          </a:solidFill>
+                          <a:latin typeface="Calibri"/>
+                        </a:rPr>
+                        <a:t>2:00-3:10</a:t>
+                      </a:r>
+                    </a:p>
+                  </a:txBody>
+                  <a:tcPr marL="9525" marR="9525" marT="9525" marB="0" anchor="b">
+                    <a:lnL w="6350" cap="flat" cmpd="sng" algn="ctr">
+                      <a:solidFill>
+                        <a:srgbClr val="000000"/>
+                      </a:solidFill>
+                      <a:prstDash val="solid"/>
+                      <a:round/>
+                      <a:headEnd type="none" w="med" len="med"/>
+                      <a:tailEnd type="none" w="med" len="med"/>
+                    </a:lnL>
+                    <a:lnR w="6350" cap="flat" cmpd="sng" algn="ctr">
+                      <a:solidFill>
+                        <a:srgbClr val="000000"/>
+                      </a:solidFill>
+                      <a:prstDash val="solid"/>
+                      <a:round/>
+                      <a:headEnd type="none" w="med" len="med"/>
+                      <a:tailEnd type="none" w="med" len="med"/>
+                    </a:lnR>
+                    <a:lnT w="6350" cap="flat" cmpd="sng" algn="ctr">
+                      <a:solidFill>
+                        <a:srgbClr val="000000"/>
+                      </a:solidFill>
+                      <a:prstDash val="solid"/>
+                      <a:round/>
+                      <a:headEnd type="none" w="med" len="med"/>
+                      <a:tailEnd type="none" w="med" len="med"/>
+                    </a:lnT>
+                    <a:lnB w="6350" cap="flat" cmpd="sng" algn="ctr">
+                      <a:solidFill>
+                        <a:srgbClr val="000000"/>
+                      </a:solidFill>
+                      <a:prstDash val="solid"/>
+                      <a:round/>
+                      <a:headEnd type="none" w="med" len="med"/>
+                      <a:tailEnd type="none" w="med" len="med"/>
+                    </a:lnB>
+                  </a:tcPr>
+                </a:tc>
+                <a:tc>
+                  <a:txBody>
+                    <a:bodyPr/>
+                    <a:lstStyle/>
+                    <a:p>
+                      <a:pPr algn="l" fontAlgn="b"/>
+                      <a:r>
+                        <a:rPr lang="en-US" sz="1100" b="0" i="0" u="none" strike="noStrike">
+                          <a:solidFill>
+                            <a:srgbClr val="000000"/>
+                          </a:solidFill>
+                          <a:latin typeface="Calibri"/>
+                        </a:rPr>
+                        <a:t>4:00-5:45</a:t>
+                      </a:r>
+                    </a:p>
+                  </a:txBody>
+                  <a:tcPr marL="9525" marR="9525" marT="9525" marB="0" anchor="b">
+                    <a:lnL w="6350" cap="flat" cmpd="sng" algn="ctr">
+                      <a:solidFill>
+                        <a:srgbClr val="000000"/>
+                      </a:solidFill>
+                      <a:prstDash val="solid"/>
+                      <a:round/>
+                      <a:headEnd type="none" w="med" len="med"/>
+                      <a:tailEnd type="none" w="med" len="med"/>
+                    </a:lnL>
+                    <a:lnR w="6350" cap="flat" cmpd="sng" algn="ctr">
+                      <a:solidFill>
+                        <a:srgbClr val="000000"/>
+                      </a:solidFill>
+                      <a:prstDash val="solid"/>
+                      <a:round/>
+                      <a:headEnd type="none" w="med" len="med"/>
+                      <a:tailEnd type="none" w="med" len="med"/>
+                    </a:lnR>
+                    <a:lnT w="6350" cap="flat" cmpd="sng" algn="ctr">
+                      <a:solidFill>
+                        <a:srgbClr val="000000"/>
+                      </a:solidFill>
+                      <a:prstDash val="solid"/>
+                      <a:round/>
+                      <a:headEnd type="none" w="med" len="med"/>
+                      <a:tailEnd type="none" w="med" len="med"/>
+                    </a:lnT>
+                    <a:lnB w="6350" cap="flat" cmpd="sng" algn="ctr">
+                      <a:solidFill>
+                        <a:srgbClr val="000000"/>
+                      </a:solidFill>
+                      <a:prstDash val="solid"/>
+                      <a:round/>
+                      <a:headEnd type="none" w="med" len="med"/>
+                      <a:tailEnd type="none" w="med" len="med"/>
+                    </a:lnB>
+                  </a:tcPr>
+                </a:tc>
+                <a:tc>
+                  <a:txBody>
+                    <a:bodyPr/>
+                    <a:lstStyle/>
+                    <a:p>
+                      <a:pPr algn="l" fontAlgn="b"/>
+                      <a:r>
+                        <a:rPr lang="en-US" sz="1100" b="0" i="0" u="none" strike="noStrike" dirty="0">
+                          <a:solidFill>
+                            <a:srgbClr val="000000"/>
+                          </a:solidFill>
+                          <a:latin typeface="Calibri"/>
+                        </a:rPr>
+                        <a:t>2:00-3:10</a:t>
+                      </a:r>
+                    </a:p>
+                  </a:txBody>
+                  <a:tcPr marL="9525" marR="9525" marT="9525" marB="0" anchor="b">
+                    <a:lnL w="6350" cap="flat" cmpd="sng" algn="ctr">
+                      <a:solidFill>
+                        <a:srgbClr val="000000"/>
+                      </a:solidFill>
+                      <a:prstDash val="solid"/>
+                      <a:round/>
+                      <a:headEnd type="none" w="med" len="med"/>
+                      <a:tailEnd type="none" w="med" len="med"/>
+                    </a:lnL>
+                    <a:lnR w="6350" cap="flat" cmpd="sng" algn="ctr">
+                      <a:solidFill>
+                        <a:srgbClr val="000000"/>
+                      </a:solidFill>
+                      <a:prstDash val="solid"/>
+                      <a:round/>
+                      <a:headEnd type="none" w="med" len="med"/>
+                      <a:tailEnd type="none" w="med" len="med"/>
+                    </a:lnR>
+                    <a:lnT w="6350" cap="flat" cmpd="sng" algn="ctr">
+                      <a:solidFill>
+                        <a:srgbClr val="000000"/>
+                      </a:solidFill>
+                      <a:prstDash val="solid"/>
+                      <a:round/>
+                      <a:headEnd type="none" w="med" len="med"/>
+                      <a:tailEnd type="none" w="med" len="med"/>
+                    </a:lnT>
+                    <a:lnB w="6350" cap="flat" cmpd="sng" algn="ctr">
+                      <a:solidFill>
+                        <a:srgbClr val="000000"/>
+                      </a:solidFill>
+                      <a:prstDash val="solid"/>
+                      <a:round/>
+                      <a:headEnd type="none" w="med" len="med"/>
+                      <a:tailEnd type="none" w="med" len="med"/>
+                    </a:lnB>
+                  </a:tcPr>
+                </a:tc>
+              </a:tr>
+            </a:tbl>
+          </a:graphicData>
+        </a:graphic>
+      </p:graphicFrame>
+      <p:sp>
+        <p:nvSpPr>
+          <p:cNvPr id="31" name="TextBox 30"/>
+          <p:cNvSpPr txBox="1"/>
+          <p:nvPr/>
+        </p:nvSpPr>
+        <p:spPr>
+          <a:xfrm>
+            <a:off x="3124200" y="1295400"/>
+            <a:ext cx="3502882" cy="261610"/>
+          </a:xfrm>
+          <a:prstGeom prst="rect">
+            <a:avLst/>
+          </a:prstGeom>
+          <a:noFill/>
+        </p:spPr>
+        <p:txBody>
+          <a:bodyPr wrap="none" rtlCol="0">
+            <a:spAutoFit/>
+          </a:bodyPr>
+          <a:lstStyle/>
+          <a:p>
+            <a:r>
+              <a:rPr lang="en-US" sz="1100" dirty="0" smtClean="0"/>
+              <a:t>Please select times you are available to teach this quarter </a:t>
+            </a:r>
+            <a:endParaRPr lang="en-US" sz="1100" dirty="0"/>
+          </a:p>
+        </p:txBody>
+      </p:sp>
+      <p:sp>
+        <p:nvSpPr>
+          <p:cNvPr id="32" name="TextBox 31"/>
+          <p:cNvSpPr txBox="1"/>
+          <p:nvPr/>
+        </p:nvSpPr>
+        <p:spPr>
+          <a:xfrm>
+            <a:off x="6477000" y="1066800"/>
+            <a:ext cx="1609223" cy="369332"/>
+          </a:xfrm>
+          <a:prstGeom prst="rect">
+            <a:avLst/>
+          </a:prstGeom>
+          <a:noFill/>
+        </p:spPr>
+        <p:txBody>
+          <a:bodyPr wrap="none" rtlCol="0">
+            <a:spAutoFit/>
+          </a:bodyPr>
+          <a:lstStyle/>
+          <a:p>
+            <a:r>
+              <a:rPr lang="en-US" dirty="0" err="1" smtClean="0"/>
+              <a:t>Tantalo</a:t>
+            </a:r>
+            <a:r>
+              <a:rPr lang="en-US" dirty="0" smtClean="0"/>
+              <a:t>, Patrick</a:t>
+            </a:r>
+            <a:endParaRPr lang="en-US" dirty="0"/>
+          </a:p>
+        </p:txBody>
+      </p:sp>
+      <p:graphicFrame>
+        <p:nvGraphicFramePr>
+          <p:cNvPr id="33" name="Table 32"/>
+          <p:cNvGraphicFramePr>
+            <a:graphicFrameLocks noGrp="1"/>
+          </p:cNvGraphicFramePr>
+          <p:nvPr/>
+        </p:nvGraphicFramePr>
+        <p:xfrm>
+          <a:off x="3149600" y="3048000"/>
+          <a:ext cx="2108200" cy="885825"/>
+        </p:xfrm>
+        <a:graphic>
+          <a:graphicData uri="http://schemas.openxmlformats.org/drawingml/2006/table">
+            <a:tbl>
+              <a:tblPr/>
+              <a:tblGrid>
+                <a:gridCol w="1054100"/>
+                <a:gridCol w="1054100"/>
+              </a:tblGrid>
+              <a:tr h="167640">
+                <a:tc>
+                  <a:txBody>
+                    <a:bodyPr/>
+                    <a:lstStyle/>
+                    <a:p>
+                      <a:pPr algn="l" fontAlgn="b"/>
+                      <a:r>
+                        <a:rPr lang="en-US" sz="1100" b="0" i="0" u="none" strike="noStrike" dirty="0">
+                          <a:solidFill>
+                            <a:srgbClr val="000000"/>
+                          </a:solidFill>
+                          <a:latin typeface="Calibri"/>
+                        </a:rPr>
+                        <a:t>Lower Division</a:t>
+                      </a:r>
+                    </a:p>
+                  </a:txBody>
+                  <a:tcPr marL="9525" marR="9525" marT="9525" marB="0" anchor="b">
+                    <a:lnL w="6350" cap="flat" cmpd="sng" algn="ctr">
+                      <a:solidFill>
+                        <a:srgbClr val="000000"/>
+                      </a:solidFill>
+                      <a:prstDash val="solid"/>
+                      <a:round/>
+                      <a:headEnd type="none" w="med" len="med"/>
+                      <a:tailEnd type="none" w="med" len="med"/>
+                    </a:lnL>
+                    <a:lnR w="6350" cap="flat" cmpd="sng" algn="ctr">
+                      <a:solidFill>
+                        <a:srgbClr val="000000"/>
+                      </a:solidFill>
+                      <a:prstDash val="solid"/>
+                      <a:round/>
+                      <a:headEnd type="none" w="med" len="med"/>
+                      <a:tailEnd type="none" w="med" len="med"/>
+                    </a:lnR>
+                    <a:lnT w="6350" cap="flat" cmpd="sng" algn="ctr">
+                      <a:solidFill>
+                        <a:srgbClr val="000000"/>
+                      </a:solidFill>
+                      <a:prstDash val="solid"/>
+                      <a:round/>
+                      <a:headEnd type="none" w="med" len="med"/>
+                      <a:tailEnd type="none" w="med" len="med"/>
+                    </a:lnT>
+                    <a:lnB w="6350" cap="flat" cmpd="sng" algn="ctr">
+                      <a:solidFill>
+                        <a:srgbClr val="000000"/>
+                      </a:solidFill>
+                      <a:prstDash val="solid"/>
+                      <a:round/>
+                      <a:headEnd type="none" w="med" len="med"/>
+                      <a:tailEnd type="none" w="med" len="med"/>
+                    </a:lnB>
+                  </a:tcPr>
+                </a:tc>
+                <a:tc>
+                  <a:txBody>
+                    <a:bodyPr/>
+                    <a:lstStyle/>
+                    <a:p>
+                      <a:pPr algn="l" fontAlgn="b"/>
+                      <a:r>
+                        <a:rPr lang="en-US" sz="1100" b="0" i="0" u="none" strike="noStrike">
+                          <a:solidFill>
+                            <a:srgbClr val="000000"/>
+                          </a:solidFill>
+                          <a:latin typeface="Calibri"/>
+                        </a:rPr>
+                        <a:t>Upper Division</a:t>
+                      </a:r>
+                    </a:p>
+                  </a:txBody>
+                  <a:tcPr marL="9525" marR="9525" marT="9525" marB="0" anchor="b">
+                    <a:lnL w="6350" cap="flat" cmpd="sng" algn="ctr">
+                      <a:solidFill>
+                        <a:srgbClr val="000000"/>
+                      </a:solidFill>
+                      <a:prstDash val="solid"/>
+                      <a:round/>
+                      <a:headEnd type="none" w="med" len="med"/>
+                      <a:tailEnd type="none" w="med" len="med"/>
+                    </a:lnL>
+                    <a:lnR w="6350" cap="flat" cmpd="sng" algn="ctr">
+                      <a:solidFill>
+                        <a:srgbClr val="000000"/>
+                      </a:solidFill>
+                      <a:prstDash val="solid"/>
+                      <a:round/>
+                      <a:headEnd type="none" w="med" len="med"/>
+                      <a:tailEnd type="none" w="med" len="med"/>
+                    </a:lnR>
+                    <a:lnT w="6350" cap="flat" cmpd="sng" algn="ctr">
+                      <a:solidFill>
+                        <a:srgbClr val="000000"/>
+                      </a:solidFill>
+                      <a:prstDash val="solid"/>
+                      <a:round/>
+                      <a:headEnd type="none" w="med" len="med"/>
+                      <a:tailEnd type="none" w="med" len="med"/>
+                    </a:lnT>
+                    <a:lnB w="6350" cap="flat" cmpd="sng" algn="ctr">
+                      <a:solidFill>
+                        <a:srgbClr val="000000"/>
+                      </a:solidFill>
+                      <a:prstDash val="solid"/>
+                      <a:round/>
+                      <a:headEnd type="none" w="med" len="med"/>
+                      <a:tailEnd type="none" w="med" len="med"/>
+                    </a:lnB>
+                  </a:tcPr>
+                </a:tc>
+              </a:tr>
+              <a:tr h="167640">
+                <a:tc>
+                  <a:txBody>
+                    <a:bodyPr/>
+                    <a:lstStyle/>
+                    <a:p>
+                      <a:pPr algn="l" fontAlgn="b"/>
+                      <a:r>
+                        <a:rPr lang="en-US" sz="1100" b="0" i="0" u="none" strike="noStrike">
+                          <a:solidFill>
+                            <a:srgbClr val="000000"/>
+                          </a:solidFill>
+                          <a:latin typeface="Calibri"/>
+                        </a:rPr>
+                        <a:t>CMPS 2</a:t>
+                      </a:r>
+                    </a:p>
+                  </a:txBody>
+                  <a:tcPr marL="9525" marR="9525" marT="9525" marB="0" anchor="b">
+                    <a:lnL w="6350" cap="flat" cmpd="sng" algn="ctr">
+                      <a:solidFill>
+                        <a:srgbClr val="000000"/>
+                      </a:solidFill>
+                      <a:prstDash val="solid"/>
+                      <a:round/>
+                      <a:headEnd type="none" w="med" len="med"/>
+                      <a:tailEnd type="none" w="med" len="med"/>
+                    </a:lnL>
+                    <a:lnR w="6350" cap="flat" cmpd="sng" algn="ctr">
+                      <a:solidFill>
+                        <a:srgbClr val="000000"/>
+                      </a:solidFill>
+                      <a:prstDash val="solid"/>
+                      <a:round/>
+                      <a:headEnd type="none" w="med" len="med"/>
+                      <a:tailEnd type="none" w="med" len="med"/>
+                    </a:lnR>
+                    <a:lnT w="6350" cap="flat" cmpd="sng" algn="ctr">
+                      <a:solidFill>
+                        <a:srgbClr val="000000"/>
+                      </a:solidFill>
+                      <a:prstDash val="solid"/>
+                      <a:round/>
+                      <a:headEnd type="none" w="med" len="med"/>
+                      <a:tailEnd type="none" w="med" len="med"/>
+                    </a:lnT>
+                    <a:lnB w="6350" cap="flat" cmpd="sng" algn="ctr">
+                      <a:solidFill>
+                        <a:srgbClr val="000000"/>
+                      </a:solidFill>
+                      <a:prstDash val="solid"/>
+                      <a:round/>
+                      <a:headEnd type="none" w="med" len="med"/>
+                      <a:tailEnd type="none" w="med" len="med"/>
+                    </a:lnB>
+                  </a:tcPr>
+                </a:tc>
+                <a:tc>
+                  <a:txBody>
+                    <a:bodyPr/>
+                    <a:lstStyle/>
+                    <a:p>
+                      <a:pPr algn="l" fontAlgn="b"/>
+                      <a:r>
+                        <a:rPr lang="en-US" sz="1100" b="0" i="0" u="none" strike="noStrike">
+                          <a:solidFill>
+                            <a:srgbClr val="000000"/>
+                          </a:solidFill>
+                          <a:latin typeface="Calibri"/>
+                        </a:rPr>
+                        <a:t>CMPS 101</a:t>
+                      </a:r>
+                    </a:p>
+                  </a:txBody>
+                  <a:tcPr marL="9525" marR="9525" marT="9525" marB="0" anchor="b">
+                    <a:lnL w="6350" cap="flat" cmpd="sng" algn="ctr">
+                      <a:solidFill>
+                        <a:srgbClr val="000000"/>
+                      </a:solidFill>
+                      <a:prstDash val="solid"/>
+                      <a:round/>
+                      <a:headEnd type="none" w="med" len="med"/>
+                      <a:tailEnd type="none" w="med" len="med"/>
+                    </a:lnL>
+                    <a:lnR w="6350" cap="flat" cmpd="sng" algn="ctr">
+                      <a:solidFill>
+                        <a:srgbClr val="000000"/>
+                      </a:solidFill>
+                      <a:prstDash val="solid"/>
+                      <a:round/>
+                      <a:headEnd type="none" w="med" len="med"/>
+                      <a:tailEnd type="none" w="med" len="med"/>
+                    </a:lnR>
+                    <a:lnT w="6350" cap="flat" cmpd="sng" algn="ctr">
+                      <a:solidFill>
+                        <a:srgbClr val="000000"/>
+                      </a:solidFill>
+                      <a:prstDash val="solid"/>
+                      <a:round/>
+                      <a:headEnd type="none" w="med" len="med"/>
+                      <a:tailEnd type="none" w="med" len="med"/>
+                    </a:lnT>
+                    <a:lnB w="6350" cap="flat" cmpd="sng" algn="ctr">
+                      <a:solidFill>
+                        <a:srgbClr val="000000"/>
+                      </a:solidFill>
+                      <a:prstDash val="solid"/>
+                      <a:round/>
+                      <a:headEnd type="none" w="med" len="med"/>
+                      <a:tailEnd type="none" w="med" len="med"/>
+                    </a:lnB>
+                    <a:solidFill>
+                      <a:srgbClr val="FFFF00"/>
+                    </a:solidFill>
+                  </a:tcPr>
+                </a:tc>
+              </a:tr>
+              <a:tr h="167640">
+                <a:tc>
+                  <a:txBody>
+                    <a:bodyPr/>
+                    <a:lstStyle/>
+                    <a:p>
+                      <a:pPr algn="l" fontAlgn="b"/>
+                      <a:r>
+                        <a:rPr lang="en-US" sz="1100" b="0" i="0" u="none" strike="noStrike">
+                          <a:solidFill>
+                            <a:srgbClr val="000000"/>
+                          </a:solidFill>
+                          <a:latin typeface="Calibri"/>
+                        </a:rPr>
+                        <a:t>CMPS 10</a:t>
+                      </a:r>
+                    </a:p>
+                  </a:txBody>
+                  <a:tcPr marL="9525" marR="9525" marT="9525" marB="0" anchor="b">
+                    <a:lnL w="6350" cap="flat" cmpd="sng" algn="ctr">
+                      <a:solidFill>
+                        <a:srgbClr val="000000"/>
+                      </a:solidFill>
+                      <a:prstDash val="solid"/>
+                      <a:round/>
+                      <a:headEnd type="none" w="med" len="med"/>
+                      <a:tailEnd type="none" w="med" len="med"/>
+                    </a:lnL>
+                    <a:lnR w="6350" cap="flat" cmpd="sng" algn="ctr">
+                      <a:solidFill>
+                        <a:srgbClr val="000000"/>
+                      </a:solidFill>
+                      <a:prstDash val="solid"/>
+                      <a:round/>
+                      <a:headEnd type="none" w="med" len="med"/>
+                      <a:tailEnd type="none" w="med" len="med"/>
+                    </a:lnR>
+                    <a:lnT w="6350" cap="flat" cmpd="sng" algn="ctr">
+                      <a:solidFill>
+                        <a:srgbClr val="000000"/>
+                      </a:solidFill>
+                      <a:prstDash val="solid"/>
+                      <a:round/>
+                      <a:headEnd type="none" w="med" len="med"/>
+                      <a:tailEnd type="none" w="med" len="med"/>
+                    </a:lnT>
+                    <a:lnB w="6350" cap="flat" cmpd="sng" algn="ctr">
+                      <a:solidFill>
+                        <a:srgbClr val="000000"/>
+                      </a:solidFill>
+                      <a:prstDash val="solid"/>
+                      <a:round/>
+                      <a:headEnd type="none" w="med" len="med"/>
+                      <a:tailEnd type="none" w="med" len="med"/>
+                    </a:lnB>
+                    <a:solidFill>
+                      <a:srgbClr val="FFFF00"/>
+                    </a:solidFill>
+                  </a:tcPr>
+                </a:tc>
+                <a:tc>
+                  <a:txBody>
+                    <a:bodyPr/>
+                    <a:lstStyle/>
+                    <a:p>
+                      <a:pPr algn="l" fontAlgn="b"/>
+                      <a:r>
+                        <a:rPr lang="en-US" sz="1100" b="0" i="0" u="none" strike="noStrike">
+                          <a:solidFill>
+                            <a:srgbClr val="000000"/>
+                          </a:solidFill>
+                          <a:latin typeface="Calibri"/>
+                        </a:rPr>
+                        <a:t>CMPS 102</a:t>
+                      </a:r>
+                    </a:p>
+                  </a:txBody>
+                  <a:tcPr marL="9525" marR="9525" marT="9525" marB="0" anchor="b">
+                    <a:lnL w="6350" cap="flat" cmpd="sng" algn="ctr">
+                      <a:solidFill>
+                        <a:srgbClr val="000000"/>
+                      </a:solidFill>
+                      <a:prstDash val="solid"/>
+                      <a:round/>
+                      <a:headEnd type="none" w="med" len="med"/>
+                      <a:tailEnd type="none" w="med" len="med"/>
+                    </a:lnL>
+                    <a:lnR w="6350" cap="flat" cmpd="sng" algn="ctr">
+                      <a:solidFill>
+                        <a:srgbClr val="000000"/>
+                      </a:solidFill>
+                      <a:prstDash val="solid"/>
+                      <a:round/>
+                      <a:headEnd type="none" w="med" len="med"/>
+                      <a:tailEnd type="none" w="med" len="med"/>
+                    </a:lnR>
+                    <a:lnT w="6350" cap="flat" cmpd="sng" algn="ctr">
+                      <a:solidFill>
+                        <a:srgbClr val="000000"/>
+                      </a:solidFill>
+                      <a:prstDash val="solid"/>
+                      <a:round/>
+                      <a:headEnd type="none" w="med" len="med"/>
+                      <a:tailEnd type="none" w="med" len="med"/>
+                    </a:lnT>
+                    <a:lnB w="6350" cap="flat" cmpd="sng" algn="ctr">
+                      <a:solidFill>
+                        <a:srgbClr val="000000"/>
+                      </a:solidFill>
+                      <a:prstDash val="solid"/>
+                      <a:round/>
+                      <a:headEnd type="none" w="med" len="med"/>
+                      <a:tailEnd type="none" w="med" len="med"/>
+                    </a:lnB>
+                  </a:tcPr>
+                </a:tc>
+              </a:tr>
+              <a:tr h="167640">
+                <a:tc>
+                  <a:txBody>
+                    <a:bodyPr/>
+                    <a:lstStyle/>
+                    <a:p>
+                      <a:pPr algn="l" fontAlgn="b"/>
+                      <a:r>
+                        <a:rPr lang="en-US" sz="1100" b="0" i="0" u="none" strike="noStrike">
+                          <a:solidFill>
+                            <a:srgbClr val="000000"/>
+                          </a:solidFill>
+                          <a:latin typeface="Calibri"/>
+                        </a:rPr>
+                        <a:t>CMPS 12A</a:t>
+                      </a:r>
+                    </a:p>
+                  </a:txBody>
+                  <a:tcPr marL="9525" marR="9525" marT="9525" marB="0" anchor="b">
+                    <a:lnL w="6350" cap="flat" cmpd="sng" algn="ctr">
+                      <a:solidFill>
+                        <a:srgbClr val="000000"/>
+                      </a:solidFill>
+                      <a:prstDash val="solid"/>
+                      <a:round/>
+                      <a:headEnd type="none" w="med" len="med"/>
+                      <a:tailEnd type="none" w="med" len="med"/>
+                    </a:lnL>
+                    <a:lnR w="6350" cap="flat" cmpd="sng" algn="ctr">
+                      <a:solidFill>
+                        <a:srgbClr val="000000"/>
+                      </a:solidFill>
+                      <a:prstDash val="solid"/>
+                      <a:round/>
+                      <a:headEnd type="none" w="med" len="med"/>
+                      <a:tailEnd type="none" w="med" len="med"/>
+                    </a:lnR>
+                    <a:lnT w="6350" cap="flat" cmpd="sng" algn="ctr">
+                      <a:solidFill>
+                        <a:srgbClr val="000000"/>
+                      </a:solidFill>
+                      <a:prstDash val="solid"/>
+                      <a:round/>
+                      <a:headEnd type="none" w="med" len="med"/>
+                      <a:tailEnd type="none" w="med" len="med"/>
+                    </a:lnT>
+                    <a:lnB w="6350" cap="flat" cmpd="sng" algn="ctr">
+                      <a:solidFill>
+                        <a:srgbClr val="000000"/>
+                      </a:solidFill>
+                      <a:prstDash val="solid"/>
+                      <a:round/>
+                      <a:headEnd type="none" w="med" len="med"/>
+                      <a:tailEnd type="none" w="med" len="med"/>
+                    </a:lnB>
+                    <a:solidFill>
+                      <a:srgbClr val="FFFF00"/>
+                    </a:solidFill>
+                  </a:tcPr>
+                </a:tc>
+                <a:tc>
+                  <a:txBody>
+                    <a:bodyPr/>
+                    <a:lstStyle/>
+                    <a:p>
+                      <a:pPr algn="l" fontAlgn="b"/>
+                      <a:r>
+                        <a:rPr lang="en-US" sz="1100" b="0" i="0" u="none" strike="noStrike" dirty="0">
+                          <a:solidFill>
+                            <a:srgbClr val="000000"/>
+                          </a:solidFill>
+                          <a:latin typeface="Calibri"/>
+                        </a:rPr>
+                        <a:t>CMPS 115</a:t>
+                      </a:r>
+                    </a:p>
+                  </a:txBody>
+                  <a:tcPr marL="9525" marR="9525" marT="9525" marB="0" anchor="b">
+                    <a:lnL w="6350" cap="flat" cmpd="sng" algn="ctr">
+                      <a:solidFill>
+                        <a:srgbClr val="000000"/>
+                      </a:solidFill>
+                      <a:prstDash val="solid"/>
+                      <a:round/>
+                      <a:headEnd type="none" w="med" len="med"/>
+                      <a:tailEnd type="none" w="med" len="med"/>
+                    </a:lnL>
+                    <a:lnR w="6350" cap="flat" cmpd="sng" algn="ctr">
+                      <a:solidFill>
+                        <a:srgbClr val="000000"/>
+                      </a:solidFill>
+                      <a:prstDash val="solid"/>
+                      <a:round/>
+                      <a:headEnd type="none" w="med" len="med"/>
+                      <a:tailEnd type="none" w="med" len="med"/>
+                    </a:lnR>
+                    <a:lnT w="6350" cap="flat" cmpd="sng" algn="ctr">
+                      <a:solidFill>
+                        <a:srgbClr val="000000"/>
+                      </a:solidFill>
+                      <a:prstDash val="solid"/>
+                      <a:round/>
+                      <a:headEnd type="none" w="med" len="med"/>
+                      <a:tailEnd type="none" w="med" len="med"/>
+                    </a:lnT>
+                    <a:lnB w="6350" cap="flat" cmpd="sng" algn="ctr">
+                      <a:solidFill>
+                        <a:srgbClr val="000000"/>
+                      </a:solidFill>
+                      <a:prstDash val="solid"/>
+                      <a:round/>
+                      <a:headEnd type="none" w="med" len="med"/>
+                      <a:tailEnd type="none" w="med" len="med"/>
+                    </a:lnB>
+                  </a:tcPr>
+                </a:tc>
+              </a:tr>
+              <a:tr h="167640">
+                <a:tc>
+                  <a:txBody>
+                    <a:bodyPr/>
+                    <a:lstStyle/>
+                    <a:p>
+                      <a:pPr algn="l" fontAlgn="b"/>
+                      <a:r>
+                        <a:rPr lang="en-US" sz="1100" b="0" i="0" u="none" strike="noStrike" dirty="0">
+                          <a:solidFill>
+                            <a:srgbClr val="000000"/>
+                          </a:solidFill>
+                          <a:latin typeface="Calibri"/>
+                        </a:rPr>
+                        <a:t>CMPS 12B</a:t>
+                      </a:r>
+                    </a:p>
+                  </a:txBody>
+                  <a:tcPr marL="9525" marR="9525" marT="9525" marB="0" anchor="b">
+                    <a:lnL w="6350" cap="flat" cmpd="sng" algn="ctr">
+                      <a:solidFill>
+                        <a:srgbClr val="000000"/>
+                      </a:solidFill>
+                      <a:prstDash val="solid"/>
+                      <a:round/>
+                      <a:headEnd type="none" w="med" len="med"/>
+                      <a:tailEnd type="none" w="med" len="med"/>
+                    </a:lnL>
+                    <a:lnR w="6350" cap="flat" cmpd="sng" algn="ctr">
+                      <a:solidFill>
+                        <a:srgbClr val="000000"/>
+                      </a:solidFill>
+                      <a:prstDash val="solid"/>
+                      <a:round/>
+                      <a:headEnd type="none" w="med" len="med"/>
+                      <a:tailEnd type="none" w="med" len="med"/>
+                    </a:lnR>
+                    <a:lnT w="6350" cap="flat" cmpd="sng" algn="ctr">
+                      <a:solidFill>
+                        <a:srgbClr val="000000"/>
+                      </a:solidFill>
+                      <a:prstDash val="solid"/>
+                      <a:round/>
+                      <a:headEnd type="none" w="med" len="med"/>
+                      <a:tailEnd type="none" w="med" len="med"/>
+                    </a:lnT>
+                    <a:lnB w="6350" cap="flat" cmpd="sng" algn="ctr">
+                      <a:solidFill>
+                        <a:srgbClr val="000000"/>
+                      </a:solidFill>
+                      <a:prstDash val="solid"/>
+                      <a:round/>
+                      <a:headEnd type="none" w="med" len="med"/>
+                      <a:tailEnd type="none" w="med" len="med"/>
+                    </a:lnB>
+                    <a:solidFill>
+                      <a:srgbClr val="FFFF00"/>
+                    </a:solidFill>
+                  </a:tcPr>
+                </a:tc>
+                <a:tc>
+                  <a:txBody>
+                    <a:bodyPr/>
+                    <a:lstStyle/>
+                    <a:p>
+                      <a:pPr algn="l" fontAlgn="b"/>
+                      <a:r>
+                        <a:rPr lang="en-US" sz="1100" b="0" i="0" u="none" strike="noStrike" dirty="0">
+                          <a:solidFill>
+                            <a:srgbClr val="000000"/>
+                          </a:solidFill>
+                          <a:latin typeface="Calibri"/>
+                        </a:rPr>
+                        <a:t>CMPS 180</a:t>
+                      </a:r>
+                    </a:p>
+                  </a:txBody>
+                  <a:tcPr marL="9525" marR="9525" marT="9525" marB="0" anchor="b">
+                    <a:lnL w="6350" cap="flat" cmpd="sng" algn="ctr">
+                      <a:solidFill>
+                        <a:srgbClr val="000000"/>
+                      </a:solidFill>
+                      <a:prstDash val="solid"/>
+                      <a:round/>
+                      <a:headEnd type="none" w="med" len="med"/>
+                      <a:tailEnd type="none" w="med" len="med"/>
+                    </a:lnL>
+                    <a:lnR w="6350" cap="flat" cmpd="sng" algn="ctr">
+                      <a:solidFill>
+                        <a:srgbClr val="000000"/>
+                      </a:solidFill>
+                      <a:prstDash val="solid"/>
+                      <a:round/>
+                      <a:headEnd type="none" w="med" len="med"/>
+                      <a:tailEnd type="none" w="med" len="med"/>
+                    </a:lnR>
+                    <a:lnT w="6350" cap="flat" cmpd="sng" algn="ctr">
+                      <a:solidFill>
+                        <a:srgbClr val="000000"/>
+                      </a:solidFill>
+                      <a:prstDash val="solid"/>
+                      <a:round/>
+                      <a:headEnd type="none" w="med" len="med"/>
+                      <a:tailEnd type="none" w="med" len="med"/>
+                    </a:lnT>
+                    <a:lnB w="6350" cap="flat" cmpd="sng" algn="ctr">
+                      <a:solidFill>
+                        <a:srgbClr val="000000"/>
+                      </a:solidFill>
+                      <a:prstDash val="solid"/>
+                      <a:round/>
+                      <a:headEnd type="none" w="med" len="med"/>
+                      <a:tailEnd type="none" w="med" len="med"/>
+                    </a:lnB>
+                  </a:tcPr>
+                </a:tc>
+              </a:tr>
+            </a:tbl>
+          </a:graphicData>
+        </a:graphic>
+      </p:graphicFrame>
+      <p:sp>
+        <p:nvSpPr>
+          <p:cNvPr id="34" name="TextBox 33"/>
+          <p:cNvSpPr txBox="1"/>
+          <p:nvPr/>
+        </p:nvSpPr>
+        <p:spPr>
+          <a:xfrm>
+            <a:off x="3124200" y="2743200"/>
+            <a:ext cx="3592650" cy="261610"/>
+          </a:xfrm>
+          <a:prstGeom prst="rect">
+            <a:avLst/>
+          </a:prstGeom>
+          <a:noFill/>
+        </p:spPr>
+        <p:txBody>
+          <a:bodyPr wrap="none" rtlCol="0">
+            <a:spAutoFit/>
+          </a:bodyPr>
+          <a:lstStyle/>
+          <a:p>
+            <a:r>
+              <a:rPr lang="en-US" sz="1100" dirty="0" smtClean="0"/>
+              <a:t>Please select the courses you’d prefer to teach this quarter:</a:t>
+            </a:r>
+            <a:endParaRPr lang="en-US" sz="1100" dirty="0"/>
+          </a:p>
+        </p:txBody>
+      </p:sp>
+      <p:graphicFrame>
+        <p:nvGraphicFramePr>
+          <p:cNvPr id="35" name="Table 34"/>
+          <p:cNvGraphicFramePr>
+            <a:graphicFrameLocks noGrp="1"/>
+          </p:cNvGraphicFramePr>
+          <p:nvPr/>
+        </p:nvGraphicFramePr>
+        <p:xfrm>
+          <a:off x="3200400" y="4267200"/>
+          <a:ext cx="1447800" cy="1066800"/>
+        </p:xfrm>
+        <a:graphic>
+          <a:graphicData uri="http://schemas.openxmlformats.org/drawingml/2006/table">
+            <a:tbl>
+              <a:tblPr/>
+              <a:tblGrid>
+                <a:gridCol w="1447800"/>
+              </a:tblGrid>
+              <a:tr h="177800">
+                <a:tc>
+                  <a:txBody>
+                    <a:bodyPr/>
+                    <a:lstStyle/>
+                    <a:p>
+                      <a:pPr algn="l" fontAlgn="b"/>
+                      <a:r>
+                        <a:rPr lang="en-US" sz="1100" b="0" i="0" u="none" strike="noStrike">
+                          <a:solidFill>
+                            <a:srgbClr val="000000"/>
+                          </a:solidFill>
+                          <a:latin typeface="Calibri"/>
+                        </a:rPr>
+                        <a:t>Location</a:t>
+                      </a:r>
+                    </a:p>
+                  </a:txBody>
+                  <a:tcPr marL="9525" marR="9525" marT="9525" marB="0" anchor="b">
+                    <a:lnL w="6350" cap="flat" cmpd="sng" algn="ctr">
+                      <a:solidFill>
+                        <a:srgbClr val="000000"/>
+                      </a:solidFill>
+                      <a:prstDash val="solid"/>
+                      <a:round/>
+                      <a:headEnd type="none" w="med" len="med"/>
+                      <a:tailEnd type="none" w="med" len="med"/>
+                    </a:lnL>
+                    <a:lnR w="6350" cap="flat" cmpd="sng" algn="ctr">
+                      <a:solidFill>
+                        <a:srgbClr val="000000"/>
+                      </a:solidFill>
+                      <a:prstDash val="solid"/>
+                      <a:round/>
+                      <a:headEnd type="none" w="med" len="med"/>
+                      <a:tailEnd type="none" w="med" len="med"/>
+                    </a:lnR>
+                    <a:lnT w="6350" cap="flat" cmpd="sng" algn="ctr">
+                      <a:solidFill>
+                        <a:srgbClr val="000000"/>
+                      </a:solidFill>
+                      <a:prstDash val="solid"/>
+                      <a:round/>
+                      <a:headEnd type="none" w="med" len="med"/>
+                      <a:tailEnd type="none" w="med" len="med"/>
+                    </a:lnT>
+                    <a:lnB w="6350" cap="flat" cmpd="sng" algn="ctr">
+                      <a:solidFill>
+                        <a:srgbClr val="000000"/>
+                      </a:solidFill>
+                      <a:prstDash val="solid"/>
+                      <a:round/>
+                      <a:headEnd type="none" w="med" len="med"/>
+                      <a:tailEnd type="none" w="med" len="med"/>
+                    </a:lnB>
+                  </a:tcPr>
+                </a:tc>
+              </a:tr>
+              <a:tr h="177800">
+                <a:tc>
+                  <a:txBody>
+                    <a:bodyPr/>
+                    <a:lstStyle/>
+                    <a:p>
+                      <a:pPr algn="l" fontAlgn="b"/>
+                      <a:r>
+                        <a:rPr lang="en-US" sz="1100" b="0" i="0" u="none" strike="noStrike">
+                          <a:solidFill>
+                            <a:srgbClr val="000000"/>
+                          </a:solidFill>
+                          <a:latin typeface="Calibri"/>
+                        </a:rPr>
+                        <a:t>Physical Science Building</a:t>
+                      </a:r>
+                    </a:p>
+                  </a:txBody>
+                  <a:tcPr marL="9525" marR="9525" marT="9525" marB="0" anchor="b">
+                    <a:lnL w="6350" cap="flat" cmpd="sng" algn="ctr">
+                      <a:solidFill>
+                        <a:srgbClr val="000000"/>
+                      </a:solidFill>
+                      <a:prstDash val="solid"/>
+                      <a:round/>
+                      <a:headEnd type="none" w="med" len="med"/>
+                      <a:tailEnd type="none" w="med" len="med"/>
+                    </a:lnL>
+                    <a:lnR w="6350" cap="flat" cmpd="sng" algn="ctr">
+                      <a:solidFill>
+                        <a:srgbClr val="000000"/>
+                      </a:solidFill>
+                      <a:prstDash val="solid"/>
+                      <a:round/>
+                      <a:headEnd type="none" w="med" len="med"/>
+                      <a:tailEnd type="none" w="med" len="med"/>
+                    </a:lnR>
+                    <a:lnT w="6350" cap="flat" cmpd="sng" algn="ctr">
+                      <a:solidFill>
+                        <a:srgbClr val="000000"/>
+                      </a:solidFill>
+                      <a:prstDash val="solid"/>
+                      <a:round/>
+                      <a:headEnd type="none" w="med" len="med"/>
+                      <a:tailEnd type="none" w="med" len="med"/>
+                    </a:lnT>
+                    <a:lnB w="6350" cap="flat" cmpd="sng" algn="ctr">
+                      <a:solidFill>
+                        <a:srgbClr val="000000"/>
+                      </a:solidFill>
+                      <a:prstDash val="solid"/>
+                      <a:round/>
+                      <a:headEnd type="none" w="med" len="med"/>
+                      <a:tailEnd type="none" w="med" len="med"/>
+                    </a:lnB>
+                  </a:tcPr>
+                </a:tc>
+              </a:tr>
+              <a:tr h="177800">
+                <a:tc>
+                  <a:txBody>
+                    <a:bodyPr/>
+                    <a:lstStyle/>
+                    <a:p>
+                      <a:pPr algn="l" fontAlgn="b"/>
+                      <a:r>
+                        <a:rPr lang="en-US" sz="1100" b="0" i="0" u="none" strike="noStrike">
+                          <a:solidFill>
+                            <a:srgbClr val="000000"/>
+                          </a:solidFill>
+                          <a:latin typeface="Calibri"/>
+                        </a:rPr>
+                        <a:t>Jack Baskin Engineering</a:t>
+                      </a:r>
+                    </a:p>
+                  </a:txBody>
+                  <a:tcPr marL="9525" marR="9525" marT="9525" marB="0" anchor="b">
+                    <a:lnL w="6350" cap="flat" cmpd="sng" algn="ctr">
+                      <a:solidFill>
+                        <a:srgbClr val="000000"/>
+                      </a:solidFill>
+                      <a:prstDash val="solid"/>
+                      <a:round/>
+                      <a:headEnd type="none" w="med" len="med"/>
+                      <a:tailEnd type="none" w="med" len="med"/>
+                    </a:lnL>
+                    <a:lnR w="6350" cap="flat" cmpd="sng" algn="ctr">
+                      <a:solidFill>
+                        <a:srgbClr val="000000"/>
+                      </a:solidFill>
+                      <a:prstDash val="solid"/>
+                      <a:round/>
+                      <a:headEnd type="none" w="med" len="med"/>
+                      <a:tailEnd type="none" w="med" len="med"/>
+                    </a:lnR>
+                    <a:lnT w="6350" cap="flat" cmpd="sng" algn="ctr">
+                      <a:solidFill>
+                        <a:srgbClr val="000000"/>
+                      </a:solidFill>
+                      <a:prstDash val="solid"/>
+                      <a:round/>
+                      <a:headEnd type="none" w="med" len="med"/>
+                      <a:tailEnd type="none" w="med" len="med"/>
+                    </a:lnT>
+                    <a:lnB w="6350" cap="flat" cmpd="sng" algn="ctr">
+                      <a:solidFill>
+                        <a:srgbClr val="000000"/>
+                      </a:solidFill>
+                      <a:prstDash val="solid"/>
+                      <a:round/>
+                      <a:headEnd type="none" w="med" len="med"/>
+                      <a:tailEnd type="none" w="med" len="med"/>
+                    </a:lnB>
+                    <a:solidFill>
+                      <a:srgbClr val="FFFF00"/>
+                    </a:solidFill>
+                  </a:tcPr>
+                </a:tc>
+              </a:tr>
+              <a:tr h="177800">
+                <a:tc>
+                  <a:txBody>
+                    <a:bodyPr/>
+                    <a:lstStyle/>
+                    <a:p>
+                      <a:pPr algn="l" fontAlgn="b"/>
+                      <a:r>
+                        <a:rPr lang="en-US" sz="1100" b="0" i="0" u="none" strike="noStrike">
+                          <a:solidFill>
+                            <a:srgbClr val="000000"/>
+                          </a:solidFill>
+                          <a:latin typeface="Calibri"/>
+                        </a:rPr>
+                        <a:t>Engineering 2</a:t>
+                      </a:r>
+                    </a:p>
+                  </a:txBody>
+                  <a:tcPr marL="9525" marR="9525" marT="9525" marB="0" anchor="b">
+                    <a:lnL w="6350" cap="flat" cmpd="sng" algn="ctr">
+                      <a:solidFill>
+                        <a:srgbClr val="000000"/>
+                      </a:solidFill>
+                      <a:prstDash val="solid"/>
+                      <a:round/>
+                      <a:headEnd type="none" w="med" len="med"/>
+                      <a:tailEnd type="none" w="med" len="med"/>
+                    </a:lnL>
+                    <a:lnR w="6350" cap="flat" cmpd="sng" algn="ctr">
+                      <a:solidFill>
+                        <a:srgbClr val="000000"/>
+                      </a:solidFill>
+                      <a:prstDash val="solid"/>
+                      <a:round/>
+                      <a:headEnd type="none" w="med" len="med"/>
+                      <a:tailEnd type="none" w="med" len="med"/>
+                    </a:lnR>
+                    <a:lnT w="6350" cap="flat" cmpd="sng" algn="ctr">
+                      <a:solidFill>
+                        <a:srgbClr val="000000"/>
+                      </a:solidFill>
+                      <a:prstDash val="solid"/>
+                      <a:round/>
+                      <a:headEnd type="none" w="med" len="med"/>
+                      <a:tailEnd type="none" w="med" len="med"/>
+                    </a:lnT>
+                    <a:lnB w="6350" cap="flat" cmpd="sng" algn="ctr">
+                      <a:solidFill>
+                        <a:srgbClr val="000000"/>
+                      </a:solidFill>
+                      <a:prstDash val="solid"/>
+                      <a:round/>
+                      <a:headEnd type="none" w="med" len="med"/>
+                      <a:tailEnd type="none" w="med" len="med"/>
+                    </a:lnB>
+                    <a:solidFill>
+                      <a:srgbClr val="FFFF00"/>
+                    </a:solidFill>
+                  </a:tcPr>
+                </a:tc>
+              </a:tr>
+              <a:tr h="177800">
+                <a:tc>
+                  <a:txBody>
+                    <a:bodyPr/>
+                    <a:lstStyle/>
+                    <a:p>
+                      <a:pPr algn="l" fontAlgn="b"/>
+                      <a:r>
+                        <a:rPr lang="en-US" sz="1100" b="0" i="0" u="none" strike="noStrike">
+                          <a:solidFill>
+                            <a:srgbClr val="000000"/>
+                          </a:solidFill>
+                          <a:latin typeface="Calibri"/>
+                        </a:rPr>
+                        <a:t>Kresge </a:t>
+                      </a:r>
+                    </a:p>
+                  </a:txBody>
+                  <a:tcPr marL="9525" marR="9525" marT="9525" marB="0" anchor="b">
+                    <a:lnL w="6350" cap="flat" cmpd="sng" algn="ctr">
+                      <a:solidFill>
+                        <a:srgbClr val="000000"/>
+                      </a:solidFill>
+                      <a:prstDash val="solid"/>
+                      <a:round/>
+                      <a:headEnd type="none" w="med" len="med"/>
+                      <a:tailEnd type="none" w="med" len="med"/>
+                    </a:lnL>
+                    <a:lnR w="6350" cap="flat" cmpd="sng" algn="ctr">
+                      <a:solidFill>
+                        <a:srgbClr val="000000"/>
+                      </a:solidFill>
+                      <a:prstDash val="solid"/>
+                      <a:round/>
+                      <a:headEnd type="none" w="med" len="med"/>
+                      <a:tailEnd type="none" w="med" len="med"/>
+                    </a:lnR>
+                    <a:lnT w="6350" cap="flat" cmpd="sng" algn="ctr">
+                      <a:solidFill>
+                        <a:srgbClr val="000000"/>
+                      </a:solidFill>
+                      <a:prstDash val="solid"/>
+                      <a:round/>
+                      <a:headEnd type="none" w="med" len="med"/>
+                      <a:tailEnd type="none" w="med" len="med"/>
+                    </a:lnT>
+                    <a:lnB w="6350" cap="flat" cmpd="sng" algn="ctr">
+                      <a:solidFill>
+                        <a:srgbClr val="000000"/>
+                      </a:solidFill>
+                      <a:prstDash val="solid"/>
+                      <a:round/>
+                      <a:headEnd type="none" w="med" len="med"/>
+                      <a:tailEnd type="none" w="med" len="med"/>
+                    </a:lnB>
+                  </a:tcPr>
+                </a:tc>
+              </a:tr>
+              <a:tr h="177800">
+                <a:tc>
+                  <a:txBody>
+                    <a:bodyPr/>
+                    <a:lstStyle/>
+                    <a:p>
+                      <a:pPr algn="l" fontAlgn="b"/>
+                      <a:r>
+                        <a:rPr lang="en-US" sz="1100" b="0" i="0" u="none" strike="noStrike" dirty="0" err="1">
+                          <a:solidFill>
+                            <a:srgbClr val="000000"/>
+                          </a:solidFill>
+                          <a:latin typeface="Calibri"/>
+                        </a:rPr>
+                        <a:t>Thimann</a:t>
+                      </a:r>
+                      <a:r>
+                        <a:rPr lang="en-US" sz="1100" b="0" i="0" u="none" strike="noStrike" dirty="0">
+                          <a:solidFill>
+                            <a:srgbClr val="000000"/>
+                          </a:solidFill>
+                          <a:latin typeface="Calibri"/>
+                        </a:rPr>
+                        <a:t> </a:t>
+                      </a:r>
+                    </a:p>
+                  </a:txBody>
+                  <a:tcPr marL="9525" marR="9525" marT="9525" marB="0" anchor="b">
+                    <a:lnL w="6350" cap="flat" cmpd="sng" algn="ctr">
+                      <a:solidFill>
+                        <a:srgbClr val="000000"/>
+                      </a:solidFill>
+                      <a:prstDash val="solid"/>
+                      <a:round/>
+                      <a:headEnd type="none" w="med" len="med"/>
+                      <a:tailEnd type="none" w="med" len="med"/>
+                    </a:lnL>
+                    <a:lnR w="6350" cap="flat" cmpd="sng" algn="ctr">
+                      <a:solidFill>
+                        <a:srgbClr val="000000"/>
+                      </a:solidFill>
+                      <a:prstDash val="solid"/>
+                      <a:round/>
+                      <a:headEnd type="none" w="med" len="med"/>
+                      <a:tailEnd type="none" w="med" len="med"/>
+                    </a:lnR>
+                    <a:lnT w="6350" cap="flat" cmpd="sng" algn="ctr">
+                      <a:solidFill>
+                        <a:srgbClr val="000000"/>
+                      </a:solidFill>
+                      <a:prstDash val="solid"/>
+                      <a:round/>
+                      <a:headEnd type="none" w="med" len="med"/>
+                      <a:tailEnd type="none" w="med" len="med"/>
+                    </a:lnT>
+                    <a:lnB w="6350" cap="flat" cmpd="sng" algn="ctr">
+                      <a:solidFill>
+                        <a:srgbClr val="000000"/>
+                      </a:solidFill>
+                      <a:prstDash val="solid"/>
+                      <a:round/>
+                      <a:headEnd type="none" w="med" len="med"/>
+                      <a:tailEnd type="none" w="med" len="med"/>
+                    </a:lnB>
+                  </a:tcPr>
+                </a:tc>
+              </a:tr>
+            </a:tbl>
+          </a:graphicData>
+        </a:graphic>
+      </p:graphicFrame>
+      <p:sp>
+        <p:nvSpPr>
+          <p:cNvPr id="36" name="TextBox 35"/>
+          <p:cNvSpPr txBox="1"/>
+          <p:nvPr/>
+        </p:nvSpPr>
+        <p:spPr>
+          <a:xfrm>
+            <a:off x="3189150" y="4005590"/>
+            <a:ext cx="2318263" cy="261610"/>
+          </a:xfrm>
+          <a:prstGeom prst="rect">
+            <a:avLst/>
+          </a:prstGeom>
+          <a:noFill/>
+        </p:spPr>
+        <p:txBody>
+          <a:bodyPr wrap="none" rtlCol="0">
+            <a:spAutoFit/>
+          </a:bodyPr>
+          <a:lstStyle/>
+          <a:p>
+            <a:r>
+              <a:rPr lang="en-US" sz="1100" dirty="0" smtClean="0"/>
+              <a:t>Please select the locations you prefer</a:t>
+            </a:r>
+            <a:endParaRPr lang="en-US" sz="1100" dirty="0"/>
+          </a:p>
+        </p:txBody>
+      </p:sp>
+      <p:sp>
+        <p:nvSpPr>
+          <p:cNvPr id="37" name="TextBox 36"/>
+          <p:cNvSpPr txBox="1"/>
+          <p:nvPr/>
+        </p:nvSpPr>
+        <p:spPr>
+          <a:xfrm>
+            <a:off x="3200400" y="685800"/>
+            <a:ext cx="2971800" cy="646331"/>
+          </a:xfrm>
+          <a:prstGeom prst="rect">
+            <a:avLst/>
+          </a:prstGeom>
+          <a:solidFill>
+            <a:srgbClr val="FF0000"/>
+          </a:solidFill>
+          <a:ln>
+            <a:solidFill>
+              <a:schemeClr val="tx1"/>
+            </a:solidFill>
+          </a:ln>
+        </p:spPr>
+        <p:txBody>
+          <a:bodyPr wrap="square" rtlCol="0">
+            <a:spAutoFit/>
+          </a:bodyPr>
+          <a:lstStyle/>
+          <a:p>
+            <a:r>
+              <a:rPr lang="en-US" sz="1200" b="1" dirty="0" smtClean="0"/>
+              <a:t>Time &amp; day table </a:t>
+            </a:r>
+            <a:r>
+              <a:rPr lang="en-US" sz="1200" dirty="0" smtClean="0"/>
+              <a:t>– This displays all the available times in a table and lecturers can select which time and day slot they prefer</a:t>
+            </a:r>
+          </a:p>
+        </p:txBody>
+      </p:sp>
+      <p:sp>
+        <p:nvSpPr>
+          <p:cNvPr id="38" name="TextBox 37"/>
+          <p:cNvSpPr txBox="1"/>
+          <p:nvPr/>
+        </p:nvSpPr>
+        <p:spPr>
+          <a:xfrm>
+            <a:off x="5638800" y="3048000"/>
+            <a:ext cx="3200400" cy="1015663"/>
+          </a:xfrm>
+          <a:prstGeom prst="rect">
+            <a:avLst/>
+          </a:prstGeom>
+          <a:solidFill>
+            <a:srgbClr val="FF0000"/>
+          </a:solidFill>
+          <a:ln>
+            <a:solidFill>
+              <a:schemeClr val="tx1"/>
+            </a:solidFill>
+          </a:ln>
+        </p:spPr>
+        <p:txBody>
+          <a:bodyPr wrap="square" rtlCol="0">
+            <a:spAutoFit/>
+          </a:bodyPr>
+          <a:lstStyle/>
+          <a:p>
+            <a:r>
+              <a:rPr lang="en-US" sz="1200" b="1" dirty="0" smtClean="0"/>
+              <a:t>Course table </a:t>
+            </a:r>
+            <a:r>
+              <a:rPr lang="en-US" sz="1200" dirty="0" smtClean="0"/>
+              <a:t>– This displays a list of courses that is available for this  particular professor based on his association with the Computer Science department and they may choose which courses they wish to teach</a:t>
+            </a:r>
+            <a:endParaRPr lang="en-US" sz="1200" dirty="0" smtClean="0"/>
+          </a:p>
+        </p:txBody>
+      </p:sp>
+      <p:sp>
+        <p:nvSpPr>
+          <p:cNvPr id="39" name="TextBox 38"/>
+          <p:cNvSpPr txBox="1"/>
+          <p:nvPr/>
+        </p:nvSpPr>
+        <p:spPr>
+          <a:xfrm>
+            <a:off x="5257800" y="4419600"/>
+            <a:ext cx="1981200" cy="1015663"/>
+          </a:xfrm>
+          <a:prstGeom prst="rect">
+            <a:avLst/>
+          </a:prstGeom>
+          <a:solidFill>
+            <a:srgbClr val="FF0000"/>
+          </a:solidFill>
+          <a:ln>
+            <a:solidFill>
+              <a:schemeClr val="tx1"/>
+            </a:solidFill>
+          </a:ln>
+        </p:spPr>
+        <p:txBody>
+          <a:bodyPr wrap="square" rtlCol="0">
+            <a:spAutoFit/>
+          </a:bodyPr>
+          <a:lstStyle/>
+          <a:p>
+            <a:r>
+              <a:rPr lang="en-US" sz="1200" b="1" dirty="0" smtClean="0"/>
+              <a:t>Location table </a:t>
+            </a:r>
+            <a:r>
+              <a:rPr lang="en-US" sz="1200" dirty="0" smtClean="0"/>
+              <a:t>– This displays all the available building locations and users can select which building they prefer</a:t>
+            </a:r>
+          </a:p>
+        </p:txBody>
+      </p:sp>
+    </p:spTree>
+  </p:cSld>
+  <p:clrMapOvr>
+    <a:masterClrMapping/>
+  </p:clrMapOvr>
+</p:sld>
+</file>
+
+<file path=ppt/slides/slide6.xml><?xml version="1.0" encoding="utf-8"?>
+<p:sld xmlns:a="http://schemas.openxmlformats.org/drawingml/2006/main" xmlns:r="http://schemas.openxmlformats.org/officeDocument/2006/relationships" xmlns:p="http://schemas.openxmlformats.org/presentationml/2006/main">
+  <p:cSld>
+    <p:spTree>
+      <p:nvGrpSpPr>
+        <p:cNvPr id="1" name=""/>
+        <p:cNvGrpSpPr/>
+        <p:nvPr/>
+      </p:nvGrpSpPr>
+      <p:grpSpPr>
+        <a:xfrm>
+          <a:off x="0" y="0"/>
+          <a:ext cx="0" cy="0"/>
+          <a:chOff x="0" y="0"/>
+          <a:chExt cx="0" cy="0"/>
+        </a:xfrm>
+      </p:grpSpPr>
+      <p:sp>
+        <p:nvSpPr>
+          <p:cNvPr id="4" name="Rectangle 3"/>
+          <p:cNvSpPr/>
+          <p:nvPr/>
+        </p:nvSpPr>
+        <p:spPr>
+          <a:xfrm>
+            <a:off x="1295400" y="1676400"/>
+            <a:ext cx="6858000" cy="4419600"/>
+          </a:xfrm>
+          <a:prstGeom prst="rect">
+            <a:avLst/>
+          </a:prstGeom>
+          <a:noFill/>
+          <a:ln>
+            <a:solidFill>
+              <a:schemeClr val="tx1"/>
+            </a:solidFill>
+          </a:ln>
+        </p:spPr>
+        <p:style>
+          <a:lnRef idx="2">
+            <a:schemeClr val="accent1">
+              <a:shade val="50000"/>
+            </a:schemeClr>
+          </a:lnRef>
+          <a:fillRef idx="1">
+            <a:schemeClr val="accent1"/>
+          </a:fillRef>
+          <a:effectRef idx="0">
+            <a:schemeClr val="accent1"/>
+          </a:effectRef>
+          <a:fontRef idx="minor">
+            <a:schemeClr val="lt1"/>
+          </a:fontRef>
+        </p:style>
+        <p:txBody>
+          <a:bodyPr rtlCol="0" anchor="ctr"/>
+          <a:lstStyle/>
+          <a:p>
+            <a:pPr algn="ctr"/>
+            <a:endParaRPr lang="en-US"/>
+          </a:p>
+        </p:txBody>
+      </p:sp>
+      <p:sp>
+        <p:nvSpPr>
+          <p:cNvPr id="5" name="Rounded Rectangle 4"/>
+          <p:cNvSpPr/>
+          <p:nvPr/>
+        </p:nvSpPr>
+        <p:spPr>
+          <a:xfrm>
+            <a:off x="1905000" y="1981200"/>
+            <a:ext cx="2057400" cy="533400"/>
+          </a:xfrm>
+          <a:prstGeom prst="roundRect">
+            <a:avLst/>
+          </a:prstGeom>
+          <a:solidFill>
+            <a:srgbClr val="FFFF00"/>
+          </a:solidFill>
+          <a:ln>
+            <a:solidFill>
+              <a:schemeClr val="tx1"/>
+            </a:solidFill>
+          </a:ln>
+        </p:spPr>
+        <p:style>
+          <a:lnRef idx="2">
+            <a:schemeClr val="accent1">
+              <a:shade val="50000"/>
+            </a:schemeClr>
+          </a:lnRef>
+          <a:fillRef idx="1">
+            <a:schemeClr val="accent1"/>
+          </a:fillRef>
+          <a:effectRef idx="0">
+            <a:schemeClr val="accent1"/>
+          </a:effectRef>
+          <a:fontRef idx="minor">
+            <a:schemeClr val="lt1"/>
+          </a:fontRef>
+        </p:style>
+        <p:txBody>
+          <a:bodyPr rtlCol="0" anchor="ctr"/>
+          <a:lstStyle/>
+          <a:p>
+            <a:pPr algn="ctr"/>
+            <a:endParaRPr lang="en-US"/>
+          </a:p>
+        </p:txBody>
+      </p:sp>
+      <p:sp>
+        <p:nvSpPr>
+          <p:cNvPr id="6" name="TextBox 5"/>
+          <p:cNvSpPr txBox="1"/>
+          <p:nvPr/>
+        </p:nvSpPr>
+        <p:spPr>
+          <a:xfrm>
+            <a:off x="2057399" y="2069068"/>
+            <a:ext cx="1828801" cy="369332"/>
+          </a:xfrm>
+          <a:prstGeom prst="rect">
+            <a:avLst/>
+          </a:prstGeom>
+          <a:noFill/>
+        </p:spPr>
+        <p:txBody>
+          <a:bodyPr wrap="square" rtlCol="0">
+            <a:spAutoFit/>
+          </a:bodyPr>
+          <a:lstStyle/>
+          <a:p>
+            <a:pPr algn="ctr"/>
+            <a:r>
+              <a:rPr lang="en-US" dirty="0" smtClean="0"/>
+              <a:t>Home</a:t>
+            </a:r>
+            <a:endParaRPr lang="en-US" dirty="0"/>
+          </a:p>
+        </p:txBody>
+      </p:sp>
+      <p:sp>
+        <p:nvSpPr>
+          <p:cNvPr id="7" name="Rounded Rectangle 6"/>
+          <p:cNvSpPr/>
+          <p:nvPr/>
+        </p:nvSpPr>
+        <p:spPr>
+          <a:xfrm>
+            <a:off x="1905000" y="2514600"/>
+            <a:ext cx="2057400" cy="533400"/>
+          </a:xfrm>
+          <a:prstGeom prst="roundRect">
+            <a:avLst/>
+          </a:prstGeom>
+          <a:noFill/>
+          <a:ln>
+            <a:solidFill>
+              <a:schemeClr val="tx1"/>
+            </a:solidFill>
+          </a:ln>
+        </p:spPr>
+        <p:style>
+          <a:lnRef idx="2">
+            <a:schemeClr val="accent1">
+              <a:shade val="50000"/>
+            </a:schemeClr>
+          </a:lnRef>
+          <a:fillRef idx="1">
+            <a:schemeClr val="accent1"/>
+          </a:fillRef>
+          <a:effectRef idx="0">
+            <a:schemeClr val="accent1"/>
+          </a:effectRef>
+          <a:fontRef idx="minor">
+            <a:schemeClr val="lt1"/>
+          </a:fontRef>
+        </p:style>
+        <p:txBody>
+          <a:bodyPr rtlCol="0" anchor="ctr"/>
+          <a:lstStyle/>
+          <a:p>
+            <a:pPr algn="ctr"/>
+            <a:endParaRPr lang="en-US"/>
+          </a:p>
+        </p:txBody>
+      </p:sp>
+      <p:sp>
+        <p:nvSpPr>
+          <p:cNvPr id="8" name="TextBox 7"/>
+          <p:cNvSpPr txBox="1"/>
+          <p:nvPr/>
+        </p:nvSpPr>
+        <p:spPr>
+          <a:xfrm>
+            <a:off x="1904999" y="2602468"/>
+            <a:ext cx="2120773" cy="369332"/>
+          </a:xfrm>
+          <a:prstGeom prst="rect">
+            <a:avLst/>
+          </a:prstGeom>
+          <a:noFill/>
+        </p:spPr>
+        <p:txBody>
+          <a:bodyPr wrap="square" rtlCol="0">
+            <a:spAutoFit/>
+          </a:bodyPr>
+          <a:lstStyle/>
+          <a:p>
+            <a:pPr algn="ctr"/>
+            <a:r>
+              <a:rPr lang="en-US" dirty="0" smtClean="0"/>
+              <a:t>Messages</a:t>
+            </a:r>
+            <a:endParaRPr lang="en-US" dirty="0"/>
+          </a:p>
+        </p:txBody>
+      </p:sp>
+      <p:sp>
+        <p:nvSpPr>
+          <p:cNvPr id="9" name="Rounded Rectangle 8"/>
+          <p:cNvSpPr/>
+          <p:nvPr/>
+        </p:nvSpPr>
+        <p:spPr>
+          <a:xfrm>
+            <a:off x="1905000" y="3048000"/>
+            <a:ext cx="2057400" cy="533400"/>
+          </a:xfrm>
+          <a:prstGeom prst="roundRect">
+            <a:avLst/>
+          </a:prstGeom>
+          <a:noFill/>
+          <a:ln>
+            <a:solidFill>
+              <a:schemeClr val="tx1"/>
+            </a:solidFill>
+          </a:ln>
+        </p:spPr>
+        <p:style>
+          <a:lnRef idx="2">
+            <a:schemeClr val="accent1">
+              <a:shade val="50000"/>
+            </a:schemeClr>
+          </a:lnRef>
+          <a:fillRef idx="1">
+            <a:schemeClr val="accent1"/>
+          </a:fillRef>
+          <a:effectRef idx="0">
+            <a:schemeClr val="accent1"/>
+          </a:effectRef>
+          <a:fontRef idx="minor">
+            <a:schemeClr val="lt1"/>
+          </a:fontRef>
+        </p:style>
+        <p:txBody>
+          <a:bodyPr rtlCol="0" anchor="ctr"/>
+          <a:lstStyle/>
+          <a:p>
+            <a:pPr algn="ctr"/>
+            <a:endParaRPr lang="en-US"/>
+          </a:p>
+        </p:txBody>
+      </p:sp>
+      <p:sp>
+        <p:nvSpPr>
+          <p:cNvPr id="10" name="TextBox 9"/>
+          <p:cNvSpPr txBox="1"/>
+          <p:nvPr/>
+        </p:nvSpPr>
+        <p:spPr>
+          <a:xfrm>
+            <a:off x="2057399" y="3135868"/>
+            <a:ext cx="1828801" cy="369332"/>
+          </a:xfrm>
+          <a:prstGeom prst="rect">
+            <a:avLst/>
+          </a:prstGeom>
+          <a:noFill/>
+        </p:spPr>
+        <p:txBody>
+          <a:bodyPr wrap="square" rtlCol="0">
+            <a:spAutoFit/>
+          </a:bodyPr>
+          <a:lstStyle/>
+          <a:p>
+            <a:r>
+              <a:rPr lang="en-US" dirty="0" smtClean="0"/>
+              <a:t>Course Catalogue</a:t>
+            </a:r>
+            <a:endParaRPr lang="en-US" dirty="0"/>
+          </a:p>
+        </p:txBody>
+      </p:sp>
+      <p:sp>
+        <p:nvSpPr>
+          <p:cNvPr id="11" name="TextBox 10"/>
+          <p:cNvSpPr txBox="1"/>
+          <p:nvPr/>
+        </p:nvSpPr>
+        <p:spPr>
+          <a:xfrm>
+            <a:off x="4191000" y="3291006"/>
+            <a:ext cx="3850670" cy="1200329"/>
+          </a:xfrm>
+          <a:prstGeom prst="rect">
+            <a:avLst/>
+          </a:prstGeom>
+          <a:noFill/>
+        </p:spPr>
+        <p:txBody>
+          <a:bodyPr wrap="none" rtlCol="0">
+            <a:spAutoFit/>
+          </a:bodyPr>
+          <a:lstStyle/>
+          <a:p>
+            <a:r>
+              <a:rPr lang="en-US" dirty="0" smtClean="0"/>
+              <a:t>Welcome to the UCSC Portal website!</a:t>
+            </a:r>
+          </a:p>
+          <a:p>
+            <a:endParaRPr lang="en-US" dirty="0"/>
+          </a:p>
+          <a:p>
+            <a:r>
+              <a:rPr lang="en-US" dirty="0" smtClean="0"/>
+              <a:t>Please see the tabs on the left to direct</a:t>
+            </a:r>
+          </a:p>
+          <a:p>
+            <a:r>
+              <a:rPr lang="en-US" dirty="0" smtClean="0"/>
+              <a:t>To a site</a:t>
+            </a:r>
+            <a:endParaRPr lang="en-US" dirty="0"/>
+          </a:p>
+        </p:txBody>
+      </p:sp>
+      <p:pic>
+        <p:nvPicPr>
+          <p:cNvPr id="12" name="Picture 2" descr="UC Santa Cruz logo"/>
+          <p:cNvPicPr>
+            <a:picLocks noChangeAspect="1" noChangeArrowheads="1"/>
+          </p:cNvPicPr>
+          <p:nvPr/>
+        </p:nvPicPr>
+        <p:blipFill>
+          <a:blip r:embed="rId2" cstate="print"/>
+          <a:srcRect/>
+          <a:stretch>
+            <a:fillRect/>
+          </a:stretch>
+        </p:blipFill>
+        <p:spPr bwMode="auto">
+          <a:xfrm>
+            <a:off x="4191000" y="2205335"/>
+            <a:ext cx="3771900" cy="857251"/>
+          </a:xfrm>
+          <a:prstGeom prst="rect">
+            <a:avLst/>
+          </a:prstGeom>
+          <a:noFill/>
+        </p:spPr>
+      </p:pic>
+      <p:sp>
+        <p:nvSpPr>
+          <p:cNvPr id="13" name="Rounded Rectangle 12"/>
+          <p:cNvSpPr/>
+          <p:nvPr/>
+        </p:nvSpPr>
+        <p:spPr>
+          <a:xfrm>
+            <a:off x="1905000" y="3581400"/>
+            <a:ext cx="2057400" cy="533400"/>
+          </a:xfrm>
+          <a:prstGeom prst="roundRect">
+            <a:avLst/>
+          </a:prstGeom>
+          <a:noFill/>
+          <a:ln>
+            <a:solidFill>
+              <a:schemeClr val="tx1"/>
+            </a:solidFill>
+          </a:ln>
+        </p:spPr>
+        <p:style>
+          <a:lnRef idx="2">
+            <a:schemeClr val="accent1">
+              <a:shade val="50000"/>
+            </a:schemeClr>
+          </a:lnRef>
+          <a:fillRef idx="1">
+            <a:schemeClr val="accent1"/>
+          </a:fillRef>
+          <a:effectRef idx="0">
+            <a:schemeClr val="accent1"/>
+          </a:effectRef>
+          <a:fontRef idx="minor">
+            <a:schemeClr val="lt1"/>
+          </a:fontRef>
+        </p:style>
+        <p:txBody>
+          <a:bodyPr rtlCol="0" anchor="ctr"/>
+          <a:lstStyle/>
+          <a:p>
+            <a:pPr algn="ctr"/>
+            <a:endParaRPr lang="en-US"/>
+          </a:p>
+        </p:txBody>
+      </p:sp>
+      <p:sp>
+        <p:nvSpPr>
+          <p:cNvPr id="14" name="TextBox 13"/>
+          <p:cNvSpPr txBox="1"/>
+          <p:nvPr/>
+        </p:nvSpPr>
+        <p:spPr>
+          <a:xfrm>
+            <a:off x="2057399" y="3669268"/>
+            <a:ext cx="1828801" cy="369332"/>
+          </a:xfrm>
+          <a:prstGeom prst="rect">
+            <a:avLst/>
+          </a:prstGeom>
+          <a:noFill/>
+        </p:spPr>
+        <p:txBody>
+          <a:bodyPr wrap="square" rtlCol="0">
+            <a:spAutoFit/>
+          </a:bodyPr>
+          <a:lstStyle/>
+          <a:p>
+            <a:pPr algn="ctr"/>
+            <a:r>
+              <a:rPr lang="en-US" dirty="0" smtClean="0"/>
+              <a:t>Manage Courses</a:t>
+            </a:r>
+            <a:endParaRPr lang="en-US" dirty="0"/>
+          </a:p>
+        </p:txBody>
+      </p:sp>
+      <p:sp>
+        <p:nvSpPr>
+          <p:cNvPr id="15" name="Rounded Rectangle 14"/>
+          <p:cNvSpPr/>
+          <p:nvPr/>
+        </p:nvSpPr>
+        <p:spPr>
+          <a:xfrm>
+            <a:off x="1905000" y="4114800"/>
+            <a:ext cx="2057400" cy="533400"/>
+          </a:xfrm>
+          <a:prstGeom prst="roundRect">
+            <a:avLst/>
+          </a:prstGeom>
+          <a:noFill/>
+          <a:ln>
+            <a:solidFill>
+              <a:schemeClr val="tx1"/>
+            </a:solidFill>
+          </a:ln>
+        </p:spPr>
+        <p:style>
+          <a:lnRef idx="2">
+            <a:schemeClr val="accent1">
+              <a:shade val="50000"/>
+            </a:schemeClr>
+          </a:lnRef>
+          <a:fillRef idx="1">
+            <a:schemeClr val="accent1"/>
+          </a:fillRef>
+          <a:effectRef idx="0">
+            <a:schemeClr val="accent1"/>
+          </a:effectRef>
+          <a:fontRef idx="minor">
+            <a:schemeClr val="lt1"/>
+          </a:fontRef>
+        </p:style>
+        <p:txBody>
+          <a:bodyPr rtlCol="0" anchor="ctr"/>
+          <a:lstStyle/>
+          <a:p>
+            <a:pPr algn="ctr"/>
+            <a:endParaRPr lang="en-US"/>
+          </a:p>
+        </p:txBody>
+      </p:sp>
+      <p:sp>
+        <p:nvSpPr>
+          <p:cNvPr id="16" name="TextBox 15"/>
+          <p:cNvSpPr txBox="1"/>
+          <p:nvPr/>
+        </p:nvSpPr>
+        <p:spPr>
+          <a:xfrm>
+            <a:off x="2057399" y="4202668"/>
+            <a:ext cx="1828801" cy="369332"/>
+          </a:xfrm>
+          <a:prstGeom prst="rect">
+            <a:avLst/>
+          </a:prstGeom>
+          <a:noFill/>
+        </p:spPr>
+        <p:txBody>
+          <a:bodyPr wrap="square" rtlCol="0">
+            <a:spAutoFit/>
+          </a:bodyPr>
+          <a:lstStyle/>
+          <a:p>
+            <a:pPr algn="ctr"/>
+            <a:r>
+              <a:rPr lang="en-US" dirty="0" smtClean="0"/>
+              <a:t>Personal info</a:t>
+            </a:r>
+            <a:endParaRPr lang="en-US" dirty="0"/>
+          </a:p>
+        </p:txBody>
+      </p:sp>
+      <p:sp>
+        <p:nvSpPr>
+          <p:cNvPr id="17" name="Rounded Rectangle 16"/>
+          <p:cNvSpPr/>
+          <p:nvPr/>
+        </p:nvSpPr>
+        <p:spPr>
+          <a:xfrm>
+            <a:off x="1905000" y="4648200"/>
+            <a:ext cx="2057400" cy="533400"/>
+          </a:xfrm>
+          <a:prstGeom prst="roundRect">
+            <a:avLst/>
+          </a:prstGeom>
+          <a:noFill/>
+          <a:ln>
+            <a:solidFill>
+              <a:schemeClr val="tx1"/>
+            </a:solidFill>
+          </a:ln>
+        </p:spPr>
+        <p:style>
+          <a:lnRef idx="2">
+            <a:schemeClr val="accent1">
+              <a:shade val="50000"/>
+            </a:schemeClr>
+          </a:lnRef>
+          <a:fillRef idx="1">
+            <a:schemeClr val="accent1"/>
+          </a:fillRef>
+          <a:effectRef idx="0">
+            <a:schemeClr val="accent1"/>
+          </a:effectRef>
+          <a:fontRef idx="minor">
+            <a:schemeClr val="lt1"/>
+          </a:fontRef>
+        </p:style>
+        <p:txBody>
+          <a:bodyPr rtlCol="0" anchor="ctr"/>
+          <a:lstStyle/>
+          <a:p>
+            <a:pPr algn="ctr"/>
+            <a:endParaRPr lang="en-US"/>
+          </a:p>
+        </p:txBody>
+      </p:sp>
+      <p:sp>
+        <p:nvSpPr>
+          <p:cNvPr id="18" name="TextBox 17"/>
+          <p:cNvSpPr txBox="1"/>
+          <p:nvPr/>
+        </p:nvSpPr>
+        <p:spPr>
+          <a:xfrm>
+            <a:off x="2057399" y="4736068"/>
+            <a:ext cx="1828801" cy="369332"/>
+          </a:xfrm>
+          <a:prstGeom prst="rect">
+            <a:avLst/>
+          </a:prstGeom>
+          <a:noFill/>
+        </p:spPr>
+        <p:txBody>
+          <a:bodyPr wrap="square" rtlCol="0">
+            <a:spAutoFit/>
+          </a:bodyPr>
+          <a:lstStyle/>
+          <a:p>
+            <a:pPr algn="ctr"/>
+            <a:r>
+              <a:rPr lang="en-US" dirty="0" smtClean="0"/>
+              <a:t>Settings</a:t>
+            </a:r>
+            <a:endParaRPr lang="en-US" dirty="0"/>
+          </a:p>
+        </p:txBody>
+      </p:sp>
+      <p:sp>
+        <p:nvSpPr>
+          <p:cNvPr id="19" name="TextBox 18"/>
+          <p:cNvSpPr txBox="1"/>
+          <p:nvPr/>
+        </p:nvSpPr>
+        <p:spPr>
+          <a:xfrm>
+            <a:off x="4343400" y="4643735"/>
+            <a:ext cx="2514600" cy="646331"/>
+          </a:xfrm>
+          <a:prstGeom prst="rect">
+            <a:avLst/>
+          </a:prstGeom>
+          <a:solidFill>
+            <a:srgbClr val="FF0000"/>
+          </a:solidFill>
+          <a:ln>
+            <a:solidFill>
+              <a:schemeClr val="tx1"/>
+            </a:solidFill>
+          </a:ln>
+        </p:spPr>
+        <p:txBody>
+          <a:bodyPr wrap="square" rtlCol="0">
+            <a:spAutoFit/>
+          </a:bodyPr>
+          <a:lstStyle/>
+          <a:p>
+            <a:r>
+              <a:rPr lang="en-US" sz="1200" b="1" dirty="0" smtClean="0"/>
+              <a:t>Personal info </a:t>
+            </a:r>
+            <a:r>
+              <a:rPr lang="en-US" sz="1200" dirty="0" smtClean="0"/>
+              <a:t>– This will display personal information of the student, such as major  </a:t>
+            </a:r>
+          </a:p>
+        </p:txBody>
+      </p:sp>
+      <p:sp>
+        <p:nvSpPr>
+          <p:cNvPr id="20" name="TextBox 19"/>
+          <p:cNvSpPr txBox="1"/>
+          <p:nvPr/>
+        </p:nvSpPr>
+        <p:spPr>
+          <a:xfrm>
+            <a:off x="152400" y="3657600"/>
+            <a:ext cx="1524000" cy="1200329"/>
+          </a:xfrm>
+          <a:prstGeom prst="rect">
+            <a:avLst/>
+          </a:prstGeom>
+          <a:solidFill>
+            <a:srgbClr val="FF0000"/>
+          </a:solidFill>
+          <a:ln>
+            <a:solidFill>
+              <a:schemeClr val="tx1"/>
+            </a:solidFill>
+          </a:ln>
+        </p:spPr>
+        <p:txBody>
+          <a:bodyPr wrap="square" rtlCol="0">
+            <a:spAutoFit/>
+          </a:bodyPr>
+          <a:lstStyle/>
+          <a:p>
+            <a:r>
+              <a:rPr lang="en-US" sz="1200" b="1" dirty="0" smtClean="0"/>
+              <a:t>Manage Courses </a:t>
+            </a:r>
+            <a:r>
+              <a:rPr lang="en-US" sz="1200" dirty="0" smtClean="0"/>
+              <a:t>– Allows users to manage the courses in their shopping cart and courses already signed up for</a:t>
+            </a:r>
+            <a:endParaRPr lang="en-US" sz="1200" dirty="0" smtClean="0"/>
+          </a:p>
+        </p:txBody>
+      </p:sp>
+      <p:sp>
+        <p:nvSpPr>
+          <p:cNvPr id="21" name="TextBox 20"/>
+          <p:cNvSpPr txBox="1"/>
+          <p:nvPr/>
+        </p:nvSpPr>
+        <p:spPr>
+          <a:xfrm>
+            <a:off x="3429000" y="304800"/>
+            <a:ext cx="1827231" cy="369332"/>
+          </a:xfrm>
+          <a:prstGeom prst="rect">
+            <a:avLst/>
+          </a:prstGeom>
+          <a:noFill/>
+        </p:spPr>
+        <p:txBody>
+          <a:bodyPr wrap="none" rtlCol="0">
+            <a:spAutoFit/>
+          </a:bodyPr>
+          <a:lstStyle/>
+          <a:p>
+            <a:r>
+              <a:rPr lang="en-US" b="1" dirty="0" smtClean="0"/>
+              <a:t>Student Home </a:t>
+            </a:r>
+            <a:r>
+              <a:rPr lang="en-US" b="1" dirty="0" smtClean="0"/>
+              <a:t>UI</a:t>
+            </a:r>
+            <a:endParaRPr lang="en-US" b="1" dirty="0"/>
+          </a:p>
+        </p:txBody>
+      </p:sp>
+      <p:sp>
+        <p:nvSpPr>
+          <p:cNvPr id="23" name="TextBox 22"/>
+          <p:cNvSpPr txBox="1"/>
+          <p:nvPr/>
+        </p:nvSpPr>
+        <p:spPr>
+          <a:xfrm>
+            <a:off x="6477000" y="1752600"/>
+            <a:ext cx="1430328" cy="369332"/>
+          </a:xfrm>
+          <a:prstGeom prst="rect">
+            <a:avLst/>
+          </a:prstGeom>
+          <a:noFill/>
+        </p:spPr>
+        <p:txBody>
+          <a:bodyPr wrap="none" rtlCol="0">
+            <a:spAutoFit/>
+          </a:bodyPr>
+          <a:lstStyle/>
+          <a:p>
+            <a:r>
+              <a:rPr lang="en-US" dirty="0" smtClean="0"/>
+              <a:t>Lazaro, Justin</a:t>
+            </a:r>
+            <a:endParaRPr lang="en-US" dirty="0"/>
+          </a:p>
+        </p:txBody>
+      </p:sp>
+      <p:sp>
+        <p:nvSpPr>
+          <p:cNvPr id="24" name="TextBox 23"/>
+          <p:cNvSpPr txBox="1"/>
+          <p:nvPr/>
+        </p:nvSpPr>
+        <p:spPr>
+          <a:xfrm>
+            <a:off x="152400" y="2286000"/>
+            <a:ext cx="1524000" cy="1015663"/>
+          </a:xfrm>
+          <a:prstGeom prst="rect">
+            <a:avLst/>
+          </a:prstGeom>
+          <a:solidFill>
+            <a:srgbClr val="FF0000"/>
+          </a:solidFill>
+          <a:ln>
+            <a:solidFill>
+              <a:schemeClr val="tx1"/>
+            </a:solidFill>
+          </a:ln>
+        </p:spPr>
+        <p:txBody>
+          <a:bodyPr wrap="square" rtlCol="0">
+            <a:spAutoFit/>
+          </a:bodyPr>
+          <a:lstStyle/>
+          <a:p>
+            <a:r>
+              <a:rPr lang="en-US" sz="1200" b="1" dirty="0" smtClean="0"/>
+              <a:t>Course Catalogue </a:t>
+            </a:r>
+            <a:r>
+              <a:rPr lang="en-US" sz="1200" dirty="0" smtClean="0"/>
+              <a:t>– This displays all the available courses for the quarter on the database</a:t>
+            </a:r>
+            <a:endParaRPr lang="en-US" sz="1200" dirty="0" smtClean="0"/>
+          </a:p>
+        </p:txBody>
+      </p:sp>
+    </p:spTree>
+  </p:cSld>
+  <p:clrMapOvr>
+    <a:masterClrMapping/>
+  </p:clrMapOvr>
+</p:sld>
+</file>
+
+<file path=ppt/slides/slide7.xml><?xml version="1.0" encoding="utf-8"?>
+<p:sld xmlns:a="http://schemas.openxmlformats.org/drawingml/2006/main" xmlns:r="http://schemas.openxmlformats.org/officeDocument/2006/relationships" xmlns:p="http://schemas.openxmlformats.org/presentationml/2006/main">
+  <p:cSld>
+    <p:spTree>
+      <p:nvGrpSpPr>
+        <p:cNvPr id="1" name=""/>
+        <p:cNvGrpSpPr/>
+        <p:nvPr/>
+      </p:nvGrpSpPr>
+      <p:grpSpPr>
+        <a:xfrm>
+          <a:off x="0" y="0"/>
+          <a:ext cx="0" cy="0"/>
+          <a:chOff x="0" y="0"/>
+          <a:chExt cx="0" cy="0"/>
+        </a:xfrm>
+      </p:grpSpPr>
+      <p:sp>
+        <p:nvSpPr>
+          <p:cNvPr id="24" name="Rectangle 23"/>
+          <p:cNvSpPr/>
+          <p:nvPr/>
+        </p:nvSpPr>
+        <p:spPr>
+          <a:xfrm>
+            <a:off x="1295400" y="1447800"/>
+            <a:ext cx="6858000" cy="4419600"/>
+          </a:xfrm>
+          <a:prstGeom prst="rect">
+            <a:avLst/>
+          </a:prstGeom>
+          <a:noFill/>
+          <a:ln>
+            <a:solidFill>
+              <a:schemeClr val="tx1"/>
+            </a:solidFill>
+          </a:ln>
+        </p:spPr>
+        <p:style>
+          <a:lnRef idx="2">
+            <a:schemeClr val="accent1">
+              <a:shade val="50000"/>
+            </a:schemeClr>
+          </a:lnRef>
+          <a:fillRef idx="1">
+            <a:schemeClr val="accent1"/>
+          </a:fillRef>
+          <a:effectRef idx="0">
+            <a:schemeClr val="accent1"/>
+          </a:effectRef>
+          <a:fontRef idx="minor">
+            <a:schemeClr val="lt1"/>
+          </a:fontRef>
+        </p:style>
+        <p:txBody>
+          <a:bodyPr rtlCol="0" anchor="ctr"/>
+          <a:lstStyle/>
+          <a:p>
+            <a:pPr algn="ctr"/>
+            <a:endParaRPr lang="en-US"/>
+          </a:p>
+        </p:txBody>
+      </p:sp>
+      <p:sp>
+        <p:nvSpPr>
+          <p:cNvPr id="25" name="Rounded Rectangle 24"/>
+          <p:cNvSpPr/>
+          <p:nvPr/>
+        </p:nvSpPr>
+        <p:spPr>
+          <a:xfrm>
+            <a:off x="1524001" y="1981200"/>
+            <a:ext cx="1447799" cy="533400"/>
+          </a:xfrm>
+          <a:prstGeom prst="roundRect">
+            <a:avLst/>
+          </a:prstGeom>
+          <a:noFill/>
+          <a:ln>
+            <a:solidFill>
+              <a:schemeClr val="tx1"/>
+            </a:solidFill>
+          </a:ln>
+        </p:spPr>
+        <p:style>
+          <a:lnRef idx="2">
+            <a:schemeClr val="accent1">
+              <a:shade val="50000"/>
+            </a:schemeClr>
+          </a:lnRef>
+          <a:fillRef idx="1">
+            <a:schemeClr val="accent1"/>
+          </a:fillRef>
+          <a:effectRef idx="0">
+            <a:schemeClr val="accent1"/>
+          </a:effectRef>
+          <a:fontRef idx="minor">
+            <a:schemeClr val="lt1"/>
+          </a:fontRef>
+        </p:style>
+        <p:txBody>
+          <a:bodyPr rtlCol="0" anchor="ctr"/>
+          <a:lstStyle/>
+          <a:p>
+            <a:pPr algn="ctr"/>
+            <a:endParaRPr lang="en-US"/>
+          </a:p>
+        </p:txBody>
+      </p:sp>
+      <p:sp>
+        <p:nvSpPr>
+          <p:cNvPr id="26" name="TextBox 25"/>
+          <p:cNvSpPr txBox="1"/>
+          <p:nvPr/>
+        </p:nvSpPr>
+        <p:spPr>
+          <a:xfrm>
+            <a:off x="1524000" y="1981200"/>
+            <a:ext cx="1439335" cy="307777"/>
+          </a:xfrm>
+          <a:prstGeom prst="rect">
+            <a:avLst/>
+          </a:prstGeom>
+          <a:noFill/>
+        </p:spPr>
+        <p:txBody>
+          <a:bodyPr wrap="square" rtlCol="0">
+            <a:spAutoFit/>
+          </a:bodyPr>
+          <a:lstStyle/>
+          <a:p>
+            <a:pPr algn="ctr"/>
+            <a:r>
+              <a:rPr lang="en-US" sz="1400" dirty="0" smtClean="0"/>
+              <a:t>Home</a:t>
+            </a:r>
+            <a:endParaRPr lang="en-US" sz="1400" dirty="0"/>
+          </a:p>
+        </p:txBody>
+      </p:sp>
+      <p:sp>
+        <p:nvSpPr>
+          <p:cNvPr id="27" name="Rounded Rectangle 26"/>
+          <p:cNvSpPr/>
+          <p:nvPr/>
+        </p:nvSpPr>
+        <p:spPr>
+          <a:xfrm>
+            <a:off x="1524001" y="2514600"/>
+            <a:ext cx="1447799" cy="533400"/>
+          </a:xfrm>
+          <a:prstGeom prst="roundRect">
+            <a:avLst/>
+          </a:prstGeom>
+          <a:noFill/>
+          <a:ln>
+            <a:solidFill>
+              <a:schemeClr val="tx1"/>
+            </a:solidFill>
+          </a:ln>
+        </p:spPr>
+        <p:style>
+          <a:lnRef idx="2">
+            <a:schemeClr val="accent1">
+              <a:shade val="50000"/>
+            </a:schemeClr>
+          </a:lnRef>
+          <a:fillRef idx="1">
+            <a:schemeClr val="accent1"/>
+          </a:fillRef>
+          <a:effectRef idx="0">
+            <a:schemeClr val="accent1"/>
+          </a:effectRef>
+          <a:fontRef idx="minor">
+            <a:schemeClr val="lt1"/>
+          </a:fontRef>
+        </p:style>
+        <p:txBody>
+          <a:bodyPr rtlCol="0" anchor="ctr"/>
+          <a:lstStyle/>
+          <a:p>
+            <a:pPr algn="ctr"/>
+            <a:endParaRPr lang="en-US"/>
+          </a:p>
+        </p:txBody>
+      </p:sp>
+      <p:sp>
+        <p:nvSpPr>
+          <p:cNvPr id="28" name="TextBox 27"/>
+          <p:cNvSpPr txBox="1"/>
+          <p:nvPr/>
+        </p:nvSpPr>
+        <p:spPr>
+          <a:xfrm>
+            <a:off x="1524001" y="2514600"/>
+            <a:ext cx="1447799" cy="307777"/>
+          </a:xfrm>
+          <a:prstGeom prst="rect">
+            <a:avLst/>
+          </a:prstGeom>
+          <a:noFill/>
+        </p:spPr>
+        <p:txBody>
+          <a:bodyPr wrap="square" rtlCol="0">
+            <a:spAutoFit/>
+          </a:bodyPr>
+          <a:lstStyle/>
+          <a:p>
+            <a:pPr algn="ctr"/>
+            <a:r>
+              <a:rPr lang="en-US" sz="1400" dirty="0" smtClean="0"/>
+              <a:t>Messages</a:t>
+            </a:r>
+            <a:endParaRPr lang="en-US" sz="1400" dirty="0"/>
+          </a:p>
+        </p:txBody>
+      </p:sp>
+      <p:sp>
+        <p:nvSpPr>
+          <p:cNvPr id="29" name="Rounded Rectangle 28"/>
+          <p:cNvSpPr/>
+          <p:nvPr/>
+        </p:nvSpPr>
+        <p:spPr>
+          <a:xfrm>
+            <a:off x="1524001" y="3048000"/>
+            <a:ext cx="1447799" cy="533400"/>
+          </a:xfrm>
+          <a:prstGeom prst="roundRect">
+            <a:avLst/>
+          </a:prstGeom>
+          <a:noFill/>
+          <a:ln>
+            <a:solidFill>
+              <a:schemeClr val="tx1"/>
+            </a:solidFill>
+          </a:ln>
+        </p:spPr>
+        <p:style>
+          <a:lnRef idx="2">
+            <a:schemeClr val="accent1">
+              <a:shade val="50000"/>
+            </a:schemeClr>
+          </a:lnRef>
+          <a:fillRef idx="1">
+            <a:schemeClr val="accent1"/>
+          </a:fillRef>
+          <a:effectRef idx="0">
+            <a:schemeClr val="accent1"/>
+          </a:effectRef>
+          <a:fontRef idx="minor">
+            <a:schemeClr val="lt1"/>
+          </a:fontRef>
+        </p:style>
+        <p:txBody>
+          <a:bodyPr rtlCol="0" anchor="ctr"/>
+          <a:lstStyle/>
+          <a:p>
+            <a:pPr algn="ctr"/>
+            <a:endParaRPr lang="en-US"/>
+          </a:p>
+        </p:txBody>
+      </p:sp>
+      <p:sp>
+        <p:nvSpPr>
+          <p:cNvPr id="30" name="TextBox 29"/>
+          <p:cNvSpPr txBox="1"/>
+          <p:nvPr/>
+        </p:nvSpPr>
+        <p:spPr>
+          <a:xfrm>
+            <a:off x="1600200" y="3048000"/>
+            <a:ext cx="1286934" cy="523220"/>
+          </a:xfrm>
+          <a:prstGeom prst="rect">
+            <a:avLst/>
+          </a:prstGeom>
+          <a:noFill/>
+        </p:spPr>
+        <p:txBody>
+          <a:bodyPr wrap="square" rtlCol="0">
+            <a:spAutoFit/>
+          </a:bodyPr>
+          <a:lstStyle/>
+          <a:p>
+            <a:pPr algn="ctr"/>
+            <a:r>
+              <a:rPr lang="en-US" sz="1400" dirty="0" smtClean="0"/>
+              <a:t>Course Catalogue</a:t>
+            </a:r>
+            <a:endParaRPr lang="en-US" sz="1400" dirty="0"/>
+          </a:p>
+        </p:txBody>
+      </p:sp>
+      <p:sp>
+        <p:nvSpPr>
+          <p:cNvPr id="31" name="Rounded Rectangle 30"/>
+          <p:cNvSpPr/>
+          <p:nvPr/>
+        </p:nvSpPr>
+        <p:spPr>
+          <a:xfrm>
+            <a:off x="1524001" y="3581400"/>
+            <a:ext cx="1447799" cy="533400"/>
+          </a:xfrm>
+          <a:prstGeom prst="roundRect">
+            <a:avLst/>
+          </a:prstGeom>
+          <a:solidFill>
+            <a:srgbClr val="FFFF00"/>
+          </a:solidFill>
+          <a:ln>
+            <a:solidFill>
+              <a:schemeClr val="tx1"/>
+            </a:solidFill>
+          </a:ln>
+        </p:spPr>
+        <p:style>
+          <a:lnRef idx="2">
+            <a:schemeClr val="accent1">
+              <a:shade val="50000"/>
+            </a:schemeClr>
+          </a:lnRef>
+          <a:fillRef idx="1">
+            <a:schemeClr val="accent1"/>
+          </a:fillRef>
+          <a:effectRef idx="0">
+            <a:schemeClr val="accent1"/>
+          </a:effectRef>
+          <a:fontRef idx="minor">
+            <a:schemeClr val="lt1"/>
+          </a:fontRef>
+        </p:style>
+        <p:txBody>
+          <a:bodyPr rtlCol="0" anchor="ctr"/>
+          <a:lstStyle/>
+          <a:p>
+            <a:pPr algn="ctr"/>
+            <a:endParaRPr lang="en-US"/>
+          </a:p>
+        </p:txBody>
+      </p:sp>
+      <p:sp>
+        <p:nvSpPr>
+          <p:cNvPr id="32" name="TextBox 31"/>
+          <p:cNvSpPr txBox="1"/>
+          <p:nvPr/>
+        </p:nvSpPr>
+        <p:spPr>
+          <a:xfrm>
+            <a:off x="1524000" y="3581400"/>
+            <a:ext cx="1439335" cy="307777"/>
+          </a:xfrm>
+          <a:prstGeom prst="rect">
+            <a:avLst/>
+          </a:prstGeom>
+          <a:noFill/>
+        </p:spPr>
+        <p:txBody>
+          <a:bodyPr wrap="square" rtlCol="0">
+            <a:spAutoFit/>
+          </a:bodyPr>
+          <a:lstStyle/>
+          <a:p>
+            <a:pPr algn="ctr"/>
+            <a:r>
+              <a:rPr lang="en-US" sz="1400" dirty="0" smtClean="0"/>
+              <a:t>Manage Courses</a:t>
+            </a:r>
+            <a:endParaRPr lang="en-US" sz="1400" dirty="0"/>
+          </a:p>
+        </p:txBody>
+      </p:sp>
+      <p:sp>
+        <p:nvSpPr>
+          <p:cNvPr id="33" name="Rounded Rectangle 32"/>
+          <p:cNvSpPr/>
+          <p:nvPr/>
+        </p:nvSpPr>
+        <p:spPr>
+          <a:xfrm>
+            <a:off x="1524001" y="4114800"/>
+            <a:ext cx="1447799" cy="533400"/>
+          </a:xfrm>
+          <a:prstGeom prst="roundRect">
+            <a:avLst/>
+          </a:prstGeom>
+          <a:noFill/>
+          <a:ln>
+            <a:solidFill>
+              <a:schemeClr val="tx1"/>
+            </a:solidFill>
+          </a:ln>
+        </p:spPr>
+        <p:style>
+          <a:lnRef idx="2">
+            <a:schemeClr val="accent1">
+              <a:shade val="50000"/>
+            </a:schemeClr>
+          </a:lnRef>
+          <a:fillRef idx="1">
+            <a:schemeClr val="accent1"/>
+          </a:fillRef>
+          <a:effectRef idx="0">
+            <a:schemeClr val="accent1"/>
+          </a:effectRef>
+          <a:fontRef idx="minor">
+            <a:schemeClr val="lt1"/>
+          </a:fontRef>
+        </p:style>
+        <p:txBody>
+          <a:bodyPr rtlCol="0" anchor="ctr"/>
+          <a:lstStyle/>
+          <a:p>
+            <a:pPr algn="ctr"/>
+            <a:endParaRPr lang="en-US"/>
+          </a:p>
+        </p:txBody>
+      </p:sp>
+      <p:sp>
+        <p:nvSpPr>
+          <p:cNvPr id="34" name="TextBox 33"/>
+          <p:cNvSpPr txBox="1"/>
+          <p:nvPr/>
+        </p:nvSpPr>
+        <p:spPr>
+          <a:xfrm>
+            <a:off x="1524000" y="4114800"/>
+            <a:ext cx="1439335" cy="307777"/>
+          </a:xfrm>
+          <a:prstGeom prst="rect">
+            <a:avLst/>
+          </a:prstGeom>
+          <a:noFill/>
+        </p:spPr>
+        <p:txBody>
+          <a:bodyPr wrap="square" rtlCol="0">
+            <a:spAutoFit/>
+          </a:bodyPr>
+          <a:lstStyle/>
+          <a:p>
+            <a:pPr algn="ctr"/>
+            <a:r>
+              <a:rPr lang="en-US" sz="1400" dirty="0" smtClean="0"/>
+              <a:t>Personal Info</a:t>
+            </a:r>
+            <a:endParaRPr lang="en-US" sz="1400" dirty="0"/>
+          </a:p>
+        </p:txBody>
+      </p:sp>
+      <p:sp>
+        <p:nvSpPr>
+          <p:cNvPr id="35" name="Rounded Rectangle 34"/>
+          <p:cNvSpPr/>
+          <p:nvPr/>
+        </p:nvSpPr>
+        <p:spPr>
+          <a:xfrm>
+            <a:off x="1524001" y="4648200"/>
+            <a:ext cx="1447799" cy="533400"/>
+          </a:xfrm>
+          <a:prstGeom prst="roundRect">
+            <a:avLst/>
+          </a:prstGeom>
+          <a:noFill/>
+          <a:ln>
+            <a:solidFill>
+              <a:schemeClr val="tx1"/>
+            </a:solidFill>
+          </a:ln>
+        </p:spPr>
+        <p:style>
+          <a:lnRef idx="2">
+            <a:schemeClr val="accent1">
+              <a:shade val="50000"/>
+            </a:schemeClr>
+          </a:lnRef>
+          <a:fillRef idx="1">
+            <a:schemeClr val="accent1"/>
+          </a:fillRef>
+          <a:effectRef idx="0">
+            <a:schemeClr val="accent1"/>
+          </a:effectRef>
+          <a:fontRef idx="minor">
+            <a:schemeClr val="lt1"/>
+          </a:fontRef>
+        </p:style>
+        <p:txBody>
+          <a:bodyPr rtlCol="0" anchor="ctr"/>
+          <a:lstStyle/>
+          <a:p>
+            <a:pPr algn="ctr"/>
+            <a:endParaRPr lang="en-US"/>
+          </a:p>
+        </p:txBody>
+      </p:sp>
+      <p:sp>
+        <p:nvSpPr>
+          <p:cNvPr id="36" name="TextBox 35"/>
+          <p:cNvSpPr txBox="1"/>
+          <p:nvPr/>
+        </p:nvSpPr>
+        <p:spPr>
+          <a:xfrm>
+            <a:off x="1524000" y="4648200"/>
+            <a:ext cx="1439335" cy="307777"/>
+          </a:xfrm>
+          <a:prstGeom prst="rect">
+            <a:avLst/>
+          </a:prstGeom>
+          <a:noFill/>
+        </p:spPr>
+        <p:txBody>
+          <a:bodyPr wrap="square" rtlCol="0">
+            <a:spAutoFit/>
+          </a:bodyPr>
+          <a:lstStyle/>
+          <a:p>
+            <a:pPr algn="ctr"/>
+            <a:r>
+              <a:rPr lang="en-US" sz="1400" dirty="0" smtClean="0"/>
+              <a:t>Setting</a:t>
+            </a:r>
+            <a:endParaRPr lang="en-US" sz="1400" dirty="0"/>
+          </a:p>
+        </p:txBody>
+      </p:sp>
+      <p:sp>
+        <p:nvSpPr>
+          <p:cNvPr id="39" name="TextBox 38"/>
+          <p:cNvSpPr txBox="1"/>
+          <p:nvPr/>
+        </p:nvSpPr>
+        <p:spPr>
+          <a:xfrm>
+            <a:off x="6477000" y="1524000"/>
+            <a:ext cx="1430328" cy="369332"/>
+          </a:xfrm>
+          <a:prstGeom prst="rect">
+            <a:avLst/>
+          </a:prstGeom>
+          <a:noFill/>
+        </p:spPr>
+        <p:txBody>
+          <a:bodyPr wrap="none" rtlCol="0">
+            <a:spAutoFit/>
+          </a:bodyPr>
+          <a:lstStyle/>
+          <a:p>
+            <a:r>
+              <a:rPr lang="en-US" dirty="0" smtClean="0"/>
+              <a:t>Lazaro, Justin</a:t>
+            </a:r>
+            <a:endParaRPr lang="en-US" dirty="0"/>
+          </a:p>
+        </p:txBody>
+      </p:sp>
+      <p:sp>
+        <p:nvSpPr>
+          <p:cNvPr id="45" name="Rounded Rectangle 44"/>
+          <p:cNvSpPr/>
+          <p:nvPr/>
+        </p:nvSpPr>
+        <p:spPr>
+          <a:xfrm>
+            <a:off x="3352800" y="1905000"/>
+            <a:ext cx="1066799" cy="457200"/>
+          </a:xfrm>
+          <a:prstGeom prst="roundRect">
+            <a:avLst/>
+          </a:prstGeom>
+          <a:solidFill>
+            <a:srgbClr val="FFFF00"/>
+          </a:solidFill>
+          <a:ln>
+            <a:solidFill>
+              <a:schemeClr val="tx1"/>
+            </a:solidFill>
+          </a:ln>
+        </p:spPr>
+        <p:style>
+          <a:lnRef idx="2">
+            <a:schemeClr val="accent1">
+              <a:shade val="50000"/>
+            </a:schemeClr>
+          </a:lnRef>
+          <a:fillRef idx="1">
+            <a:schemeClr val="accent1"/>
+          </a:fillRef>
+          <a:effectRef idx="0">
+            <a:schemeClr val="accent1"/>
+          </a:effectRef>
+          <a:fontRef idx="minor">
+            <a:schemeClr val="lt1"/>
+          </a:fontRef>
+        </p:style>
+        <p:txBody>
+          <a:bodyPr rtlCol="0" anchor="ctr"/>
+          <a:lstStyle/>
+          <a:p>
+            <a:pPr algn="ctr"/>
+            <a:endParaRPr lang="en-US"/>
+          </a:p>
+        </p:txBody>
+      </p:sp>
+      <p:sp>
+        <p:nvSpPr>
+          <p:cNvPr id="46" name="TextBox 45"/>
+          <p:cNvSpPr txBox="1"/>
+          <p:nvPr/>
+        </p:nvSpPr>
+        <p:spPr>
+          <a:xfrm>
+            <a:off x="3352800" y="1905000"/>
+            <a:ext cx="1066800" cy="523220"/>
+          </a:xfrm>
+          <a:prstGeom prst="rect">
+            <a:avLst/>
+          </a:prstGeom>
+          <a:noFill/>
+        </p:spPr>
+        <p:txBody>
+          <a:bodyPr wrap="square" rtlCol="0">
+            <a:spAutoFit/>
+          </a:bodyPr>
+          <a:lstStyle/>
+          <a:p>
+            <a:pPr algn="ctr"/>
+            <a:r>
+              <a:rPr lang="en-US" sz="1400" dirty="0" smtClean="0"/>
+              <a:t>Shopping Cart</a:t>
+            </a:r>
+            <a:endParaRPr lang="en-US" sz="1400" dirty="0"/>
+          </a:p>
+        </p:txBody>
+      </p:sp>
+      <p:sp>
+        <p:nvSpPr>
+          <p:cNvPr id="48" name="Rounded Rectangle 47"/>
+          <p:cNvSpPr/>
+          <p:nvPr/>
+        </p:nvSpPr>
+        <p:spPr>
+          <a:xfrm>
+            <a:off x="4419600" y="1905000"/>
+            <a:ext cx="1066799" cy="457200"/>
+          </a:xfrm>
+          <a:prstGeom prst="roundRect">
+            <a:avLst/>
+          </a:prstGeom>
+          <a:noFill/>
+          <a:ln>
+            <a:solidFill>
+              <a:schemeClr val="tx1"/>
+            </a:solidFill>
+          </a:ln>
+        </p:spPr>
+        <p:style>
+          <a:lnRef idx="2">
+            <a:schemeClr val="accent1">
+              <a:shade val="50000"/>
+            </a:schemeClr>
+          </a:lnRef>
+          <a:fillRef idx="1">
+            <a:schemeClr val="accent1"/>
+          </a:fillRef>
+          <a:effectRef idx="0">
+            <a:schemeClr val="accent1"/>
+          </a:effectRef>
+          <a:fontRef idx="minor">
+            <a:schemeClr val="lt1"/>
+          </a:fontRef>
+        </p:style>
+        <p:txBody>
+          <a:bodyPr rtlCol="0" anchor="ctr"/>
+          <a:lstStyle/>
+          <a:p>
+            <a:pPr algn="ctr"/>
+            <a:endParaRPr lang="en-US"/>
+          </a:p>
+        </p:txBody>
+      </p:sp>
+      <p:sp>
+        <p:nvSpPr>
+          <p:cNvPr id="49" name="TextBox 48"/>
+          <p:cNvSpPr txBox="1"/>
+          <p:nvPr/>
+        </p:nvSpPr>
+        <p:spPr>
+          <a:xfrm>
+            <a:off x="4419600" y="1905000"/>
+            <a:ext cx="1066800" cy="523220"/>
+          </a:xfrm>
+          <a:prstGeom prst="rect">
+            <a:avLst/>
+          </a:prstGeom>
+          <a:noFill/>
+        </p:spPr>
+        <p:txBody>
+          <a:bodyPr wrap="square" rtlCol="0">
+            <a:spAutoFit/>
+          </a:bodyPr>
+          <a:lstStyle/>
+          <a:p>
+            <a:pPr algn="ctr"/>
+            <a:r>
+              <a:rPr lang="en-US" sz="1400" dirty="0" smtClean="0"/>
+              <a:t>Current Courses</a:t>
+            </a:r>
+            <a:endParaRPr lang="en-US" sz="1400" dirty="0"/>
+          </a:p>
+        </p:txBody>
+      </p:sp>
+      <p:graphicFrame>
+        <p:nvGraphicFramePr>
+          <p:cNvPr id="59" name="Table 58"/>
+          <p:cNvGraphicFramePr>
+            <a:graphicFrameLocks noGrp="1"/>
+          </p:cNvGraphicFramePr>
+          <p:nvPr/>
+        </p:nvGraphicFramePr>
+        <p:xfrm>
+          <a:off x="3352800" y="2438400"/>
+          <a:ext cx="4572000" cy="1196340"/>
+        </p:xfrm>
+        <a:graphic>
+          <a:graphicData uri="http://schemas.openxmlformats.org/drawingml/2006/table">
+            <a:tbl>
+              <a:tblPr/>
+              <a:tblGrid>
+                <a:gridCol w="685800"/>
+                <a:gridCol w="762000"/>
+                <a:gridCol w="811989"/>
+                <a:gridCol w="553749"/>
+                <a:gridCol w="844061"/>
+                <a:gridCol w="914401"/>
+              </a:tblGrid>
+              <a:tr h="190500">
+                <a:tc>
+                  <a:txBody>
+                    <a:bodyPr/>
+                    <a:lstStyle/>
+                    <a:p>
+                      <a:pPr algn="l" fontAlgn="b"/>
+                      <a:r>
+                        <a:rPr lang="en-US" sz="1100" b="0" i="0" u="none" strike="noStrike" dirty="0">
+                          <a:solidFill>
+                            <a:srgbClr val="000000"/>
+                          </a:solidFill>
+                          <a:latin typeface="Calibri"/>
+                        </a:rPr>
+                        <a:t>Course</a:t>
+                      </a:r>
+                    </a:p>
+                  </a:txBody>
+                  <a:tcPr marL="0" marR="0" marT="0" marB="0" anchor="b">
+                    <a:lnL w="6350" cap="flat" cmpd="sng" algn="ctr">
+                      <a:solidFill>
+                        <a:srgbClr val="000000"/>
+                      </a:solidFill>
+                      <a:prstDash val="solid"/>
+                      <a:round/>
+                      <a:headEnd type="none" w="med" len="med"/>
+                      <a:tailEnd type="none" w="med" len="med"/>
+                    </a:lnL>
+                    <a:lnR w="6350" cap="flat" cmpd="sng" algn="ctr">
+                      <a:solidFill>
+                        <a:srgbClr val="000000"/>
+                      </a:solidFill>
+                      <a:prstDash val="solid"/>
+                      <a:round/>
+                      <a:headEnd type="none" w="med" len="med"/>
+                      <a:tailEnd type="none" w="med" len="med"/>
+                    </a:lnR>
+                    <a:lnT w="6350" cap="flat" cmpd="sng" algn="ctr">
+                      <a:solidFill>
+                        <a:srgbClr val="000000"/>
+                      </a:solidFill>
+                      <a:prstDash val="solid"/>
+                      <a:round/>
+                      <a:headEnd type="none" w="med" len="med"/>
+                      <a:tailEnd type="none" w="med" len="med"/>
+                    </a:lnT>
+                    <a:lnB w="6350" cap="flat" cmpd="sng" algn="ctr">
+                      <a:solidFill>
+                        <a:srgbClr val="000000"/>
+                      </a:solidFill>
+                      <a:prstDash val="solid"/>
+                      <a:round/>
+                      <a:headEnd type="none" w="med" len="med"/>
+                      <a:tailEnd type="none" w="med" len="med"/>
+                    </a:lnB>
+                  </a:tcPr>
+                </a:tc>
+                <a:tc>
+                  <a:txBody>
+                    <a:bodyPr/>
+                    <a:lstStyle/>
+                    <a:p>
+                      <a:pPr algn="l" fontAlgn="b"/>
+                      <a:r>
+                        <a:rPr lang="en-US" sz="1100" b="0" i="0" u="none" strike="noStrike">
+                          <a:solidFill>
+                            <a:srgbClr val="000000"/>
+                          </a:solidFill>
+                          <a:latin typeface="Calibri"/>
+                        </a:rPr>
+                        <a:t>Teacher</a:t>
+                      </a:r>
+                    </a:p>
+                  </a:txBody>
+                  <a:tcPr marL="0" marR="0" marT="0" marB="0" anchor="b">
+                    <a:lnL w="6350" cap="flat" cmpd="sng" algn="ctr">
+                      <a:solidFill>
+                        <a:srgbClr val="000000"/>
+                      </a:solidFill>
+                      <a:prstDash val="solid"/>
+                      <a:round/>
+                      <a:headEnd type="none" w="med" len="med"/>
+                      <a:tailEnd type="none" w="med" len="med"/>
+                    </a:lnL>
+                    <a:lnR w="6350" cap="flat" cmpd="sng" algn="ctr">
+                      <a:solidFill>
+                        <a:srgbClr val="000000"/>
+                      </a:solidFill>
+                      <a:prstDash val="solid"/>
+                      <a:round/>
+                      <a:headEnd type="none" w="med" len="med"/>
+                      <a:tailEnd type="none" w="med" len="med"/>
+                    </a:lnR>
+                    <a:lnT w="6350" cap="flat" cmpd="sng" algn="ctr">
+                      <a:solidFill>
+                        <a:srgbClr val="000000"/>
+                      </a:solidFill>
+                      <a:prstDash val="solid"/>
+                      <a:round/>
+                      <a:headEnd type="none" w="med" len="med"/>
+                      <a:tailEnd type="none" w="med" len="med"/>
+                    </a:lnT>
+                    <a:lnB w="6350" cap="flat" cmpd="sng" algn="ctr">
+                      <a:solidFill>
+                        <a:srgbClr val="000000"/>
+                      </a:solidFill>
+                      <a:prstDash val="solid"/>
+                      <a:round/>
+                      <a:headEnd type="none" w="med" len="med"/>
+                      <a:tailEnd type="none" w="med" len="med"/>
+                    </a:lnB>
+                  </a:tcPr>
+                </a:tc>
+                <a:tc>
+                  <a:txBody>
+                    <a:bodyPr/>
+                    <a:lstStyle/>
+                    <a:p>
+                      <a:pPr algn="l" fontAlgn="b"/>
+                      <a:r>
+                        <a:rPr lang="en-US" sz="1100" b="0" i="0" u="none" strike="noStrike">
+                          <a:solidFill>
+                            <a:srgbClr val="000000"/>
+                          </a:solidFill>
+                          <a:latin typeface="Calibri"/>
+                        </a:rPr>
+                        <a:t>Day &amp; Time</a:t>
+                      </a:r>
+                    </a:p>
+                  </a:txBody>
+                  <a:tcPr marL="0" marR="0" marT="0" marB="0" anchor="b">
+                    <a:lnL w="6350" cap="flat" cmpd="sng" algn="ctr">
+                      <a:solidFill>
+                        <a:srgbClr val="000000"/>
+                      </a:solidFill>
+                      <a:prstDash val="solid"/>
+                      <a:round/>
+                      <a:headEnd type="none" w="med" len="med"/>
+                      <a:tailEnd type="none" w="med" len="med"/>
+                    </a:lnL>
+                    <a:lnR w="6350" cap="flat" cmpd="sng" algn="ctr">
+                      <a:solidFill>
+                        <a:srgbClr val="000000"/>
+                      </a:solidFill>
+                      <a:prstDash val="solid"/>
+                      <a:round/>
+                      <a:headEnd type="none" w="med" len="med"/>
+                      <a:tailEnd type="none" w="med" len="med"/>
+                    </a:lnR>
+                    <a:lnT w="6350" cap="flat" cmpd="sng" algn="ctr">
+                      <a:solidFill>
+                        <a:srgbClr val="000000"/>
+                      </a:solidFill>
+                      <a:prstDash val="solid"/>
+                      <a:round/>
+                      <a:headEnd type="none" w="med" len="med"/>
+                      <a:tailEnd type="none" w="med" len="med"/>
+                    </a:lnT>
+                    <a:lnB w="6350" cap="flat" cmpd="sng" algn="ctr">
+                      <a:solidFill>
+                        <a:srgbClr val="000000"/>
+                      </a:solidFill>
+                      <a:prstDash val="solid"/>
+                      <a:round/>
+                      <a:headEnd type="none" w="med" len="med"/>
+                      <a:tailEnd type="none" w="med" len="med"/>
+                    </a:lnB>
+                  </a:tcPr>
+                </a:tc>
+                <a:tc>
+                  <a:txBody>
+                    <a:bodyPr/>
+                    <a:lstStyle/>
+                    <a:p>
+                      <a:pPr algn="l" fontAlgn="b"/>
+                      <a:r>
+                        <a:rPr lang="en-US" sz="1100" b="0" i="0" u="none" strike="noStrike">
+                          <a:solidFill>
+                            <a:srgbClr val="000000"/>
+                          </a:solidFill>
+                          <a:latin typeface="Calibri"/>
+                        </a:rPr>
+                        <a:t>Class Size</a:t>
+                      </a:r>
+                    </a:p>
+                  </a:txBody>
+                  <a:tcPr marL="0" marR="0" marT="0" marB="0" anchor="b">
+                    <a:lnL w="6350" cap="flat" cmpd="sng" algn="ctr">
+                      <a:solidFill>
+                        <a:srgbClr val="000000"/>
+                      </a:solidFill>
+                      <a:prstDash val="solid"/>
+                      <a:round/>
+                      <a:headEnd type="none" w="med" len="med"/>
+                      <a:tailEnd type="none" w="med" len="med"/>
+                    </a:lnL>
+                    <a:lnR w="6350" cap="flat" cmpd="sng" algn="ctr">
+                      <a:solidFill>
+                        <a:srgbClr val="000000"/>
+                      </a:solidFill>
+                      <a:prstDash val="solid"/>
+                      <a:round/>
+                      <a:headEnd type="none" w="med" len="med"/>
+                      <a:tailEnd type="none" w="med" len="med"/>
+                    </a:lnR>
+                    <a:lnT w="6350" cap="flat" cmpd="sng" algn="ctr">
+                      <a:solidFill>
+                        <a:srgbClr val="000000"/>
+                      </a:solidFill>
+                      <a:prstDash val="solid"/>
+                      <a:round/>
+                      <a:headEnd type="none" w="med" len="med"/>
+                      <a:tailEnd type="none" w="med" len="med"/>
+                    </a:lnT>
+                    <a:lnB w="6350" cap="flat" cmpd="sng" algn="ctr">
+                      <a:solidFill>
+                        <a:srgbClr val="000000"/>
+                      </a:solidFill>
+                      <a:prstDash val="solid"/>
+                      <a:round/>
+                      <a:headEnd type="none" w="med" len="med"/>
+                      <a:tailEnd type="none" w="med" len="med"/>
+                    </a:lnB>
+                  </a:tcPr>
+                </a:tc>
+                <a:tc>
+                  <a:txBody>
+                    <a:bodyPr/>
+                    <a:lstStyle/>
+                    <a:p>
+                      <a:pPr algn="l" fontAlgn="b"/>
+                      <a:r>
+                        <a:rPr lang="en-US" sz="1100" b="0" i="0" u="none" strike="noStrike">
+                          <a:solidFill>
+                            <a:srgbClr val="000000"/>
+                          </a:solidFill>
+                          <a:latin typeface="Calibri"/>
+                        </a:rPr>
+                        <a:t># of open slots</a:t>
+                      </a:r>
+                    </a:p>
+                  </a:txBody>
+                  <a:tcPr marL="0" marR="0" marT="0" marB="0" anchor="b">
+                    <a:lnL w="6350" cap="flat" cmpd="sng" algn="ctr">
+                      <a:solidFill>
+                        <a:srgbClr val="000000"/>
+                      </a:solidFill>
+                      <a:prstDash val="solid"/>
+                      <a:round/>
+                      <a:headEnd type="none" w="med" len="med"/>
+                      <a:tailEnd type="none" w="med" len="med"/>
+                    </a:lnL>
+                    <a:lnR w="6350" cap="flat" cmpd="sng" algn="ctr">
+                      <a:solidFill>
+                        <a:srgbClr val="000000"/>
+                      </a:solidFill>
+                      <a:prstDash val="solid"/>
+                      <a:round/>
+                      <a:headEnd type="none" w="med" len="med"/>
+                      <a:tailEnd type="none" w="med" len="med"/>
+                    </a:lnR>
+                    <a:lnT w="6350" cap="flat" cmpd="sng" algn="ctr">
+                      <a:solidFill>
+                        <a:srgbClr val="000000"/>
+                      </a:solidFill>
+                      <a:prstDash val="solid"/>
+                      <a:round/>
+                      <a:headEnd type="none" w="med" len="med"/>
+                      <a:tailEnd type="none" w="med" len="med"/>
+                    </a:lnT>
+                    <a:lnB w="6350" cap="flat" cmpd="sng" algn="ctr">
+                      <a:solidFill>
+                        <a:srgbClr val="000000"/>
+                      </a:solidFill>
+                      <a:prstDash val="solid"/>
+                      <a:round/>
+                      <a:headEnd type="none" w="med" len="med"/>
+                      <a:tailEnd type="none" w="med" len="med"/>
+                    </a:lnB>
+                  </a:tcPr>
+                </a:tc>
+                <a:tc>
+                  <a:txBody>
+                    <a:bodyPr/>
+                    <a:lstStyle/>
+                    <a:p>
+                      <a:pPr algn="l" fontAlgn="b"/>
+                      <a:r>
+                        <a:rPr lang="en-US" sz="1100" b="0" i="0" u="none" strike="noStrike">
+                          <a:solidFill>
+                            <a:srgbClr val="000000"/>
+                          </a:solidFill>
+                          <a:latin typeface="Calibri"/>
+                        </a:rPr>
+                        <a:t>Sign up</a:t>
+                      </a:r>
+                    </a:p>
+                  </a:txBody>
+                  <a:tcPr marL="0" marR="0" marT="0" marB="0" anchor="b">
+                    <a:lnL w="6350" cap="flat" cmpd="sng" algn="ctr">
+                      <a:solidFill>
+                        <a:srgbClr val="000000"/>
+                      </a:solidFill>
+                      <a:prstDash val="solid"/>
+                      <a:round/>
+                      <a:headEnd type="none" w="med" len="med"/>
+                      <a:tailEnd type="none" w="med" len="med"/>
+                    </a:lnL>
+                    <a:lnR w="6350" cap="flat" cmpd="sng" algn="ctr">
+                      <a:solidFill>
+                        <a:srgbClr val="000000"/>
+                      </a:solidFill>
+                      <a:prstDash val="solid"/>
+                      <a:round/>
+                      <a:headEnd type="none" w="med" len="med"/>
+                      <a:tailEnd type="none" w="med" len="med"/>
+                    </a:lnR>
+                    <a:lnT w="6350" cap="flat" cmpd="sng" algn="ctr">
+                      <a:solidFill>
+                        <a:srgbClr val="000000"/>
+                      </a:solidFill>
+                      <a:prstDash val="solid"/>
+                      <a:round/>
+                      <a:headEnd type="none" w="med" len="med"/>
+                      <a:tailEnd type="none" w="med" len="med"/>
+                    </a:lnT>
+                    <a:lnB w="6350" cap="flat" cmpd="sng" algn="ctr">
+                      <a:solidFill>
+                        <a:srgbClr val="000000"/>
+                      </a:solidFill>
+                      <a:prstDash val="solid"/>
+                      <a:round/>
+                      <a:headEnd type="none" w="med" len="med"/>
+                      <a:tailEnd type="none" w="med" len="med"/>
+                    </a:lnB>
+                  </a:tcPr>
+                </a:tc>
+              </a:tr>
+              <a:tr h="190500">
+                <a:tc>
+                  <a:txBody>
+                    <a:bodyPr/>
+                    <a:lstStyle/>
+                    <a:p>
+                      <a:pPr algn="l" fontAlgn="b"/>
+                      <a:r>
+                        <a:rPr lang="en-US" sz="1100" b="0" i="0" u="none" strike="noStrike">
+                          <a:solidFill>
+                            <a:srgbClr val="000000"/>
+                          </a:solidFill>
+                          <a:latin typeface="Calibri"/>
+                        </a:rPr>
+                        <a:t>CMPS 12A</a:t>
+                      </a:r>
+                    </a:p>
+                  </a:txBody>
+                  <a:tcPr marL="0" marR="0" marT="0" marB="0" anchor="b">
+                    <a:lnL w="6350" cap="flat" cmpd="sng" algn="ctr">
+                      <a:solidFill>
+                        <a:srgbClr val="000000"/>
+                      </a:solidFill>
+                      <a:prstDash val="solid"/>
+                      <a:round/>
+                      <a:headEnd type="none" w="med" len="med"/>
+                      <a:tailEnd type="none" w="med" len="med"/>
+                    </a:lnL>
+                    <a:lnR w="6350" cap="flat" cmpd="sng" algn="ctr">
+                      <a:solidFill>
+                        <a:srgbClr val="000000"/>
+                      </a:solidFill>
+                      <a:prstDash val="solid"/>
+                      <a:round/>
+                      <a:headEnd type="none" w="med" len="med"/>
+                      <a:tailEnd type="none" w="med" len="med"/>
+                    </a:lnR>
+                    <a:lnT w="6350" cap="flat" cmpd="sng" algn="ctr">
+                      <a:solidFill>
+                        <a:srgbClr val="000000"/>
+                      </a:solidFill>
+                      <a:prstDash val="solid"/>
+                      <a:round/>
+                      <a:headEnd type="none" w="med" len="med"/>
+                      <a:tailEnd type="none" w="med" len="med"/>
+                    </a:lnT>
+                    <a:lnB w="6350" cap="flat" cmpd="sng" algn="ctr">
+                      <a:solidFill>
+                        <a:srgbClr val="000000"/>
+                      </a:solidFill>
+                      <a:prstDash val="solid"/>
+                      <a:round/>
+                      <a:headEnd type="none" w="med" len="med"/>
+                      <a:tailEnd type="none" w="med" len="med"/>
+                    </a:lnB>
+                  </a:tcPr>
+                </a:tc>
+                <a:tc>
+                  <a:txBody>
+                    <a:bodyPr/>
+                    <a:lstStyle/>
+                    <a:p>
+                      <a:pPr algn="l" fontAlgn="b"/>
+                      <a:r>
+                        <a:rPr lang="en-US" sz="1100" b="0" i="0" u="none" strike="noStrike">
+                          <a:solidFill>
+                            <a:srgbClr val="000000"/>
+                          </a:solidFill>
+                          <a:latin typeface="Calibri"/>
+                        </a:rPr>
+                        <a:t>P. Tantalo</a:t>
+                      </a:r>
+                    </a:p>
+                  </a:txBody>
+                  <a:tcPr marL="0" marR="0" marT="0" marB="0" anchor="b">
+                    <a:lnL w="6350" cap="flat" cmpd="sng" algn="ctr">
+                      <a:solidFill>
+                        <a:srgbClr val="000000"/>
+                      </a:solidFill>
+                      <a:prstDash val="solid"/>
+                      <a:round/>
+                      <a:headEnd type="none" w="med" len="med"/>
+                      <a:tailEnd type="none" w="med" len="med"/>
+                    </a:lnL>
+                    <a:lnR w="6350" cap="flat" cmpd="sng" algn="ctr">
+                      <a:solidFill>
+                        <a:srgbClr val="000000"/>
+                      </a:solidFill>
+                      <a:prstDash val="solid"/>
+                      <a:round/>
+                      <a:headEnd type="none" w="med" len="med"/>
+                      <a:tailEnd type="none" w="med" len="med"/>
+                    </a:lnR>
+                    <a:lnT w="6350" cap="flat" cmpd="sng" algn="ctr">
+                      <a:solidFill>
+                        <a:srgbClr val="000000"/>
+                      </a:solidFill>
+                      <a:prstDash val="solid"/>
+                      <a:round/>
+                      <a:headEnd type="none" w="med" len="med"/>
+                      <a:tailEnd type="none" w="med" len="med"/>
+                    </a:lnT>
+                    <a:lnB w="6350" cap="flat" cmpd="sng" algn="ctr">
+                      <a:solidFill>
+                        <a:srgbClr val="000000"/>
+                      </a:solidFill>
+                      <a:prstDash val="solid"/>
+                      <a:round/>
+                      <a:headEnd type="none" w="med" len="med"/>
+                      <a:tailEnd type="none" w="med" len="med"/>
+                    </a:lnB>
+                  </a:tcPr>
+                </a:tc>
+                <a:tc>
+                  <a:txBody>
+                    <a:bodyPr/>
+                    <a:lstStyle/>
+                    <a:p>
+                      <a:pPr algn="l" fontAlgn="b"/>
+                      <a:r>
+                        <a:rPr lang="en-US" sz="1100" b="0" i="0" u="none" strike="noStrike">
+                          <a:solidFill>
+                            <a:srgbClr val="000000"/>
+                          </a:solidFill>
+                          <a:latin typeface="Calibri"/>
+                        </a:rPr>
+                        <a:t>TTh 2:00 - 3:45</a:t>
+                      </a:r>
+                    </a:p>
+                  </a:txBody>
+                  <a:tcPr marL="0" marR="0" marT="0" marB="0" anchor="b">
+                    <a:lnL w="6350" cap="flat" cmpd="sng" algn="ctr">
+                      <a:solidFill>
+                        <a:srgbClr val="000000"/>
+                      </a:solidFill>
+                      <a:prstDash val="solid"/>
+                      <a:round/>
+                      <a:headEnd type="none" w="med" len="med"/>
+                      <a:tailEnd type="none" w="med" len="med"/>
+                    </a:lnL>
+                    <a:lnR w="6350" cap="flat" cmpd="sng" algn="ctr">
+                      <a:solidFill>
+                        <a:srgbClr val="000000"/>
+                      </a:solidFill>
+                      <a:prstDash val="solid"/>
+                      <a:round/>
+                      <a:headEnd type="none" w="med" len="med"/>
+                      <a:tailEnd type="none" w="med" len="med"/>
+                    </a:lnR>
+                    <a:lnT w="6350" cap="flat" cmpd="sng" algn="ctr">
+                      <a:solidFill>
+                        <a:srgbClr val="000000"/>
+                      </a:solidFill>
+                      <a:prstDash val="solid"/>
+                      <a:round/>
+                      <a:headEnd type="none" w="med" len="med"/>
+                      <a:tailEnd type="none" w="med" len="med"/>
+                    </a:lnT>
+                    <a:lnB w="6350" cap="flat" cmpd="sng" algn="ctr">
+                      <a:solidFill>
+                        <a:srgbClr val="000000"/>
+                      </a:solidFill>
+                      <a:prstDash val="solid"/>
+                      <a:round/>
+                      <a:headEnd type="none" w="med" len="med"/>
+                      <a:tailEnd type="none" w="med" len="med"/>
+                    </a:lnB>
+                  </a:tcPr>
+                </a:tc>
+                <a:tc>
+                  <a:txBody>
+                    <a:bodyPr/>
+                    <a:lstStyle/>
+                    <a:p>
+                      <a:pPr algn="r" fontAlgn="b"/>
+                      <a:r>
+                        <a:rPr lang="en-US" sz="1100" b="0" i="0" u="none" strike="noStrike">
+                          <a:solidFill>
+                            <a:srgbClr val="000000"/>
+                          </a:solidFill>
+                          <a:latin typeface="Calibri"/>
+                        </a:rPr>
+                        <a:t>80</a:t>
+                      </a:r>
+                    </a:p>
+                  </a:txBody>
+                  <a:tcPr marL="0" marR="0" marT="0" marB="0" anchor="b">
+                    <a:lnL w="6350" cap="flat" cmpd="sng" algn="ctr">
+                      <a:solidFill>
+                        <a:srgbClr val="000000"/>
+                      </a:solidFill>
+                      <a:prstDash val="solid"/>
+                      <a:round/>
+                      <a:headEnd type="none" w="med" len="med"/>
+                      <a:tailEnd type="none" w="med" len="med"/>
+                    </a:lnL>
+                    <a:lnR w="6350" cap="flat" cmpd="sng" algn="ctr">
+                      <a:solidFill>
+                        <a:srgbClr val="000000"/>
+                      </a:solidFill>
+                      <a:prstDash val="solid"/>
+                      <a:round/>
+                      <a:headEnd type="none" w="med" len="med"/>
+                      <a:tailEnd type="none" w="med" len="med"/>
+                    </a:lnR>
+                    <a:lnT w="6350" cap="flat" cmpd="sng" algn="ctr">
+                      <a:solidFill>
+                        <a:srgbClr val="000000"/>
+                      </a:solidFill>
+                      <a:prstDash val="solid"/>
+                      <a:round/>
+                      <a:headEnd type="none" w="med" len="med"/>
+                      <a:tailEnd type="none" w="med" len="med"/>
+                    </a:lnT>
+                    <a:lnB w="6350" cap="flat" cmpd="sng" algn="ctr">
+                      <a:solidFill>
+                        <a:srgbClr val="000000"/>
+                      </a:solidFill>
+                      <a:prstDash val="solid"/>
+                      <a:round/>
+                      <a:headEnd type="none" w="med" len="med"/>
+                      <a:tailEnd type="none" w="med" len="med"/>
+                    </a:lnB>
+                  </a:tcPr>
+                </a:tc>
+                <a:tc>
+                  <a:txBody>
+                    <a:bodyPr/>
+                    <a:lstStyle/>
+                    <a:p>
+                      <a:pPr algn="r" fontAlgn="b"/>
+                      <a:r>
+                        <a:rPr lang="en-US" sz="1100" b="0" i="0" u="none" strike="noStrike">
+                          <a:solidFill>
+                            <a:srgbClr val="000000"/>
+                          </a:solidFill>
+                          <a:latin typeface="Calibri"/>
+                        </a:rPr>
+                        <a:t>30</a:t>
+                      </a:r>
+                    </a:p>
+                  </a:txBody>
+                  <a:tcPr marL="0" marR="0" marT="0" marB="0" anchor="b">
+                    <a:lnL w="6350" cap="flat" cmpd="sng" algn="ctr">
+                      <a:solidFill>
+                        <a:srgbClr val="000000"/>
+                      </a:solidFill>
+                      <a:prstDash val="solid"/>
+                      <a:round/>
+                      <a:headEnd type="none" w="med" len="med"/>
+                      <a:tailEnd type="none" w="med" len="med"/>
+                    </a:lnL>
+                    <a:lnR w="6350" cap="flat" cmpd="sng" algn="ctr">
+                      <a:solidFill>
+                        <a:srgbClr val="000000"/>
+                      </a:solidFill>
+                      <a:prstDash val="solid"/>
+                      <a:round/>
+                      <a:headEnd type="none" w="med" len="med"/>
+                      <a:tailEnd type="none" w="med" len="med"/>
+                    </a:lnR>
+                    <a:lnT w="6350" cap="flat" cmpd="sng" algn="ctr">
+                      <a:solidFill>
+                        <a:srgbClr val="000000"/>
+                      </a:solidFill>
+                      <a:prstDash val="solid"/>
+                      <a:round/>
+                      <a:headEnd type="none" w="med" len="med"/>
+                      <a:tailEnd type="none" w="med" len="med"/>
+                    </a:lnT>
+                    <a:lnB w="6350" cap="flat" cmpd="sng" algn="ctr">
+                      <a:solidFill>
+                        <a:srgbClr val="000000"/>
+                      </a:solidFill>
+                      <a:prstDash val="solid"/>
+                      <a:round/>
+                      <a:headEnd type="none" w="med" len="med"/>
+                      <a:tailEnd type="none" w="med" len="med"/>
+                    </a:lnB>
+                  </a:tcPr>
+                </a:tc>
+                <a:tc>
+                  <a:txBody>
+                    <a:bodyPr/>
+                    <a:lstStyle/>
+                    <a:p>
+                      <a:pPr algn="l" fontAlgn="b"/>
+                      <a:endParaRPr lang="en-US" sz="1100" b="0" i="0" u="none" strike="noStrike">
+                        <a:solidFill>
+                          <a:srgbClr val="000000"/>
+                        </a:solidFill>
+                        <a:latin typeface="Calibri"/>
+                      </a:endParaRPr>
+                    </a:p>
+                  </a:txBody>
+                  <a:tcPr marL="0" marR="0" marT="0" marB="0" anchor="b">
+                    <a:lnL w="6350" cap="flat" cmpd="sng" algn="ctr">
+                      <a:solidFill>
+                        <a:srgbClr val="000000"/>
+                      </a:solidFill>
+                      <a:prstDash val="solid"/>
+                      <a:round/>
+                      <a:headEnd type="none" w="med" len="med"/>
+                      <a:tailEnd type="none" w="med" len="med"/>
+                    </a:lnL>
+                    <a:lnR w="6350" cap="flat" cmpd="sng" algn="ctr">
+                      <a:solidFill>
+                        <a:srgbClr val="000000"/>
+                      </a:solidFill>
+                      <a:prstDash val="solid"/>
+                      <a:round/>
+                      <a:headEnd type="none" w="med" len="med"/>
+                      <a:tailEnd type="none" w="med" len="med"/>
+                    </a:lnR>
+                    <a:lnT w="6350" cap="flat" cmpd="sng" algn="ctr">
+                      <a:solidFill>
+                        <a:srgbClr val="000000"/>
+                      </a:solidFill>
+                      <a:prstDash val="solid"/>
+                      <a:round/>
+                      <a:headEnd type="none" w="med" len="med"/>
+                      <a:tailEnd type="none" w="med" len="med"/>
+                    </a:lnT>
+                    <a:lnB w="6350" cap="flat" cmpd="sng" algn="ctr">
+                      <a:solidFill>
+                        <a:srgbClr val="000000"/>
+                      </a:solidFill>
+                      <a:prstDash val="solid"/>
+                      <a:round/>
+                      <a:headEnd type="none" w="med" len="med"/>
+                      <a:tailEnd type="none" w="med" len="med"/>
+                    </a:lnB>
+                  </a:tcPr>
+                </a:tc>
+              </a:tr>
+              <a:tr h="190500">
+                <a:tc>
+                  <a:txBody>
+                    <a:bodyPr/>
+                    <a:lstStyle/>
+                    <a:p>
+                      <a:pPr algn="l" fontAlgn="b"/>
+                      <a:r>
+                        <a:rPr lang="en-US" sz="1100" b="0" i="0" u="none" strike="noStrike">
+                          <a:solidFill>
+                            <a:srgbClr val="000000"/>
+                          </a:solidFill>
+                          <a:latin typeface="Calibri"/>
+                        </a:rPr>
+                        <a:t>Econ 2</a:t>
+                      </a:r>
+                    </a:p>
+                  </a:txBody>
+                  <a:tcPr marL="0" marR="0" marT="0" marB="0" anchor="b">
+                    <a:lnL w="6350" cap="flat" cmpd="sng" algn="ctr">
+                      <a:solidFill>
+                        <a:srgbClr val="000000"/>
+                      </a:solidFill>
+                      <a:prstDash val="solid"/>
+                      <a:round/>
+                      <a:headEnd type="none" w="med" len="med"/>
+                      <a:tailEnd type="none" w="med" len="med"/>
+                    </a:lnL>
+                    <a:lnR w="6350" cap="flat" cmpd="sng" algn="ctr">
+                      <a:solidFill>
+                        <a:srgbClr val="000000"/>
+                      </a:solidFill>
+                      <a:prstDash val="solid"/>
+                      <a:round/>
+                      <a:headEnd type="none" w="med" len="med"/>
+                      <a:tailEnd type="none" w="med" len="med"/>
+                    </a:lnR>
+                    <a:lnT w="6350" cap="flat" cmpd="sng" algn="ctr">
+                      <a:solidFill>
+                        <a:srgbClr val="000000"/>
+                      </a:solidFill>
+                      <a:prstDash val="solid"/>
+                      <a:round/>
+                      <a:headEnd type="none" w="med" len="med"/>
+                      <a:tailEnd type="none" w="med" len="med"/>
+                    </a:lnT>
+                    <a:lnB w="6350" cap="flat" cmpd="sng" algn="ctr">
+                      <a:solidFill>
+                        <a:srgbClr val="000000"/>
+                      </a:solidFill>
+                      <a:prstDash val="solid"/>
+                      <a:round/>
+                      <a:headEnd type="none" w="med" len="med"/>
+                      <a:tailEnd type="none" w="med" len="med"/>
+                    </a:lnB>
+                  </a:tcPr>
+                </a:tc>
+                <a:tc>
+                  <a:txBody>
+                    <a:bodyPr/>
+                    <a:lstStyle/>
+                    <a:p>
+                      <a:pPr algn="l" fontAlgn="b"/>
+                      <a:r>
+                        <a:rPr lang="en-US" sz="1100" b="0" i="0" u="none" strike="noStrike">
+                          <a:solidFill>
+                            <a:srgbClr val="000000"/>
+                          </a:solidFill>
+                          <a:latin typeface="Calibri"/>
+                        </a:rPr>
+                        <a:t>K.C. Fung</a:t>
+                      </a:r>
+                    </a:p>
+                  </a:txBody>
+                  <a:tcPr marL="0" marR="0" marT="0" marB="0" anchor="b">
+                    <a:lnL w="6350" cap="flat" cmpd="sng" algn="ctr">
+                      <a:solidFill>
+                        <a:srgbClr val="000000"/>
+                      </a:solidFill>
+                      <a:prstDash val="solid"/>
+                      <a:round/>
+                      <a:headEnd type="none" w="med" len="med"/>
+                      <a:tailEnd type="none" w="med" len="med"/>
+                    </a:lnL>
+                    <a:lnR w="6350" cap="flat" cmpd="sng" algn="ctr">
+                      <a:solidFill>
+                        <a:srgbClr val="000000"/>
+                      </a:solidFill>
+                      <a:prstDash val="solid"/>
+                      <a:round/>
+                      <a:headEnd type="none" w="med" len="med"/>
+                      <a:tailEnd type="none" w="med" len="med"/>
+                    </a:lnR>
+                    <a:lnT w="6350" cap="flat" cmpd="sng" algn="ctr">
+                      <a:solidFill>
+                        <a:srgbClr val="000000"/>
+                      </a:solidFill>
+                      <a:prstDash val="solid"/>
+                      <a:round/>
+                      <a:headEnd type="none" w="med" len="med"/>
+                      <a:tailEnd type="none" w="med" len="med"/>
+                    </a:lnT>
+                    <a:lnB w="6350" cap="flat" cmpd="sng" algn="ctr">
+                      <a:solidFill>
+                        <a:srgbClr val="000000"/>
+                      </a:solidFill>
+                      <a:prstDash val="solid"/>
+                      <a:round/>
+                      <a:headEnd type="none" w="med" len="med"/>
+                      <a:tailEnd type="none" w="med" len="med"/>
+                    </a:lnB>
+                  </a:tcPr>
+                </a:tc>
+                <a:tc>
+                  <a:txBody>
+                    <a:bodyPr/>
+                    <a:lstStyle/>
+                    <a:p>
+                      <a:pPr algn="l" fontAlgn="b"/>
+                      <a:r>
+                        <a:rPr lang="en-US" sz="1100" b="0" i="0" u="none" strike="noStrike">
+                          <a:solidFill>
+                            <a:srgbClr val="000000"/>
+                          </a:solidFill>
+                          <a:latin typeface="Calibri"/>
+                        </a:rPr>
+                        <a:t>MWF 11:00-12:10</a:t>
+                      </a:r>
+                    </a:p>
+                  </a:txBody>
+                  <a:tcPr marL="0" marR="0" marT="0" marB="0" anchor="b">
+                    <a:lnL w="6350" cap="flat" cmpd="sng" algn="ctr">
+                      <a:solidFill>
+                        <a:srgbClr val="000000"/>
+                      </a:solidFill>
+                      <a:prstDash val="solid"/>
+                      <a:round/>
+                      <a:headEnd type="none" w="med" len="med"/>
+                      <a:tailEnd type="none" w="med" len="med"/>
+                    </a:lnL>
+                    <a:lnR w="6350" cap="flat" cmpd="sng" algn="ctr">
+                      <a:solidFill>
+                        <a:srgbClr val="000000"/>
+                      </a:solidFill>
+                      <a:prstDash val="solid"/>
+                      <a:round/>
+                      <a:headEnd type="none" w="med" len="med"/>
+                      <a:tailEnd type="none" w="med" len="med"/>
+                    </a:lnR>
+                    <a:lnT w="6350" cap="flat" cmpd="sng" algn="ctr">
+                      <a:solidFill>
+                        <a:srgbClr val="000000"/>
+                      </a:solidFill>
+                      <a:prstDash val="solid"/>
+                      <a:round/>
+                      <a:headEnd type="none" w="med" len="med"/>
+                      <a:tailEnd type="none" w="med" len="med"/>
+                    </a:lnT>
+                    <a:lnB w="6350" cap="flat" cmpd="sng" algn="ctr">
+                      <a:solidFill>
+                        <a:srgbClr val="000000"/>
+                      </a:solidFill>
+                      <a:prstDash val="solid"/>
+                      <a:round/>
+                      <a:headEnd type="none" w="med" len="med"/>
+                      <a:tailEnd type="none" w="med" len="med"/>
+                    </a:lnB>
+                  </a:tcPr>
+                </a:tc>
+                <a:tc>
+                  <a:txBody>
+                    <a:bodyPr/>
+                    <a:lstStyle/>
+                    <a:p>
+                      <a:pPr algn="r" fontAlgn="b"/>
+                      <a:r>
+                        <a:rPr lang="en-US" sz="1100" b="0" i="0" u="none" strike="noStrike">
+                          <a:solidFill>
+                            <a:srgbClr val="000000"/>
+                          </a:solidFill>
+                          <a:latin typeface="Calibri"/>
+                        </a:rPr>
+                        <a:t>400</a:t>
+                      </a:r>
+                    </a:p>
+                  </a:txBody>
+                  <a:tcPr marL="0" marR="0" marT="0" marB="0" anchor="b">
+                    <a:lnL w="6350" cap="flat" cmpd="sng" algn="ctr">
+                      <a:solidFill>
+                        <a:srgbClr val="000000"/>
+                      </a:solidFill>
+                      <a:prstDash val="solid"/>
+                      <a:round/>
+                      <a:headEnd type="none" w="med" len="med"/>
+                      <a:tailEnd type="none" w="med" len="med"/>
+                    </a:lnL>
+                    <a:lnR w="6350" cap="flat" cmpd="sng" algn="ctr">
+                      <a:solidFill>
+                        <a:srgbClr val="000000"/>
+                      </a:solidFill>
+                      <a:prstDash val="solid"/>
+                      <a:round/>
+                      <a:headEnd type="none" w="med" len="med"/>
+                      <a:tailEnd type="none" w="med" len="med"/>
+                    </a:lnR>
+                    <a:lnT w="6350" cap="flat" cmpd="sng" algn="ctr">
+                      <a:solidFill>
+                        <a:srgbClr val="000000"/>
+                      </a:solidFill>
+                      <a:prstDash val="solid"/>
+                      <a:round/>
+                      <a:headEnd type="none" w="med" len="med"/>
+                      <a:tailEnd type="none" w="med" len="med"/>
+                    </a:lnT>
+                    <a:lnB w="6350" cap="flat" cmpd="sng" algn="ctr">
+                      <a:solidFill>
+                        <a:srgbClr val="000000"/>
+                      </a:solidFill>
+                      <a:prstDash val="solid"/>
+                      <a:round/>
+                      <a:headEnd type="none" w="med" len="med"/>
+                      <a:tailEnd type="none" w="med" len="med"/>
+                    </a:lnB>
+                  </a:tcPr>
+                </a:tc>
+                <a:tc>
+                  <a:txBody>
+                    <a:bodyPr/>
+                    <a:lstStyle/>
+                    <a:p>
+                      <a:pPr algn="r" fontAlgn="b"/>
+                      <a:r>
+                        <a:rPr lang="en-US" sz="1100" b="0" i="0" u="none" strike="noStrike">
+                          <a:solidFill>
+                            <a:srgbClr val="000000"/>
+                          </a:solidFill>
+                          <a:latin typeface="Calibri"/>
+                        </a:rPr>
+                        <a:t>50</a:t>
+                      </a:r>
+                    </a:p>
+                  </a:txBody>
+                  <a:tcPr marL="0" marR="0" marT="0" marB="0" anchor="b">
+                    <a:lnL w="6350" cap="flat" cmpd="sng" algn="ctr">
+                      <a:solidFill>
+                        <a:srgbClr val="000000"/>
+                      </a:solidFill>
+                      <a:prstDash val="solid"/>
+                      <a:round/>
+                      <a:headEnd type="none" w="med" len="med"/>
+                      <a:tailEnd type="none" w="med" len="med"/>
+                    </a:lnL>
+                    <a:lnR w="6350" cap="flat" cmpd="sng" algn="ctr">
+                      <a:solidFill>
+                        <a:srgbClr val="000000"/>
+                      </a:solidFill>
+                      <a:prstDash val="solid"/>
+                      <a:round/>
+                      <a:headEnd type="none" w="med" len="med"/>
+                      <a:tailEnd type="none" w="med" len="med"/>
+                    </a:lnR>
+                    <a:lnT w="6350" cap="flat" cmpd="sng" algn="ctr">
+                      <a:solidFill>
+                        <a:srgbClr val="000000"/>
+                      </a:solidFill>
+                      <a:prstDash val="solid"/>
+                      <a:round/>
+                      <a:headEnd type="none" w="med" len="med"/>
+                      <a:tailEnd type="none" w="med" len="med"/>
+                    </a:lnT>
+                    <a:lnB w="6350" cap="flat" cmpd="sng" algn="ctr">
+                      <a:solidFill>
+                        <a:srgbClr val="000000"/>
+                      </a:solidFill>
+                      <a:prstDash val="solid"/>
+                      <a:round/>
+                      <a:headEnd type="none" w="med" len="med"/>
+                      <a:tailEnd type="none" w="med" len="med"/>
+                    </a:lnB>
+                  </a:tcPr>
+                </a:tc>
+                <a:tc>
+                  <a:txBody>
+                    <a:bodyPr/>
+                    <a:lstStyle/>
+                    <a:p>
+                      <a:pPr algn="l" fontAlgn="b"/>
+                      <a:endParaRPr lang="en-US" sz="1100" b="0" i="0" u="none" strike="noStrike">
+                        <a:solidFill>
+                          <a:srgbClr val="000000"/>
+                        </a:solidFill>
+                        <a:latin typeface="Calibri"/>
+                      </a:endParaRPr>
+                    </a:p>
+                  </a:txBody>
+                  <a:tcPr marL="0" marR="0" marT="0" marB="0" anchor="b">
+                    <a:lnL w="6350" cap="flat" cmpd="sng" algn="ctr">
+                      <a:solidFill>
+                        <a:srgbClr val="000000"/>
+                      </a:solidFill>
+                      <a:prstDash val="solid"/>
+                      <a:round/>
+                      <a:headEnd type="none" w="med" len="med"/>
+                      <a:tailEnd type="none" w="med" len="med"/>
+                    </a:lnL>
+                    <a:lnR w="6350" cap="flat" cmpd="sng" algn="ctr">
+                      <a:solidFill>
+                        <a:srgbClr val="000000"/>
+                      </a:solidFill>
+                      <a:prstDash val="solid"/>
+                      <a:round/>
+                      <a:headEnd type="none" w="med" len="med"/>
+                      <a:tailEnd type="none" w="med" len="med"/>
+                    </a:lnR>
+                    <a:lnT w="6350" cap="flat" cmpd="sng" algn="ctr">
+                      <a:solidFill>
+                        <a:srgbClr val="000000"/>
+                      </a:solidFill>
+                      <a:prstDash val="solid"/>
+                      <a:round/>
+                      <a:headEnd type="none" w="med" len="med"/>
+                      <a:tailEnd type="none" w="med" len="med"/>
+                    </a:lnT>
+                    <a:lnB w="6350" cap="flat" cmpd="sng" algn="ctr">
+                      <a:solidFill>
+                        <a:srgbClr val="000000"/>
+                      </a:solidFill>
+                      <a:prstDash val="solid"/>
+                      <a:round/>
+                      <a:headEnd type="none" w="med" len="med"/>
+                      <a:tailEnd type="none" w="med" len="med"/>
+                    </a:lnB>
+                  </a:tcPr>
+                </a:tc>
+              </a:tr>
+              <a:tr h="190500">
+                <a:tc>
+                  <a:txBody>
+                    <a:bodyPr/>
+                    <a:lstStyle/>
+                    <a:p>
+                      <a:pPr algn="l" fontAlgn="b"/>
+                      <a:r>
+                        <a:rPr lang="en-US" sz="1100" b="0" i="0" u="none" strike="noStrike">
+                          <a:solidFill>
+                            <a:srgbClr val="000000"/>
+                          </a:solidFill>
+                          <a:latin typeface="Calibri"/>
+                        </a:rPr>
+                        <a:t>ISM 150</a:t>
+                      </a:r>
+                    </a:p>
+                  </a:txBody>
+                  <a:tcPr marL="0" marR="0" marT="0" marB="0" anchor="b">
+                    <a:lnL w="6350" cap="flat" cmpd="sng" algn="ctr">
+                      <a:solidFill>
+                        <a:srgbClr val="000000"/>
+                      </a:solidFill>
+                      <a:prstDash val="solid"/>
+                      <a:round/>
+                      <a:headEnd type="none" w="med" len="med"/>
+                      <a:tailEnd type="none" w="med" len="med"/>
+                    </a:lnL>
+                    <a:lnR w="6350" cap="flat" cmpd="sng" algn="ctr">
+                      <a:solidFill>
+                        <a:srgbClr val="000000"/>
+                      </a:solidFill>
+                      <a:prstDash val="solid"/>
+                      <a:round/>
+                      <a:headEnd type="none" w="med" len="med"/>
+                      <a:tailEnd type="none" w="med" len="med"/>
+                    </a:lnR>
+                    <a:lnT w="6350" cap="flat" cmpd="sng" algn="ctr">
+                      <a:solidFill>
+                        <a:srgbClr val="000000"/>
+                      </a:solidFill>
+                      <a:prstDash val="solid"/>
+                      <a:round/>
+                      <a:headEnd type="none" w="med" len="med"/>
+                      <a:tailEnd type="none" w="med" len="med"/>
+                    </a:lnT>
+                    <a:lnB w="6350" cap="flat" cmpd="sng" algn="ctr">
+                      <a:solidFill>
+                        <a:srgbClr val="000000"/>
+                      </a:solidFill>
+                      <a:prstDash val="solid"/>
+                      <a:round/>
+                      <a:headEnd type="none" w="med" len="med"/>
+                      <a:tailEnd type="none" w="med" len="med"/>
+                    </a:lnB>
+                  </a:tcPr>
+                </a:tc>
+                <a:tc>
+                  <a:txBody>
+                    <a:bodyPr/>
+                    <a:lstStyle/>
+                    <a:p>
+                      <a:pPr algn="l" fontAlgn="b"/>
+                      <a:r>
+                        <a:rPr lang="en-US" sz="1100" b="0" i="0" u="none" strike="noStrike">
+                          <a:solidFill>
+                            <a:srgbClr val="000000"/>
+                          </a:solidFill>
+                          <a:latin typeface="Calibri"/>
+                        </a:rPr>
+                        <a:t>R. Akella</a:t>
+                      </a:r>
+                    </a:p>
+                  </a:txBody>
+                  <a:tcPr marL="0" marR="0" marT="0" marB="0" anchor="b">
+                    <a:lnL w="6350" cap="flat" cmpd="sng" algn="ctr">
+                      <a:solidFill>
+                        <a:srgbClr val="000000"/>
+                      </a:solidFill>
+                      <a:prstDash val="solid"/>
+                      <a:round/>
+                      <a:headEnd type="none" w="med" len="med"/>
+                      <a:tailEnd type="none" w="med" len="med"/>
+                    </a:lnL>
+                    <a:lnR w="6350" cap="flat" cmpd="sng" algn="ctr">
+                      <a:solidFill>
+                        <a:srgbClr val="000000"/>
+                      </a:solidFill>
+                      <a:prstDash val="solid"/>
+                      <a:round/>
+                      <a:headEnd type="none" w="med" len="med"/>
+                      <a:tailEnd type="none" w="med" len="med"/>
+                    </a:lnR>
+                    <a:lnT w="6350" cap="flat" cmpd="sng" algn="ctr">
+                      <a:solidFill>
+                        <a:srgbClr val="000000"/>
+                      </a:solidFill>
+                      <a:prstDash val="solid"/>
+                      <a:round/>
+                      <a:headEnd type="none" w="med" len="med"/>
+                      <a:tailEnd type="none" w="med" len="med"/>
+                    </a:lnT>
+                    <a:lnB w="6350" cap="flat" cmpd="sng" algn="ctr">
+                      <a:solidFill>
+                        <a:srgbClr val="000000"/>
+                      </a:solidFill>
+                      <a:prstDash val="solid"/>
+                      <a:round/>
+                      <a:headEnd type="none" w="med" len="med"/>
+                      <a:tailEnd type="none" w="med" len="med"/>
+                    </a:lnB>
+                  </a:tcPr>
+                </a:tc>
+                <a:tc>
+                  <a:txBody>
+                    <a:bodyPr/>
+                    <a:lstStyle/>
+                    <a:p>
+                      <a:pPr algn="l" fontAlgn="b"/>
+                      <a:r>
+                        <a:rPr lang="en-US" sz="1100" b="0" i="0" u="none" strike="noStrike" dirty="0" err="1">
+                          <a:solidFill>
+                            <a:srgbClr val="000000"/>
+                          </a:solidFill>
+                          <a:latin typeface="Calibri"/>
+                        </a:rPr>
+                        <a:t>TTh</a:t>
+                      </a:r>
+                      <a:r>
+                        <a:rPr lang="en-US" sz="1100" b="0" i="0" u="none" strike="noStrike" dirty="0">
+                          <a:solidFill>
+                            <a:srgbClr val="000000"/>
+                          </a:solidFill>
+                          <a:latin typeface="Calibri"/>
+                        </a:rPr>
+                        <a:t> 12:00-1:45</a:t>
+                      </a:r>
+                    </a:p>
+                  </a:txBody>
+                  <a:tcPr marL="0" marR="0" marT="0" marB="0" anchor="b">
+                    <a:lnL w="6350" cap="flat" cmpd="sng" algn="ctr">
+                      <a:solidFill>
+                        <a:srgbClr val="000000"/>
+                      </a:solidFill>
+                      <a:prstDash val="solid"/>
+                      <a:round/>
+                      <a:headEnd type="none" w="med" len="med"/>
+                      <a:tailEnd type="none" w="med" len="med"/>
+                    </a:lnL>
+                    <a:lnR w="6350" cap="flat" cmpd="sng" algn="ctr">
+                      <a:solidFill>
+                        <a:srgbClr val="000000"/>
+                      </a:solidFill>
+                      <a:prstDash val="solid"/>
+                      <a:round/>
+                      <a:headEnd type="none" w="med" len="med"/>
+                      <a:tailEnd type="none" w="med" len="med"/>
+                    </a:lnR>
+                    <a:lnT w="6350" cap="flat" cmpd="sng" algn="ctr">
+                      <a:solidFill>
+                        <a:srgbClr val="000000"/>
+                      </a:solidFill>
+                      <a:prstDash val="solid"/>
+                      <a:round/>
+                      <a:headEnd type="none" w="med" len="med"/>
+                      <a:tailEnd type="none" w="med" len="med"/>
+                    </a:lnT>
+                    <a:lnB w="6350" cap="flat" cmpd="sng" algn="ctr">
+                      <a:solidFill>
+                        <a:srgbClr val="000000"/>
+                      </a:solidFill>
+                      <a:prstDash val="solid"/>
+                      <a:round/>
+                      <a:headEnd type="none" w="med" len="med"/>
+                      <a:tailEnd type="none" w="med" len="med"/>
+                    </a:lnB>
+                  </a:tcPr>
+                </a:tc>
+                <a:tc>
+                  <a:txBody>
+                    <a:bodyPr/>
+                    <a:lstStyle/>
+                    <a:p>
+                      <a:pPr algn="r" fontAlgn="b"/>
+                      <a:r>
+                        <a:rPr lang="en-US" sz="1100" b="0" i="0" u="none" strike="noStrike">
+                          <a:solidFill>
+                            <a:srgbClr val="000000"/>
+                          </a:solidFill>
+                          <a:latin typeface="Calibri"/>
+                        </a:rPr>
+                        <a:t>100</a:t>
+                      </a:r>
+                    </a:p>
+                  </a:txBody>
+                  <a:tcPr marL="0" marR="0" marT="0" marB="0" anchor="b">
+                    <a:lnL w="6350" cap="flat" cmpd="sng" algn="ctr">
+                      <a:solidFill>
+                        <a:srgbClr val="000000"/>
+                      </a:solidFill>
+                      <a:prstDash val="solid"/>
+                      <a:round/>
+                      <a:headEnd type="none" w="med" len="med"/>
+                      <a:tailEnd type="none" w="med" len="med"/>
+                    </a:lnL>
+                    <a:lnR w="6350" cap="flat" cmpd="sng" algn="ctr">
+                      <a:solidFill>
+                        <a:srgbClr val="000000"/>
+                      </a:solidFill>
+                      <a:prstDash val="solid"/>
+                      <a:round/>
+                      <a:headEnd type="none" w="med" len="med"/>
+                      <a:tailEnd type="none" w="med" len="med"/>
+                    </a:lnR>
+                    <a:lnT w="6350" cap="flat" cmpd="sng" algn="ctr">
+                      <a:solidFill>
+                        <a:srgbClr val="000000"/>
+                      </a:solidFill>
+                      <a:prstDash val="solid"/>
+                      <a:round/>
+                      <a:headEnd type="none" w="med" len="med"/>
+                      <a:tailEnd type="none" w="med" len="med"/>
+                    </a:lnT>
+                    <a:lnB w="6350" cap="flat" cmpd="sng" algn="ctr">
+                      <a:solidFill>
+                        <a:srgbClr val="000000"/>
+                      </a:solidFill>
+                      <a:prstDash val="solid"/>
+                      <a:round/>
+                      <a:headEnd type="none" w="med" len="med"/>
+                      <a:tailEnd type="none" w="med" len="med"/>
+                    </a:lnB>
+                  </a:tcPr>
+                </a:tc>
+                <a:tc>
+                  <a:txBody>
+                    <a:bodyPr/>
+                    <a:lstStyle/>
+                    <a:p>
+                      <a:pPr algn="r" fontAlgn="b"/>
+                      <a:r>
+                        <a:rPr lang="en-US" sz="1100" b="0" i="0" u="none" strike="noStrike">
+                          <a:solidFill>
+                            <a:srgbClr val="000000"/>
+                          </a:solidFill>
+                          <a:latin typeface="Calibri"/>
+                        </a:rPr>
+                        <a:t>30</a:t>
+                      </a:r>
+                    </a:p>
+                  </a:txBody>
+                  <a:tcPr marL="0" marR="0" marT="0" marB="0" anchor="b">
+                    <a:lnL w="6350" cap="flat" cmpd="sng" algn="ctr">
+                      <a:solidFill>
+                        <a:srgbClr val="000000"/>
+                      </a:solidFill>
+                      <a:prstDash val="solid"/>
+                      <a:round/>
+                      <a:headEnd type="none" w="med" len="med"/>
+                      <a:tailEnd type="none" w="med" len="med"/>
+                    </a:lnL>
+                    <a:lnR w="6350" cap="flat" cmpd="sng" algn="ctr">
+                      <a:solidFill>
+                        <a:srgbClr val="000000"/>
+                      </a:solidFill>
+                      <a:prstDash val="solid"/>
+                      <a:round/>
+                      <a:headEnd type="none" w="med" len="med"/>
+                      <a:tailEnd type="none" w="med" len="med"/>
+                    </a:lnR>
+                    <a:lnT w="6350" cap="flat" cmpd="sng" algn="ctr">
+                      <a:solidFill>
+                        <a:srgbClr val="000000"/>
+                      </a:solidFill>
+                      <a:prstDash val="solid"/>
+                      <a:round/>
+                      <a:headEnd type="none" w="med" len="med"/>
+                      <a:tailEnd type="none" w="med" len="med"/>
+                    </a:lnT>
+                    <a:lnB w="6350" cap="flat" cmpd="sng" algn="ctr">
+                      <a:solidFill>
+                        <a:srgbClr val="000000"/>
+                      </a:solidFill>
+                      <a:prstDash val="solid"/>
+                      <a:round/>
+                      <a:headEnd type="none" w="med" len="med"/>
+                      <a:tailEnd type="none" w="med" len="med"/>
+                    </a:lnB>
+                  </a:tcPr>
+                </a:tc>
+                <a:tc>
+                  <a:txBody>
+                    <a:bodyPr/>
+                    <a:lstStyle/>
+                    <a:p>
+                      <a:pPr algn="l" fontAlgn="b"/>
+                      <a:endParaRPr lang="en-US" sz="1100" b="0" i="0" u="none" strike="noStrike" dirty="0">
+                        <a:solidFill>
+                          <a:srgbClr val="000000"/>
+                        </a:solidFill>
+                        <a:latin typeface="Calibri"/>
+                      </a:endParaRPr>
+                    </a:p>
+                  </a:txBody>
+                  <a:tcPr marL="0" marR="0" marT="0" marB="0" anchor="b">
+                    <a:lnL w="6350" cap="flat" cmpd="sng" algn="ctr">
+                      <a:solidFill>
+                        <a:srgbClr val="000000"/>
+                      </a:solidFill>
+                      <a:prstDash val="solid"/>
+                      <a:round/>
+                      <a:headEnd type="none" w="med" len="med"/>
+                      <a:tailEnd type="none" w="med" len="med"/>
+                    </a:lnL>
+                    <a:lnR w="6350" cap="flat" cmpd="sng" algn="ctr">
+                      <a:solidFill>
+                        <a:srgbClr val="000000"/>
+                      </a:solidFill>
+                      <a:prstDash val="solid"/>
+                      <a:round/>
+                      <a:headEnd type="none" w="med" len="med"/>
+                      <a:tailEnd type="none" w="med" len="med"/>
+                    </a:lnR>
+                    <a:lnT w="6350" cap="flat" cmpd="sng" algn="ctr">
+                      <a:solidFill>
+                        <a:srgbClr val="000000"/>
+                      </a:solidFill>
+                      <a:prstDash val="solid"/>
+                      <a:round/>
+                      <a:headEnd type="none" w="med" len="med"/>
+                      <a:tailEnd type="none" w="med" len="med"/>
+                    </a:lnT>
+                    <a:lnB w="6350" cap="flat" cmpd="sng" algn="ctr">
+                      <a:solidFill>
+                        <a:srgbClr val="000000"/>
+                      </a:solidFill>
+                      <a:prstDash val="solid"/>
+                      <a:round/>
+                      <a:headEnd type="none" w="med" len="med"/>
+                      <a:tailEnd type="none" w="med" len="med"/>
+                    </a:lnB>
+                  </a:tcPr>
+                </a:tc>
+              </a:tr>
+            </a:tbl>
+          </a:graphicData>
+        </a:graphic>
+      </p:graphicFrame>
+      <p:sp>
+        <p:nvSpPr>
+          <p:cNvPr id="64" name="Rectangle 63"/>
+          <p:cNvSpPr/>
+          <p:nvPr/>
+        </p:nvSpPr>
+        <p:spPr>
+          <a:xfrm>
+            <a:off x="7315200" y="2743200"/>
+            <a:ext cx="304800" cy="152400"/>
+          </a:xfrm>
+          <a:prstGeom prst="rect">
+            <a:avLst/>
+          </a:prstGeom>
+          <a:noFill/>
+          <a:ln>
+            <a:solidFill>
+              <a:schemeClr val="tx1"/>
+            </a:solidFill>
+          </a:ln>
+        </p:spPr>
+        <p:style>
+          <a:lnRef idx="2">
+            <a:schemeClr val="accent1">
+              <a:shade val="50000"/>
+            </a:schemeClr>
+          </a:lnRef>
+          <a:fillRef idx="1">
+            <a:schemeClr val="accent1"/>
+          </a:fillRef>
+          <a:effectRef idx="0">
+            <a:schemeClr val="accent1"/>
+          </a:effectRef>
+          <a:fontRef idx="minor">
+            <a:schemeClr val="lt1"/>
+          </a:fontRef>
+        </p:style>
+        <p:txBody>
+          <a:bodyPr rtlCol="0" anchor="ctr"/>
+          <a:lstStyle/>
+          <a:p>
+            <a:pPr algn="ctr"/>
+            <a:endParaRPr lang="en-US" dirty="0">
+              <a:ln>
+                <a:solidFill>
+                  <a:schemeClr val="tx1"/>
+                </a:solidFill>
+              </a:ln>
+              <a:solidFill>
+                <a:sysClr val="windowText" lastClr="000000"/>
+              </a:solidFill>
+            </a:endParaRPr>
+          </a:p>
+        </p:txBody>
+      </p:sp>
+      <p:sp>
+        <p:nvSpPr>
+          <p:cNvPr id="65" name="Rectangle 64"/>
+          <p:cNvSpPr/>
+          <p:nvPr/>
+        </p:nvSpPr>
+        <p:spPr>
+          <a:xfrm>
+            <a:off x="7315200" y="3048000"/>
+            <a:ext cx="304800" cy="152400"/>
+          </a:xfrm>
+          <a:prstGeom prst="rect">
+            <a:avLst/>
+          </a:prstGeom>
+          <a:noFill/>
+          <a:ln>
+            <a:solidFill>
+              <a:schemeClr val="tx1"/>
+            </a:solidFill>
+          </a:ln>
+        </p:spPr>
+        <p:style>
+          <a:lnRef idx="2">
+            <a:schemeClr val="accent1">
+              <a:shade val="50000"/>
+            </a:schemeClr>
+          </a:lnRef>
+          <a:fillRef idx="1">
+            <a:schemeClr val="accent1"/>
+          </a:fillRef>
+          <a:effectRef idx="0">
+            <a:schemeClr val="accent1"/>
+          </a:effectRef>
+          <a:fontRef idx="minor">
+            <a:schemeClr val="lt1"/>
+          </a:fontRef>
+        </p:style>
+        <p:txBody>
+          <a:bodyPr rtlCol="0" anchor="ctr"/>
+          <a:lstStyle/>
+          <a:p>
+            <a:pPr algn="ctr"/>
+            <a:endParaRPr lang="en-US" dirty="0">
+              <a:ln>
+                <a:solidFill>
+                  <a:schemeClr val="tx1"/>
+                </a:solidFill>
+              </a:ln>
+              <a:solidFill>
+                <a:sysClr val="windowText" lastClr="000000"/>
+              </a:solidFill>
+            </a:endParaRPr>
+          </a:p>
+        </p:txBody>
+      </p:sp>
+      <p:sp>
+        <p:nvSpPr>
+          <p:cNvPr id="66" name="Rectangle 65"/>
+          <p:cNvSpPr/>
+          <p:nvPr/>
+        </p:nvSpPr>
+        <p:spPr>
+          <a:xfrm>
+            <a:off x="7315200" y="3352800"/>
+            <a:ext cx="304800" cy="152400"/>
+          </a:xfrm>
+          <a:prstGeom prst="rect">
+            <a:avLst/>
+          </a:prstGeom>
+          <a:noFill/>
+          <a:ln>
+            <a:solidFill>
+              <a:schemeClr val="tx1"/>
+            </a:solidFill>
+          </a:ln>
+        </p:spPr>
+        <p:style>
+          <a:lnRef idx="2">
+            <a:schemeClr val="accent1">
+              <a:shade val="50000"/>
+            </a:schemeClr>
+          </a:lnRef>
+          <a:fillRef idx="1">
+            <a:schemeClr val="accent1"/>
+          </a:fillRef>
+          <a:effectRef idx="0">
+            <a:schemeClr val="accent1"/>
+          </a:effectRef>
+          <a:fontRef idx="minor">
+            <a:schemeClr val="lt1"/>
+          </a:fontRef>
+        </p:style>
+        <p:txBody>
+          <a:bodyPr rtlCol="0" anchor="ctr"/>
+          <a:lstStyle/>
+          <a:p>
+            <a:pPr algn="ctr"/>
+            <a:endParaRPr lang="en-US" dirty="0">
+              <a:ln>
+                <a:solidFill>
+                  <a:schemeClr val="tx1"/>
+                </a:solidFill>
+              </a:ln>
+              <a:solidFill>
+                <a:sysClr val="windowText" lastClr="000000"/>
+              </a:solidFill>
+            </a:endParaRPr>
+          </a:p>
+        </p:txBody>
+      </p:sp>
+      <p:sp>
+        <p:nvSpPr>
+          <p:cNvPr id="67" name="TextBox 66"/>
+          <p:cNvSpPr txBox="1"/>
+          <p:nvPr/>
+        </p:nvSpPr>
+        <p:spPr>
+          <a:xfrm>
+            <a:off x="2590800" y="914400"/>
+            <a:ext cx="1524000" cy="830997"/>
+          </a:xfrm>
+          <a:prstGeom prst="rect">
+            <a:avLst/>
+          </a:prstGeom>
+          <a:solidFill>
+            <a:srgbClr val="FF0000"/>
+          </a:solidFill>
+          <a:ln>
+            <a:solidFill>
+              <a:schemeClr val="tx1"/>
+            </a:solidFill>
+          </a:ln>
+        </p:spPr>
+        <p:txBody>
+          <a:bodyPr wrap="square" rtlCol="0">
+            <a:spAutoFit/>
+          </a:bodyPr>
+          <a:lstStyle/>
+          <a:p>
+            <a:r>
+              <a:rPr lang="en-US" sz="1200" b="1" dirty="0" smtClean="0"/>
+              <a:t>Shopping Cart </a:t>
+            </a:r>
+            <a:r>
+              <a:rPr lang="en-US" sz="1200" dirty="0" smtClean="0"/>
+              <a:t>– Displays all the courses the student wants to sign up for</a:t>
+            </a:r>
+          </a:p>
+        </p:txBody>
+      </p:sp>
+      <p:sp>
+        <p:nvSpPr>
+          <p:cNvPr id="68" name="TextBox 67"/>
+          <p:cNvSpPr txBox="1"/>
+          <p:nvPr/>
+        </p:nvSpPr>
+        <p:spPr>
+          <a:xfrm>
+            <a:off x="4419600" y="914400"/>
+            <a:ext cx="1524000" cy="830997"/>
+          </a:xfrm>
+          <a:prstGeom prst="rect">
+            <a:avLst/>
+          </a:prstGeom>
+          <a:solidFill>
+            <a:srgbClr val="FF0000"/>
+          </a:solidFill>
+          <a:ln>
+            <a:solidFill>
+              <a:schemeClr val="tx1"/>
+            </a:solidFill>
+          </a:ln>
+        </p:spPr>
+        <p:txBody>
+          <a:bodyPr wrap="square" rtlCol="0">
+            <a:spAutoFit/>
+          </a:bodyPr>
+          <a:lstStyle/>
+          <a:p>
+            <a:r>
+              <a:rPr lang="en-US" sz="1200" b="1" dirty="0" smtClean="0"/>
+              <a:t>Current Courses </a:t>
+            </a:r>
+            <a:r>
+              <a:rPr lang="en-US" sz="1200" dirty="0" smtClean="0"/>
+              <a:t>– List of courses the student already signed up for </a:t>
+            </a:r>
+          </a:p>
+        </p:txBody>
+      </p:sp>
+      <p:sp>
+        <p:nvSpPr>
+          <p:cNvPr id="69" name="TextBox 68"/>
+          <p:cNvSpPr txBox="1"/>
+          <p:nvPr/>
+        </p:nvSpPr>
+        <p:spPr>
+          <a:xfrm>
+            <a:off x="7162800" y="3810000"/>
+            <a:ext cx="1524000" cy="1015663"/>
+          </a:xfrm>
+          <a:prstGeom prst="rect">
+            <a:avLst/>
+          </a:prstGeom>
+          <a:solidFill>
+            <a:srgbClr val="FF0000"/>
+          </a:solidFill>
+          <a:ln>
+            <a:solidFill>
+              <a:schemeClr val="tx1"/>
+            </a:solidFill>
+          </a:ln>
+        </p:spPr>
+        <p:txBody>
+          <a:bodyPr wrap="square" rtlCol="0">
+            <a:spAutoFit/>
+          </a:bodyPr>
+          <a:lstStyle/>
+          <a:p>
+            <a:r>
+              <a:rPr lang="en-US" sz="1200" b="1" dirty="0" smtClean="0"/>
+              <a:t>Sign up </a:t>
+            </a:r>
+            <a:r>
+              <a:rPr lang="en-US" sz="1200" dirty="0" smtClean="0"/>
+              <a:t>– This requires the user to check off which classes to actually sign up for</a:t>
+            </a:r>
+          </a:p>
+        </p:txBody>
+      </p:sp>
+      <p:sp>
+        <p:nvSpPr>
+          <p:cNvPr id="70" name="TextBox 69"/>
+          <p:cNvSpPr txBox="1"/>
+          <p:nvPr/>
+        </p:nvSpPr>
+        <p:spPr>
+          <a:xfrm>
+            <a:off x="3505200" y="152400"/>
+            <a:ext cx="2828595" cy="369332"/>
+          </a:xfrm>
+          <a:prstGeom prst="rect">
+            <a:avLst/>
+          </a:prstGeom>
+          <a:noFill/>
+        </p:spPr>
+        <p:txBody>
+          <a:bodyPr wrap="none" rtlCol="0">
+            <a:spAutoFit/>
+          </a:bodyPr>
+          <a:lstStyle/>
+          <a:p>
+            <a:r>
+              <a:rPr lang="en-US" b="1" dirty="0" smtClean="0"/>
+              <a:t>Manage Courses Student UI</a:t>
+            </a:r>
+            <a:endParaRPr lang="en-US" b="1" dirty="0"/>
           </a:p>
         </p:txBody>
       </p:sp>
